--- a/Intermediate Presentation/Presentation_AhnYounGeun.pptx
+++ b/Intermediate Presentation/Presentation_AhnYounGeun.pptx
@@ -5,47 +5,41 @@
     <p:sldMasterId id="2147483684" r:id="rId1"/>
   </p:sldMasterIdLst>
   <p:notesMasterIdLst>
-    <p:notesMasterId r:id="rId37"/>
+    <p:notesMasterId r:id="rId31"/>
   </p:notesMasterIdLst>
   <p:handoutMasterIdLst>
-    <p:handoutMasterId r:id="rId38"/>
+    <p:handoutMasterId r:id="rId32"/>
   </p:handoutMasterIdLst>
   <p:sldIdLst>
-    <p:sldId id="260" r:id="rId2"/>
-    <p:sldId id="261" r:id="rId3"/>
-    <p:sldId id="262" r:id="rId4"/>
-    <p:sldId id="257" r:id="rId5"/>
-    <p:sldId id="271" r:id="rId6"/>
-    <p:sldId id="266" r:id="rId7"/>
-    <p:sldId id="272" r:id="rId8"/>
-    <p:sldId id="265" r:id="rId9"/>
-    <p:sldId id="258" r:id="rId10"/>
-    <p:sldId id="263" r:id="rId11"/>
-    <p:sldId id="273" r:id="rId12"/>
-    <p:sldId id="302" r:id="rId13"/>
-    <p:sldId id="267" r:id="rId14"/>
-    <p:sldId id="264" r:id="rId15"/>
-    <p:sldId id="259" r:id="rId16"/>
-    <p:sldId id="274" r:id="rId17"/>
-    <p:sldId id="275" r:id="rId18"/>
-    <p:sldId id="276" r:id="rId19"/>
-    <p:sldId id="277" r:id="rId20"/>
-    <p:sldId id="278" r:id="rId21"/>
-    <p:sldId id="279" r:id="rId22"/>
-    <p:sldId id="280" r:id="rId23"/>
-    <p:sldId id="281" r:id="rId24"/>
+    <p:sldId id="314" r:id="rId2"/>
+    <p:sldId id="315" r:id="rId3"/>
+    <p:sldId id="316" r:id="rId4"/>
+    <p:sldId id="317" r:id="rId5"/>
+    <p:sldId id="318" r:id="rId6"/>
+    <p:sldId id="319" r:id="rId7"/>
+    <p:sldId id="320" r:id="rId8"/>
+    <p:sldId id="321" r:id="rId9"/>
+    <p:sldId id="322" r:id="rId10"/>
+    <p:sldId id="323" r:id="rId11"/>
+    <p:sldId id="324" r:id="rId12"/>
+    <p:sldId id="325" r:id="rId13"/>
+    <p:sldId id="326" r:id="rId14"/>
+    <p:sldId id="327" r:id="rId15"/>
+    <p:sldId id="328" r:id="rId16"/>
+    <p:sldId id="329" r:id="rId17"/>
+    <p:sldId id="330" r:id="rId18"/>
+    <p:sldId id="331" r:id="rId19"/>
+    <p:sldId id="332" r:id="rId20"/>
+    <p:sldId id="333" r:id="rId21"/>
+    <p:sldId id="334" r:id="rId22"/>
+    <p:sldId id="335" r:id="rId23"/>
+    <p:sldId id="336" r:id="rId24"/>
     <p:sldId id="268" r:id="rId25"/>
     <p:sldId id="269" r:id="rId26"/>
     <p:sldId id="300" r:id="rId27"/>
-    <p:sldId id="270" r:id="rId28"/>
-    <p:sldId id="293" r:id="rId29"/>
-    <p:sldId id="294" r:id="rId30"/>
-    <p:sldId id="295" r:id="rId31"/>
-    <p:sldId id="296" r:id="rId32"/>
-    <p:sldId id="297" r:id="rId33"/>
-    <p:sldId id="298" r:id="rId34"/>
-    <p:sldId id="299" r:id="rId35"/>
-    <p:sldId id="301" r:id="rId36"/>
+    <p:sldId id="337" r:id="rId28"/>
+    <p:sldId id="338" r:id="rId29"/>
+    <p:sldId id="301" r:id="rId30"/>
   </p:sldIdLst>
   <p:sldSz cx="8640763" cy="5143500"/>
   <p:notesSz cx="6858000" cy="9144000"/>
@@ -237,7 +231,7 @@
           <a:p>
             <a:fld id="{84D986F2-23CB-45D6-A372-EB5E51BBF901}" type="datetimeFigureOut">
               <a:rPr lang="ko-KR" altLang="en-US" smtClean="0"/>
-              <a:t>2016-4-18</a:t>
+              <a:t>2016-4-20</a:t>
             </a:fld>
             <a:endParaRPr lang="ko-KR" altLang="en-US"/>
           </a:p>
@@ -403,7 +397,7 @@
           <a:p>
             <a:fld id="{1A80B4AB-883B-4496-A506-B7143E2D1885}" type="datetimeFigureOut">
               <a:rPr lang="ko-KR" altLang="en-US" smtClean="0"/>
-              <a:t>2016-4-18</a:t>
+              <a:t>2016-4-20</a:t>
             </a:fld>
             <a:endParaRPr lang="ko-KR" altLang="en-US"/>
           </a:p>
@@ -790,7 +784,259 @@
     </p:spTree>
     <p:extLst>
       <p:ext uri="{BB962C8B-B14F-4D97-AF65-F5344CB8AC3E}">
-        <p14:creationId xmlns:p14="http://schemas.microsoft.com/office/powerpoint/2010/main" val="3449236226"/>
+        <p14:creationId xmlns:p14="http://schemas.microsoft.com/office/powerpoint/2010/main" val="3816898452"/>
+      </p:ext>
+    </p:extLst>
+  </p:cSld>
+  <p:clrMapOvr>
+    <a:masterClrMapping/>
+  </p:clrMapOvr>
+</p:notes>
+</file>
+
+<file path=ppt/notesSlides/notesSlide10.xml><?xml version="1.0" encoding="utf-8"?>
+<p:notes xmlns:a="http://schemas.openxmlformats.org/drawingml/2006/main" xmlns:r="http://schemas.openxmlformats.org/officeDocument/2006/relationships" xmlns:p="http://schemas.openxmlformats.org/presentationml/2006/main">
+  <p:cSld>
+    <p:spTree>
+      <p:nvGrpSpPr>
+        <p:cNvPr id="1" name=""/>
+        <p:cNvGrpSpPr/>
+        <p:nvPr/>
+      </p:nvGrpSpPr>
+      <p:grpSpPr>
+        <a:xfrm>
+          <a:off x="0" y="0"/>
+          <a:ext cx="0" cy="0"/>
+          <a:chOff x="0" y="0"/>
+          <a:chExt cx="0" cy="0"/>
+        </a:xfrm>
+      </p:grpSpPr>
+      <p:sp>
+        <p:nvSpPr>
+          <p:cNvPr id="2" name="슬라이드 이미지 개체 틀 1"/>
+          <p:cNvSpPr>
+            <a:spLocks noGrp="1" noRot="1" noChangeAspect="1"/>
+          </p:cNvSpPr>
+          <p:nvPr>
+            <p:ph type="sldImg"/>
+          </p:nvPr>
+        </p:nvSpPr>
+        <p:spPr/>
+      </p:sp>
+      <p:sp>
+        <p:nvSpPr>
+          <p:cNvPr id="3" name="슬라이드 노트 개체 틀 2"/>
+          <p:cNvSpPr>
+            <a:spLocks noGrp="1"/>
+          </p:cNvSpPr>
+          <p:nvPr>
+            <p:ph type="body" idx="1"/>
+          </p:nvPr>
+        </p:nvSpPr>
+        <p:spPr/>
+        <p:txBody>
+          <a:bodyPr/>
+          <a:lstStyle/>
+          <a:p>
+            <a:endParaRPr lang="ko-KR" altLang="en-US" dirty="0"/>
+          </a:p>
+        </p:txBody>
+      </p:sp>
+      <p:sp>
+        <p:nvSpPr>
+          <p:cNvPr id="4" name="슬라이드 번호 개체 틀 3"/>
+          <p:cNvSpPr>
+            <a:spLocks noGrp="1"/>
+          </p:cNvSpPr>
+          <p:nvPr>
+            <p:ph type="sldNum" sz="quarter" idx="10"/>
+          </p:nvPr>
+        </p:nvSpPr>
+        <p:spPr/>
+        <p:txBody>
+          <a:bodyPr/>
+          <a:lstStyle/>
+          <a:p>
+            <a:fld id="{C3ABC127-5E28-4E53-B878-33009A792857}" type="slidenum">
+              <a:rPr lang="ko-KR" altLang="en-US" smtClean="0"/>
+              <a:t>19</a:t>
+            </a:fld>
+            <a:endParaRPr lang="ko-KR" altLang="en-US"/>
+          </a:p>
+        </p:txBody>
+      </p:sp>
+    </p:spTree>
+    <p:extLst>
+      <p:ext uri="{BB962C8B-B14F-4D97-AF65-F5344CB8AC3E}">
+        <p14:creationId xmlns:p14="http://schemas.microsoft.com/office/powerpoint/2010/main" val="2927917811"/>
+      </p:ext>
+    </p:extLst>
+  </p:cSld>
+  <p:clrMapOvr>
+    <a:masterClrMapping/>
+  </p:clrMapOvr>
+</p:notes>
+</file>
+
+<file path=ppt/notesSlides/notesSlide11.xml><?xml version="1.0" encoding="utf-8"?>
+<p:notes xmlns:a="http://schemas.openxmlformats.org/drawingml/2006/main" xmlns:r="http://schemas.openxmlformats.org/officeDocument/2006/relationships" xmlns:p="http://schemas.openxmlformats.org/presentationml/2006/main">
+  <p:cSld>
+    <p:spTree>
+      <p:nvGrpSpPr>
+        <p:cNvPr id="1" name=""/>
+        <p:cNvGrpSpPr/>
+        <p:nvPr/>
+      </p:nvGrpSpPr>
+      <p:grpSpPr>
+        <a:xfrm>
+          <a:off x="0" y="0"/>
+          <a:ext cx="0" cy="0"/>
+          <a:chOff x="0" y="0"/>
+          <a:chExt cx="0" cy="0"/>
+        </a:xfrm>
+      </p:grpSpPr>
+      <p:sp>
+        <p:nvSpPr>
+          <p:cNvPr id="2" name="슬라이드 이미지 개체 틀 1"/>
+          <p:cNvSpPr>
+            <a:spLocks noGrp="1" noRot="1" noChangeAspect="1"/>
+          </p:cNvSpPr>
+          <p:nvPr>
+            <p:ph type="sldImg"/>
+          </p:nvPr>
+        </p:nvSpPr>
+        <p:spPr/>
+      </p:sp>
+      <p:sp>
+        <p:nvSpPr>
+          <p:cNvPr id="3" name="슬라이드 노트 개체 틀 2"/>
+          <p:cNvSpPr>
+            <a:spLocks noGrp="1"/>
+          </p:cNvSpPr>
+          <p:nvPr>
+            <p:ph type="body" idx="1"/>
+          </p:nvPr>
+        </p:nvSpPr>
+        <p:spPr/>
+        <p:txBody>
+          <a:bodyPr/>
+          <a:lstStyle/>
+          <a:p>
+            <a:endParaRPr lang="ko-KR" altLang="en-US" dirty="0"/>
+          </a:p>
+        </p:txBody>
+      </p:sp>
+      <p:sp>
+        <p:nvSpPr>
+          <p:cNvPr id="4" name="슬라이드 번호 개체 틀 3"/>
+          <p:cNvSpPr>
+            <a:spLocks noGrp="1"/>
+          </p:cNvSpPr>
+          <p:nvPr>
+            <p:ph type="sldNum" sz="quarter" idx="10"/>
+          </p:nvPr>
+        </p:nvSpPr>
+        <p:spPr/>
+        <p:txBody>
+          <a:bodyPr/>
+          <a:lstStyle/>
+          <a:p>
+            <a:fld id="{C3ABC127-5E28-4E53-B878-33009A792857}" type="slidenum">
+              <a:rPr lang="ko-KR" altLang="en-US" smtClean="0"/>
+              <a:t>20</a:t>
+            </a:fld>
+            <a:endParaRPr lang="ko-KR" altLang="en-US"/>
+          </a:p>
+        </p:txBody>
+      </p:sp>
+    </p:spTree>
+    <p:extLst>
+      <p:ext uri="{BB962C8B-B14F-4D97-AF65-F5344CB8AC3E}">
+        <p14:creationId xmlns:p14="http://schemas.microsoft.com/office/powerpoint/2010/main" val="1889465759"/>
+      </p:ext>
+    </p:extLst>
+  </p:cSld>
+  <p:clrMapOvr>
+    <a:masterClrMapping/>
+  </p:clrMapOvr>
+</p:notes>
+</file>
+
+<file path=ppt/notesSlides/notesSlide12.xml><?xml version="1.0" encoding="utf-8"?>
+<p:notes xmlns:a="http://schemas.openxmlformats.org/drawingml/2006/main" xmlns:r="http://schemas.openxmlformats.org/officeDocument/2006/relationships" xmlns:p="http://schemas.openxmlformats.org/presentationml/2006/main">
+  <p:cSld>
+    <p:spTree>
+      <p:nvGrpSpPr>
+        <p:cNvPr id="1" name=""/>
+        <p:cNvGrpSpPr/>
+        <p:nvPr/>
+      </p:nvGrpSpPr>
+      <p:grpSpPr>
+        <a:xfrm>
+          <a:off x="0" y="0"/>
+          <a:ext cx="0" cy="0"/>
+          <a:chOff x="0" y="0"/>
+          <a:chExt cx="0" cy="0"/>
+        </a:xfrm>
+      </p:grpSpPr>
+      <p:sp>
+        <p:nvSpPr>
+          <p:cNvPr id="2" name="슬라이드 이미지 개체 틀 1"/>
+          <p:cNvSpPr>
+            <a:spLocks noGrp="1" noRot="1" noChangeAspect="1"/>
+          </p:cNvSpPr>
+          <p:nvPr>
+            <p:ph type="sldImg"/>
+          </p:nvPr>
+        </p:nvSpPr>
+        <p:spPr/>
+      </p:sp>
+      <p:sp>
+        <p:nvSpPr>
+          <p:cNvPr id="3" name="슬라이드 노트 개체 틀 2"/>
+          <p:cNvSpPr>
+            <a:spLocks noGrp="1"/>
+          </p:cNvSpPr>
+          <p:nvPr>
+            <p:ph type="body" idx="1"/>
+          </p:nvPr>
+        </p:nvSpPr>
+        <p:spPr/>
+        <p:txBody>
+          <a:bodyPr/>
+          <a:lstStyle/>
+          <a:p>
+            <a:endParaRPr lang="ko-KR" altLang="en-US" dirty="0"/>
+          </a:p>
+        </p:txBody>
+      </p:sp>
+      <p:sp>
+        <p:nvSpPr>
+          <p:cNvPr id="4" name="슬라이드 번호 개체 틀 3"/>
+          <p:cNvSpPr>
+            <a:spLocks noGrp="1"/>
+          </p:cNvSpPr>
+          <p:nvPr>
+            <p:ph type="sldNum" sz="quarter" idx="10"/>
+          </p:nvPr>
+        </p:nvSpPr>
+        <p:spPr/>
+        <p:txBody>
+          <a:bodyPr/>
+          <a:lstStyle/>
+          <a:p>
+            <a:fld id="{C3ABC127-5E28-4E53-B878-33009A792857}" type="slidenum">
+              <a:rPr lang="ko-KR" altLang="en-US" smtClean="0"/>
+              <a:t>22</a:t>
+            </a:fld>
+            <a:endParaRPr lang="ko-KR" altLang="en-US"/>
+          </a:p>
+        </p:txBody>
+      </p:sp>
+    </p:spTree>
+    <p:extLst>
+      <p:ext uri="{BB962C8B-B14F-4D97-AF65-F5344CB8AC3E}">
+        <p14:creationId xmlns:p14="http://schemas.microsoft.com/office/powerpoint/2010/main" val="2337746175"/>
       </p:ext>
     </p:extLst>
   </p:cSld>
@@ -960,7 +1206,7 @@
     </p:spTree>
     <p:extLst>
       <p:ext uri="{BB962C8B-B14F-4D97-AF65-F5344CB8AC3E}">
-        <p14:creationId xmlns:p14="http://schemas.microsoft.com/office/powerpoint/2010/main" val="2825753761"/>
+        <p14:creationId xmlns:p14="http://schemas.microsoft.com/office/powerpoint/2010/main" val="809889660"/>
       </p:ext>
     </p:extLst>
   </p:cSld>
@@ -1080,7 +1326,7 @@
     </p:spTree>
     <p:extLst>
       <p:ext uri="{BB962C8B-B14F-4D97-AF65-F5344CB8AC3E}">
-        <p14:creationId xmlns:p14="http://schemas.microsoft.com/office/powerpoint/2010/main" val="3115495770"/>
+        <p14:creationId xmlns:p14="http://schemas.microsoft.com/office/powerpoint/2010/main" val="2838357813"/>
       </p:ext>
     </p:extLst>
   </p:cSld>
@@ -1134,59 +1380,9 @@
           <a:bodyPr/>
           <a:lstStyle/>
           <a:p>
-            <a:pPr marL="228600" indent="-228600">
-              <a:buAutoNum type="arabicPeriod"/>
+            <a:pPr marL="0" indent="0">
+              <a:buNone/>
             </a:pPr>
-            <a:r>
-              <a:rPr lang="ko-KR" altLang="en-US" dirty="0" smtClean="0"/>
-              <a:t>두개의 스프린트를 한 </a:t>
-            </a:r>
-            <a:r>
-              <a:rPr lang="ko-KR" altLang="en-US" dirty="0" err="1" smtClean="0"/>
-              <a:t>이터레이션에</a:t>
-            </a:r>
-            <a:r>
-              <a:rPr lang="ko-KR" altLang="en-US" dirty="0" smtClean="0"/>
-              <a:t> 동시에 돌립니다</a:t>
-            </a:r>
-            <a:r>
-              <a:rPr lang="en-US" altLang="ko-KR" dirty="0" smtClean="0"/>
-              <a:t>.</a:t>
-            </a:r>
-          </a:p>
-          <a:p>
-            <a:pPr marL="228600" indent="-228600">
-              <a:buAutoNum type="arabicPeriod"/>
-            </a:pPr>
-            <a:r>
-              <a:rPr lang="en-US" altLang="ko-KR" dirty="0" smtClean="0"/>
-              <a:t>XP</a:t>
-            </a:r>
-            <a:r>
-              <a:rPr lang="ko-KR" altLang="en-US" dirty="0" smtClean="0"/>
-              <a:t>로부터 페어프로그래밍을 가져와서 적용합니다</a:t>
-            </a:r>
-            <a:r>
-              <a:rPr lang="en-US" altLang="ko-KR" dirty="0" smtClean="0"/>
-              <a:t>.</a:t>
-            </a:r>
-          </a:p>
-          <a:p>
-            <a:pPr marL="228600" indent="-228600">
-              <a:buAutoNum type="arabicPeriod"/>
-            </a:pPr>
-            <a:r>
-              <a:rPr lang="ko-KR" altLang="en-US" dirty="0" err="1" smtClean="0"/>
-              <a:t>이터레이션에</a:t>
-            </a:r>
-            <a:r>
-              <a:rPr lang="ko-KR" altLang="en-US" dirty="0" smtClean="0"/>
-              <a:t> 따라 스프린트간의 인원을 적절하게 배치합니다</a:t>
-            </a:r>
-            <a:r>
-              <a:rPr lang="en-US" altLang="ko-KR" dirty="0" smtClean="0"/>
-              <a:t>.</a:t>
-            </a:r>
             <a:endParaRPr lang="ko-KR" altLang="en-US" dirty="0"/>
           </a:p>
         </p:txBody>
@@ -1217,7 +1413,427 @@
     </p:spTree>
     <p:extLst>
       <p:ext uri="{BB962C8B-B14F-4D97-AF65-F5344CB8AC3E}">
-        <p14:creationId xmlns:p14="http://schemas.microsoft.com/office/powerpoint/2010/main" val="2363957611"/>
+        <p14:creationId xmlns:p14="http://schemas.microsoft.com/office/powerpoint/2010/main" val="2108055713"/>
+      </p:ext>
+    </p:extLst>
+  </p:cSld>
+  <p:clrMapOvr>
+    <a:masterClrMapping/>
+  </p:clrMapOvr>
+</p:notes>
+</file>
+
+<file path=ppt/notesSlides/notesSlide5.xml><?xml version="1.0" encoding="utf-8"?>
+<p:notes xmlns:a="http://schemas.openxmlformats.org/drawingml/2006/main" xmlns:r="http://schemas.openxmlformats.org/officeDocument/2006/relationships" xmlns:p="http://schemas.openxmlformats.org/presentationml/2006/main">
+  <p:cSld>
+    <p:spTree>
+      <p:nvGrpSpPr>
+        <p:cNvPr id="1" name=""/>
+        <p:cNvGrpSpPr/>
+        <p:nvPr/>
+      </p:nvGrpSpPr>
+      <p:grpSpPr>
+        <a:xfrm>
+          <a:off x="0" y="0"/>
+          <a:ext cx="0" cy="0"/>
+          <a:chOff x="0" y="0"/>
+          <a:chExt cx="0" cy="0"/>
+        </a:xfrm>
+      </p:grpSpPr>
+      <p:sp>
+        <p:nvSpPr>
+          <p:cNvPr id="2" name="슬라이드 이미지 개체 틀 1"/>
+          <p:cNvSpPr>
+            <a:spLocks noGrp="1" noRot="1" noChangeAspect="1"/>
+          </p:cNvSpPr>
+          <p:nvPr>
+            <p:ph type="sldImg"/>
+          </p:nvPr>
+        </p:nvSpPr>
+        <p:spPr/>
+      </p:sp>
+      <p:sp>
+        <p:nvSpPr>
+          <p:cNvPr id="3" name="슬라이드 노트 개체 틀 2"/>
+          <p:cNvSpPr>
+            <a:spLocks noGrp="1"/>
+          </p:cNvSpPr>
+          <p:nvPr>
+            <p:ph type="body" idx="1"/>
+          </p:nvPr>
+        </p:nvSpPr>
+        <p:spPr/>
+        <p:txBody>
+          <a:bodyPr/>
+          <a:lstStyle/>
+          <a:p>
+            <a:endParaRPr lang="ko-KR" altLang="en-US" dirty="0"/>
+          </a:p>
+        </p:txBody>
+      </p:sp>
+      <p:sp>
+        <p:nvSpPr>
+          <p:cNvPr id="4" name="슬라이드 번호 개체 틀 3"/>
+          <p:cNvSpPr>
+            <a:spLocks noGrp="1"/>
+          </p:cNvSpPr>
+          <p:nvPr>
+            <p:ph type="sldNum" sz="quarter" idx="10"/>
+          </p:nvPr>
+        </p:nvSpPr>
+        <p:spPr/>
+        <p:txBody>
+          <a:bodyPr/>
+          <a:lstStyle/>
+          <a:p>
+            <a:fld id="{C3ABC127-5E28-4E53-B878-33009A792857}" type="slidenum">
+              <a:rPr lang="ko-KR" altLang="en-US" smtClean="0"/>
+              <a:t>14</a:t>
+            </a:fld>
+            <a:endParaRPr lang="ko-KR" altLang="en-US"/>
+          </a:p>
+        </p:txBody>
+      </p:sp>
+    </p:spTree>
+    <p:extLst>
+      <p:ext uri="{BB962C8B-B14F-4D97-AF65-F5344CB8AC3E}">
+        <p14:creationId xmlns:p14="http://schemas.microsoft.com/office/powerpoint/2010/main" val="1706848284"/>
+      </p:ext>
+    </p:extLst>
+  </p:cSld>
+  <p:clrMapOvr>
+    <a:masterClrMapping/>
+  </p:clrMapOvr>
+</p:notes>
+</file>
+
+<file path=ppt/notesSlides/notesSlide6.xml><?xml version="1.0" encoding="utf-8"?>
+<p:notes xmlns:a="http://schemas.openxmlformats.org/drawingml/2006/main" xmlns:r="http://schemas.openxmlformats.org/officeDocument/2006/relationships" xmlns:p="http://schemas.openxmlformats.org/presentationml/2006/main">
+  <p:cSld>
+    <p:spTree>
+      <p:nvGrpSpPr>
+        <p:cNvPr id="1" name=""/>
+        <p:cNvGrpSpPr/>
+        <p:nvPr/>
+      </p:nvGrpSpPr>
+      <p:grpSpPr>
+        <a:xfrm>
+          <a:off x="0" y="0"/>
+          <a:ext cx="0" cy="0"/>
+          <a:chOff x="0" y="0"/>
+          <a:chExt cx="0" cy="0"/>
+        </a:xfrm>
+      </p:grpSpPr>
+      <p:sp>
+        <p:nvSpPr>
+          <p:cNvPr id="2" name="슬라이드 이미지 개체 틀 1"/>
+          <p:cNvSpPr>
+            <a:spLocks noGrp="1" noRot="1" noChangeAspect="1"/>
+          </p:cNvSpPr>
+          <p:nvPr>
+            <p:ph type="sldImg"/>
+          </p:nvPr>
+        </p:nvSpPr>
+        <p:spPr/>
+      </p:sp>
+      <p:sp>
+        <p:nvSpPr>
+          <p:cNvPr id="3" name="슬라이드 노트 개체 틀 2"/>
+          <p:cNvSpPr>
+            <a:spLocks noGrp="1"/>
+          </p:cNvSpPr>
+          <p:nvPr>
+            <p:ph type="body" idx="1"/>
+          </p:nvPr>
+        </p:nvSpPr>
+        <p:spPr/>
+        <p:txBody>
+          <a:bodyPr/>
+          <a:lstStyle/>
+          <a:p>
+            <a:endParaRPr lang="ko-KR" altLang="en-US" dirty="0"/>
+          </a:p>
+        </p:txBody>
+      </p:sp>
+      <p:sp>
+        <p:nvSpPr>
+          <p:cNvPr id="4" name="슬라이드 번호 개체 틀 3"/>
+          <p:cNvSpPr>
+            <a:spLocks noGrp="1"/>
+          </p:cNvSpPr>
+          <p:nvPr>
+            <p:ph type="sldNum" sz="quarter" idx="10"/>
+          </p:nvPr>
+        </p:nvSpPr>
+        <p:spPr/>
+        <p:txBody>
+          <a:bodyPr/>
+          <a:lstStyle/>
+          <a:p>
+            <a:fld id="{C3ABC127-5E28-4E53-B878-33009A792857}" type="slidenum">
+              <a:rPr lang="ko-KR" altLang="en-US" smtClean="0"/>
+              <a:t>15</a:t>
+            </a:fld>
+            <a:endParaRPr lang="ko-KR" altLang="en-US"/>
+          </a:p>
+        </p:txBody>
+      </p:sp>
+    </p:spTree>
+    <p:extLst>
+      <p:ext uri="{BB962C8B-B14F-4D97-AF65-F5344CB8AC3E}">
+        <p14:creationId xmlns:p14="http://schemas.microsoft.com/office/powerpoint/2010/main" val="2942213299"/>
+      </p:ext>
+    </p:extLst>
+  </p:cSld>
+  <p:clrMapOvr>
+    <a:masterClrMapping/>
+  </p:clrMapOvr>
+</p:notes>
+</file>
+
+<file path=ppt/notesSlides/notesSlide7.xml><?xml version="1.0" encoding="utf-8"?>
+<p:notes xmlns:a="http://schemas.openxmlformats.org/drawingml/2006/main" xmlns:r="http://schemas.openxmlformats.org/officeDocument/2006/relationships" xmlns:p="http://schemas.openxmlformats.org/presentationml/2006/main">
+  <p:cSld>
+    <p:spTree>
+      <p:nvGrpSpPr>
+        <p:cNvPr id="1" name=""/>
+        <p:cNvGrpSpPr/>
+        <p:nvPr/>
+      </p:nvGrpSpPr>
+      <p:grpSpPr>
+        <a:xfrm>
+          <a:off x="0" y="0"/>
+          <a:ext cx="0" cy="0"/>
+          <a:chOff x="0" y="0"/>
+          <a:chExt cx="0" cy="0"/>
+        </a:xfrm>
+      </p:grpSpPr>
+      <p:sp>
+        <p:nvSpPr>
+          <p:cNvPr id="2" name="슬라이드 이미지 개체 틀 1"/>
+          <p:cNvSpPr>
+            <a:spLocks noGrp="1" noRot="1" noChangeAspect="1"/>
+          </p:cNvSpPr>
+          <p:nvPr>
+            <p:ph type="sldImg"/>
+          </p:nvPr>
+        </p:nvSpPr>
+        <p:spPr/>
+      </p:sp>
+      <p:sp>
+        <p:nvSpPr>
+          <p:cNvPr id="3" name="슬라이드 노트 개체 틀 2"/>
+          <p:cNvSpPr>
+            <a:spLocks noGrp="1"/>
+          </p:cNvSpPr>
+          <p:nvPr>
+            <p:ph type="body" idx="1"/>
+          </p:nvPr>
+        </p:nvSpPr>
+        <p:spPr/>
+        <p:txBody>
+          <a:bodyPr/>
+          <a:lstStyle/>
+          <a:p>
+            <a:endParaRPr lang="ko-KR" altLang="en-US" dirty="0"/>
+          </a:p>
+        </p:txBody>
+      </p:sp>
+      <p:sp>
+        <p:nvSpPr>
+          <p:cNvPr id="4" name="슬라이드 번호 개체 틀 3"/>
+          <p:cNvSpPr>
+            <a:spLocks noGrp="1"/>
+          </p:cNvSpPr>
+          <p:nvPr>
+            <p:ph type="sldNum" sz="quarter" idx="10"/>
+          </p:nvPr>
+        </p:nvSpPr>
+        <p:spPr/>
+        <p:txBody>
+          <a:bodyPr/>
+          <a:lstStyle/>
+          <a:p>
+            <a:fld id="{C3ABC127-5E28-4E53-B878-33009A792857}" type="slidenum">
+              <a:rPr lang="ko-KR" altLang="en-US" smtClean="0"/>
+              <a:t>16</a:t>
+            </a:fld>
+            <a:endParaRPr lang="ko-KR" altLang="en-US"/>
+          </a:p>
+        </p:txBody>
+      </p:sp>
+    </p:spTree>
+    <p:extLst>
+      <p:ext uri="{BB962C8B-B14F-4D97-AF65-F5344CB8AC3E}">
+        <p14:creationId xmlns:p14="http://schemas.microsoft.com/office/powerpoint/2010/main" val="2733968705"/>
+      </p:ext>
+    </p:extLst>
+  </p:cSld>
+  <p:clrMapOvr>
+    <a:masterClrMapping/>
+  </p:clrMapOvr>
+</p:notes>
+</file>
+
+<file path=ppt/notesSlides/notesSlide8.xml><?xml version="1.0" encoding="utf-8"?>
+<p:notes xmlns:a="http://schemas.openxmlformats.org/drawingml/2006/main" xmlns:r="http://schemas.openxmlformats.org/officeDocument/2006/relationships" xmlns:p="http://schemas.openxmlformats.org/presentationml/2006/main">
+  <p:cSld>
+    <p:spTree>
+      <p:nvGrpSpPr>
+        <p:cNvPr id="1" name=""/>
+        <p:cNvGrpSpPr/>
+        <p:nvPr/>
+      </p:nvGrpSpPr>
+      <p:grpSpPr>
+        <a:xfrm>
+          <a:off x="0" y="0"/>
+          <a:ext cx="0" cy="0"/>
+          <a:chOff x="0" y="0"/>
+          <a:chExt cx="0" cy="0"/>
+        </a:xfrm>
+      </p:grpSpPr>
+      <p:sp>
+        <p:nvSpPr>
+          <p:cNvPr id="2" name="슬라이드 이미지 개체 틀 1"/>
+          <p:cNvSpPr>
+            <a:spLocks noGrp="1" noRot="1" noChangeAspect="1"/>
+          </p:cNvSpPr>
+          <p:nvPr>
+            <p:ph type="sldImg"/>
+          </p:nvPr>
+        </p:nvSpPr>
+        <p:spPr/>
+      </p:sp>
+      <p:sp>
+        <p:nvSpPr>
+          <p:cNvPr id="3" name="슬라이드 노트 개체 틀 2"/>
+          <p:cNvSpPr>
+            <a:spLocks noGrp="1"/>
+          </p:cNvSpPr>
+          <p:nvPr>
+            <p:ph type="body" idx="1"/>
+          </p:nvPr>
+        </p:nvSpPr>
+        <p:spPr/>
+        <p:txBody>
+          <a:bodyPr/>
+          <a:lstStyle/>
+          <a:p>
+            <a:endParaRPr lang="ko-KR" altLang="en-US" dirty="0"/>
+          </a:p>
+        </p:txBody>
+      </p:sp>
+      <p:sp>
+        <p:nvSpPr>
+          <p:cNvPr id="4" name="슬라이드 번호 개체 틀 3"/>
+          <p:cNvSpPr>
+            <a:spLocks noGrp="1"/>
+          </p:cNvSpPr>
+          <p:nvPr>
+            <p:ph type="sldNum" sz="quarter" idx="10"/>
+          </p:nvPr>
+        </p:nvSpPr>
+        <p:spPr/>
+        <p:txBody>
+          <a:bodyPr/>
+          <a:lstStyle/>
+          <a:p>
+            <a:fld id="{C3ABC127-5E28-4E53-B878-33009A792857}" type="slidenum">
+              <a:rPr lang="ko-KR" altLang="en-US" smtClean="0"/>
+              <a:t>17</a:t>
+            </a:fld>
+            <a:endParaRPr lang="ko-KR" altLang="en-US"/>
+          </a:p>
+        </p:txBody>
+      </p:sp>
+    </p:spTree>
+    <p:extLst>
+      <p:ext uri="{BB962C8B-B14F-4D97-AF65-F5344CB8AC3E}">
+        <p14:creationId xmlns:p14="http://schemas.microsoft.com/office/powerpoint/2010/main" val="3137422318"/>
+      </p:ext>
+    </p:extLst>
+  </p:cSld>
+  <p:clrMapOvr>
+    <a:masterClrMapping/>
+  </p:clrMapOvr>
+</p:notes>
+</file>
+
+<file path=ppt/notesSlides/notesSlide9.xml><?xml version="1.0" encoding="utf-8"?>
+<p:notes xmlns:a="http://schemas.openxmlformats.org/drawingml/2006/main" xmlns:r="http://schemas.openxmlformats.org/officeDocument/2006/relationships" xmlns:p="http://schemas.openxmlformats.org/presentationml/2006/main">
+  <p:cSld>
+    <p:spTree>
+      <p:nvGrpSpPr>
+        <p:cNvPr id="1" name=""/>
+        <p:cNvGrpSpPr/>
+        <p:nvPr/>
+      </p:nvGrpSpPr>
+      <p:grpSpPr>
+        <a:xfrm>
+          <a:off x="0" y="0"/>
+          <a:ext cx="0" cy="0"/>
+          <a:chOff x="0" y="0"/>
+          <a:chExt cx="0" cy="0"/>
+        </a:xfrm>
+      </p:grpSpPr>
+      <p:sp>
+        <p:nvSpPr>
+          <p:cNvPr id="2" name="슬라이드 이미지 개체 틀 1"/>
+          <p:cNvSpPr>
+            <a:spLocks noGrp="1" noRot="1" noChangeAspect="1"/>
+          </p:cNvSpPr>
+          <p:nvPr>
+            <p:ph type="sldImg"/>
+          </p:nvPr>
+        </p:nvSpPr>
+        <p:spPr/>
+      </p:sp>
+      <p:sp>
+        <p:nvSpPr>
+          <p:cNvPr id="3" name="슬라이드 노트 개체 틀 2"/>
+          <p:cNvSpPr>
+            <a:spLocks noGrp="1"/>
+          </p:cNvSpPr>
+          <p:nvPr>
+            <p:ph type="body" idx="1"/>
+          </p:nvPr>
+        </p:nvSpPr>
+        <p:spPr/>
+        <p:txBody>
+          <a:bodyPr/>
+          <a:lstStyle/>
+          <a:p>
+            <a:endParaRPr lang="ko-KR" altLang="en-US" dirty="0"/>
+          </a:p>
+        </p:txBody>
+      </p:sp>
+      <p:sp>
+        <p:nvSpPr>
+          <p:cNvPr id="4" name="슬라이드 번호 개체 틀 3"/>
+          <p:cNvSpPr>
+            <a:spLocks noGrp="1"/>
+          </p:cNvSpPr>
+          <p:nvPr>
+            <p:ph type="sldNum" sz="quarter" idx="10"/>
+          </p:nvPr>
+        </p:nvSpPr>
+        <p:spPr/>
+        <p:txBody>
+          <a:bodyPr/>
+          <a:lstStyle/>
+          <a:p>
+            <a:fld id="{C3ABC127-5E28-4E53-B878-33009A792857}" type="slidenum">
+              <a:rPr lang="ko-KR" altLang="en-US" smtClean="0"/>
+              <a:t>18</a:t>
+            </a:fld>
+            <a:endParaRPr lang="ko-KR" altLang="en-US"/>
+          </a:p>
+        </p:txBody>
+      </p:sp>
+    </p:spTree>
+    <p:extLst>
+      <p:ext uri="{BB962C8B-B14F-4D97-AF65-F5344CB8AC3E}">
+        <p14:creationId xmlns:p14="http://schemas.microsoft.com/office/powerpoint/2010/main" val="878181392"/>
       </p:ext>
     </p:extLst>
   </p:cSld>
@@ -1376,7 +1992,7 @@
           <a:p>
             <a:fld id="{6A0631CC-EF27-4EE7-BE47-1B05EE493A8E}" type="datetime1">
               <a:rPr lang="ko-KR" altLang="en-US" smtClean="0"/>
-              <a:t>2016-4-18</a:t>
+              <a:t>2016-4-20</a:t>
             </a:fld>
             <a:endParaRPr lang="ko-KR" altLang="en-US"/>
           </a:p>
@@ -1592,7 +2208,7 @@
           <a:p>
             <a:fld id="{996497AC-CFC5-4A95-80BA-723AF1C0E699}" type="datetime1">
               <a:rPr lang="ko-KR" altLang="en-US" smtClean="0"/>
-              <a:t>2016-4-18</a:t>
+              <a:t>2016-4-20</a:t>
             </a:fld>
             <a:endParaRPr lang="ko-KR" altLang="en-US"/>
           </a:p>
@@ -1772,7 +2388,7 @@
           <a:p>
             <a:fld id="{21905FC7-3EEE-4A6D-BDDF-35BC1B651698}" type="datetime1">
               <a:rPr lang="ko-KR" altLang="en-US" smtClean="0"/>
-              <a:t>2016-4-18</a:t>
+              <a:t>2016-4-20</a:t>
             </a:fld>
             <a:endParaRPr lang="ko-KR" altLang="en-US"/>
           </a:p>
@@ -1946,7 +2562,7 @@
           <a:p>
             <a:fld id="{77F0A64B-43B6-4684-97B6-780C316867B3}" type="datetime1">
               <a:rPr lang="ko-KR" altLang="en-US" smtClean="0"/>
-              <a:t>2016-4-18</a:t>
+              <a:t>2016-4-20</a:t>
             </a:fld>
             <a:endParaRPr lang="ko-KR" altLang="en-US"/>
           </a:p>
@@ -2202,7 +2818,7 @@
           <a:p>
             <a:fld id="{542ED769-91DB-423B-8360-C07BFC09C0B8}" type="datetime1">
               <a:rPr lang="ko-KR" altLang="en-US" smtClean="0"/>
-              <a:t>2016-4-18</a:t>
+              <a:t>2016-4-20</a:t>
             </a:fld>
             <a:endParaRPr lang="ko-KR" altLang="en-US"/>
           </a:p>
@@ -2434,7 +3050,7 @@
           <a:p>
             <a:fld id="{E6D8A93A-9C16-4401-B9DD-CECCD673AB8D}" type="datetime1">
               <a:rPr lang="ko-KR" altLang="en-US" smtClean="0"/>
-              <a:t>2016-4-18</a:t>
+              <a:t>2016-4-20</a:t>
             </a:fld>
             <a:endParaRPr lang="ko-KR" altLang="en-US"/>
           </a:p>
@@ -2801,7 +3417,7 @@
           <a:p>
             <a:fld id="{ECC04205-CAAB-430F-BA45-1FF43AA239E9}" type="datetime1">
               <a:rPr lang="ko-KR" altLang="en-US" smtClean="0"/>
-              <a:t>2016-4-18</a:t>
+              <a:t>2016-4-20</a:t>
             </a:fld>
             <a:endParaRPr lang="ko-KR" altLang="en-US"/>
           </a:p>
@@ -2919,7 +3535,7 @@
           <a:p>
             <a:fld id="{F8C59EAF-5DF3-47C3-9BC8-BB1CFA21E5D5}" type="datetime1">
               <a:rPr lang="ko-KR" altLang="en-US" smtClean="0"/>
-              <a:t>2016-4-18</a:t>
+              <a:t>2016-4-20</a:t>
             </a:fld>
             <a:endParaRPr lang="ko-KR" altLang="en-US"/>
           </a:p>
@@ -3014,7 +3630,7 @@
           <a:p>
             <a:fld id="{BF38B368-EE75-4D52-B018-79D33C119C2B}" type="datetime1">
               <a:rPr lang="ko-KR" altLang="en-US" smtClean="0"/>
-              <a:t>2016-4-18</a:t>
+              <a:t>2016-4-20</a:t>
             </a:fld>
             <a:endParaRPr lang="ko-KR" altLang="en-US"/>
           </a:p>
@@ -3291,7 +3907,7 @@
           <a:p>
             <a:fld id="{10B1D2C7-9331-41E1-A2B4-6C7C19BFF59D}" type="datetime1">
               <a:rPr lang="ko-KR" altLang="en-US" smtClean="0"/>
-              <a:t>2016-4-18</a:t>
+              <a:t>2016-4-20</a:t>
             </a:fld>
             <a:endParaRPr lang="ko-KR" altLang="en-US"/>
           </a:p>
@@ -3548,7 +4164,7 @@
           <a:p>
             <a:fld id="{8CFB8C9F-905F-4530-8A3B-34BCAD88E7C3}" type="datetime1">
               <a:rPr lang="ko-KR" altLang="en-US" smtClean="0"/>
-              <a:t>2016-4-18</a:t>
+              <a:t>2016-4-20</a:t>
             </a:fld>
             <a:endParaRPr lang="ko-KR" altLang="en-US"/>
           </a:p>
@@ -3810,7 +4426,7 @@
           <a:p>
             <a:fld id="{8E4BCEFB-0C7D-4ECA-807A-5C57EC77C192}" type="datetime1">
               <a:rPr lang="ko-KR" altLang="en-US" smtClean="0"/>
-              <a:t>2016-4-18</a:t>
+              <a:t>2016-4-20</a:t>
             </a:fld>
             <a:endParaRPr lang="ko-KR" altLang="en-US"/>
           </a:p>
@@ -4431,7 +5047,7 @@
     </p:spTree>
     <p:extLst>
       <p:ext uri="{BB962C8B-B14F-4D97-AF65-F5344CB8AC3E}">
-        <p14:creationId xmlns:p14="http://schemas.microsoft.com/office/powerpoint/2010/main" val="1062083986"/>
+        <p14:creationId xmlns:p14="http://schemas.microsoft.com/office/powerpoint/2010/main" val="487342255"/>
       </p:ext>
     </p:extLst>
   </p:cSld>
@@ -4549,7 +5165,7 @@
       </p:sp>
       <p:sp>
         <p:nvSpPr>
-          <p:cNvPr id="5" name="내용 개체 틀 2"/>
+          <p:cNvPr id="6" name="내용 개체 틀 2"/>
           <p:cNvSpPr txBox="1">
             <a:spLocks/>
           </p:cNvSpPr>
@@ -4557,8 +5173,8 @@
         </p:nvSpPr>
         <p:spPr>
           <a:xfrm>
-            <a:off x="594053" y="2151950"/>
-            <a:ext cx="7452658" cy="459581"/>
+            <a:off x="594053" y="2676157"/>
+            <a:ext cx="5873288" cy="459581"/>
           </a:xfrm>
           <a:prstGeom prst="rect">
             <a:avLst/>
@@ -4737,16 +5353,56 @@
               <a:buNone/>
             </a:pPr>
             <a:r>
+              <a:rPr lang="en-US" altLang="ko-KR" sz="3200" dirty="0" smtClean="0">
+                <a:solidFill>
+                  <a:schemeClr val="bg1">
+                    <a:lumMod val="50000"/>
+                  </a:schemeClr>
+                </a:solidFill>
+              </a:rPr>
+              <a:t>Appl</a:t>
+            </a:r>
+            <a:r>
+              <a:rPr lang="en-US" altLang="ko-KR" sz="3200" dirty="0" smtClean="0">
+                <a:solidFill>
+                  <a:schemeClr val="bg1">
+                    <a:lumMod val="50000"/>
+                  </a:schemeClr>
+                </a:solidFill>
+              </a:rPr>
+              <a:t>y </a:t>
+            </a:r>
+            <a:r>
+              <a:rPr lang="en-US" altLang="ko-KR" sz="3200" b="1" dirty="0" smtClean="0"/>
+              <a:t>XP</a:t>
+            </a:r>
+            <a:r>
               <a:rPr lang="en-US" altLang="ko-KR" sz="3200" dirty="0" smtClean="0"/>
-              <a:t>Two Parallel Sprints at One Iteration</a:t>
-            </a:r>
-            <a:endParaRPr lang="ko-KR" altLang="en-US" sz="3200" dirty="0"/>
-          </a:p>
-        </p:txBody>
-      </p:sp>
-      <p:sp>
-        <p:nvSpPr>
-          <p:cNvPr id="6" name="내용 개체 틀 2"/>
+              <a:t> </a:t>
+            </a:r>
+            <a:r>
+              <a:rPr lang="en-US" altLang="ko-KR" sz="3200" dirty="0" smtClean="0">
+                <a:solidFill>
+                  <a:schemeClr val="bg1">
+                    <a:lumMod val="50000"/>
+                  </a:schemeClr>
+                </a:solidFill>
+              </a:rPr>
+              <a:t>Methodology</a:t>
+            </a:r>
+            <a:endParaRPr lang="ko-KR" altLang="en-US" sz="3200" dirty="0">
+              <a:solidFill>
+                <a:schemeClr val="bg1">
+                  <a:lumMod val="50000"/>
+                </a:schemeClr>
+              </a:solidFill>
+            </a:endParaRPr>
+          </a:p>
+        </p:txBody>
+      </p:sp>
+      <p:sp>
+        <p:nvSpPr>
+          <p:cNvPr id="7" name="내용 개체 틀 2"/>
           <p:cNvSpPr txBox="1">
             <a:spLocks/>
           </p:cNvSpPr>
@@ -4754,7 +5410,7 @@
         </p:nvSpPr>
         <p:spPr>
           <a:xfrm>
-            <a:off x="594053" y="2785071"/>
+            <a:off x="594053" y="2022688"/>
             <a:ext cx="5873288" cy="459581"/>
           </a:xfrm>
           <a:prstGeom prst="rect">
@@ -4934,16 +5590,26 @@
               <a:buNone/>
             </a:pPr>
             <a:r>
-              <a:rPr lang="en-US" altLang="ko-KR" sz="3200" dirty="0" smtClean="0"/>
-              <a:t>Pair Programming</a:t>
-            </a:r>
-            <a:endParaRPr lang="ko-KR" altLang="en-US" sz="3200" dirty="0"/>
-          </a:p>
-        </p:txBody>
-      </p:sp>
-      <p:sp>
-        <p:nvSpPr>
-          <p:cNvPr id="7" name="내용 개체 틀 2"/>
+              <a:rPr lang="en-US" altLang="ko-KR" sz="3200" dirty="0" smtClean="0">
+                <a:solidFill>
+                  <a:schemeClr val="bg1">
+                    <a:lumMod val="50000"/>
+                  </a:schemeClr>
+                </a:solidFill>
+              </a:rPr>
+              <a:t>Free </a:t>
+            </a:r>
+            <a:r>
+              <a:rPr lang="en-US" altLang="ko-KR" sz="3200" b="1" dirty="0" smtClean="0"/>
+              <a:t>Member Switching</a:t>
+            </a:r>
+            <a:endParaRPr lang="ko-KR" altLang="en-US" sz="3200" b="1" dirty="0"/>
+          </a:p>
+        </p:txBody>
+      </p:sp>
+      <p:sp>
+        <p:nvSpPr>
+          <p:cNvPr id="8" name="내용 개체 틀 2"/>
           <p:cNvSpPr txBox="1">
             <a:spLocks/>
           </p:cNvSpPr>
@@ -4951,7 +5617,7 @@
         </p:nvSpPr>
         <p:spPr>
           <a:xfrm>
-            <a:off x="594053" y="3418192"/>
+            <a:off x="594053" y="3329626"/>
             <a:ext cx="5873288" cy="459581"/>
           </a:xfrm>
           <a:prstGeom prst="rect">
@@ -5131,17 +5797,23 @@
               <a:buNone/>
             </a:pPr>
             <a:r>
-              <a:rPr lang="en-US" altLang="ko-KR" sz="3200" dirty="0" smtClean="0"/>
-              <a:t>Free Member Switching</a:t>
-            </a:r>
-            <a:endParaRPr lang="ko-KR" altLang="en-US" sz="3200" dirty="0"/>
+              <a:rPr lang="en-US" altLang="ko-KR" sz="3200" b="1" dirty="0" smtClean="0"/>
+              <a:t>Daily Scrum Meeting</a:t>
+            </a:r>
+            <a:endParaRPr lang="ko-KR" altLang="en-US" sz="3200" dirty="0">
+              <a:solidFill>
+                <a:schemeClr val="bg1">
+                  <a:lumMod val="50000"/>
+                </a:schemeClr>
+              </a:solidFill>
+            </a:endParaRPr>
           </a:p>
         </p:txBody>
       </p:sp>
     </p:spTree>
     <p:extLst>
       <p:ext uri="{BB962C8B-B14F-4D97-AF65-F5344CB8AC3E}">
-        <p14:creationId xmlns:p14="http://schemas.microsoft.com/office/powerpoint/2010/main" val="668875608"/>
+        <p14:creationId xmlns:p14="http://schemas.microsoft.com/office/powerpoint/2010/main" val="3822809452"/>
       </p:ext>
     </p:extLst>
   </p:cSld>
@@ -5154,9 +5826,196 @@
   <p:timing>
     <p:tnLst>
       <p:par>
-        <p:cTn id="1" dur="indefinite" restart="never" nodeType="tmRoot"/>
+        <p:cTn id="1" dur="indefinite" restart="never" nodeType="tmRoot">
+          <p:childTnLst>
+            <p:seq concurrent="1" nextAc="seek">
+              <p:cTn id="2" dur="indefinite" nodeType="mainSeq">
+                <p:childTnLst>
+                  <p:par>
+                    <p:cTn id="3" fill="hold">
+                      <p:stCondLst>
+                        <p:cond delay="indefinite"/>
+                      </p:stCondLst>
+                      <p:childTnLst>
+                        <p:par>
+                          <p:cTn id="4" fill="hold">
+                            <p:stCondLst>
+                              <p:cond delay="0"/>
+                            </p:stCondLst>
+                            <p:childTnLst>
+                              <p:par>
+                                <p:cTn id="5" presetID="10" presetClass="entr" presetSubtype="0" fill="hold" grpId="0" nodeType="clickEffect">
+                                  <p:stCondLst>
+                                    <p:cond delay="0"/>
+                                  </p:stCondLst>
+                                  <p:childTnLst>
+                                    <p:set>
+                                      <p:cBhvr>
+                                        <p:cTn id="6" dur="1" fill="hold">
+                                          <p:stCondLst>
+                                            <p:cond delay="0"/>
+                                          </p:stCondLst>
+                                        </p:cTn>
+                                        <p:tgtEl>
+                                          <p:spTgt spid="7"/>
+                                        </p:tgtEl>
+                                        <p:attrNameLst>
+                                          <p:attrName>style.visibility</p:attrName>
+                                        </p:attrNameLst>
+                                      </p:cBhvr>
+                                      <p:to>
+                                        <p:strVal val="visible"/>
+                                      </p:to>
+                                    </p:set>
+                                    <p:animEffect transition="in" filter="fade">
+                                      <p:cBhvr>
+                                        <p:cTn id="7" dur="500"/>
+                                        <p:tgtEl>
+                                          <p:spTgt spid="7"/>
+                                        </p:tgtEl>
+                                      </p:cBhvr>
+                                    </p:animEffect>
+                                  </p:childTnLst>
+                                </p:cTn>
+                              </p:par>
+                            </p:childTnLst>
+                          </p:cTn>
+                        </p:par>
+                      </p:childTnLst>
+                    </p:cTn>
+                  </p:par>
+                  <p:par>
+                    <p:cTn id="8" fill="hold">
+                      <p:stCondLst>
+                        <p:cond delay="indefinite"/>
+                      </p:stCondLst>
+                      <p:childTnLst>
+                        <p:par>
+                          <p:cTn id="9" fill="hold">
+                            <p:stCondLst>
+                              <p:cond delay="0"/>
+                            </p:stCondLst>
+                            <p:childTnLst>
+                              <p:par>
+                                <p:cTn id="10" presetID="10" presetClass="entr" presetSubtype="0" fill="hold" grpId="0" nodeType="clickEffect">
+                                  <p:stCondLst>
+                                    <p:cond delay="0"/>
+                                  </p:stCondLst>
+                                  <p:childTnLst>
+                                    <p:set>
+                                      <p:cBhvr>
+                                        <p:cTn id="11" dur="1" fill="hold">
+                                          <p:stCondLst>
+                                            <p:cond delay="0"/>
+                                          </p:stCondLst>
+                                        </p:cTn>
+                                        <p:tgtEl>
+                                          <p:spTgt spid="6"/>
+                                        </p:tgtEl>
+                                        <p:attrNameLst>
+                                          <p:attrName>style.visibility</p:attrName>
+                                        </p:attrNameLst>
+                                      </p:cBhvr>
+                                      <p:to>
+                                        <p:strVal val="visible"/>
+                                      </p:to>
+                                    </p:set>
+                                    <p:animEffect transition="in" filter="fade">
+                                      <p:cBhvr>
+                                        <p:cTn id="12" dur="500"/>
+                                        <p:tgtEl>
+                                          <p:spTgt spid="6"/>
+                                        </p:tgtEl>
+                                      </p:cBhvr>
+                                    </p:animEffect>
+                                  </p:childTnLst>
+                                </p:cTn>
+                              </p:par>
+                            </p:childTnLst>
+                          </p:cTn>
+                        </p:par>
+                      </p:childTnLst>
+                    </p:cTn>
+                  </p:par>
+                  <p:par>
+                    <p:cTn id="13" fill="hold">
+                      <p:stCondLst>
+                        <p:cond delay="indefinite"/>
+                      </p:stCondLst>
+                      <p:childTnLst>
+                        <p:par>
+                          <p:cTn id="14" fill="hold">
+                            <p:stCondLst>
+                              <p:cond delay="0"/>
+                            </p:stCondLst>
+                            <p:childTnLst>
+                              <p:par>
+                                <p:cTn id="15" presetID="10" presetClass="entr" presetSubtype="0" fill="hold" grpId="0" nodeType="clickEffect">
+                                  <p:stCondLst>
+                                    <p:cond delay="0"/>
+                                  </p:stCondLst>
+                                  <p:childTnLst>
+                                    <p:set>
+                                      <p:cBhvr>
+                                        <p:cTn id="16" dur="1" fill="hold">
+                                          <p:stCondLst>
+                                            <p:cond delay="0"/>
+                                          </p:stCondLst>
+                                        </p:cTn>
+                                        <p:tgtEl>
+                                          <p:spTgt spid="8"/>
+                                        </p:tgtEl>
+                                        <p:attrNameLst>
+                                          <p:attrName>style.visibility</p:attrName>
+                                        </p:attrNameLst>
+                                      </p:cBhvr>
+                                      <p:to>
+                                        <p:strVal val="visible"/>
+                                      </p:to>
+                                    </p:set>
+                                    <p:animEffect transition="in" filter="fade">
+                                      <p:cBhvr>
+                                        <p:cTn id="17" dur="500"/>
+                                        <p:tgtEl>
+                                          <p:spTgt spid="8"/>
+                                        </p:tgtEl>
+                                      </p:cBhvr>
+                                    </p:animEffect>
+                                  </p:childTnLst>
+                                </p:cTn>
+                              </p:par>
+                            </p:childTnLst>
+                          </p:cTn>
+                        </p:par>
+                      </p:childTnLst>
+                    </p:cTn>
+                  </p:par>
+                </p:childTnLst>
+              </p:cTn>
+              <p:prevCondLst>
+                <p:cond evt="onPrev" delay="0">
+                  <p:tgtEl>
+                    <p:sldTgt/>
+                  </p:tgtEl>
+                </p:cond>
+              </p:prevCondLst>
+              <p:nextCondLst>
+                <p:cond evt="onNext" delay="0">
+                  <p:tgtEl>
+                    <p:sldTgt/>
+                  </p:tgtEl>
+                </p:cond>
+              </p:nextCondLst>
+            </p:seq>
+          </p:childTnLst>
+        </p:cTn>
       </p:par>
     </p:tnLst>
+    <p:bldLst>
+      <p:bldP spid="6" grpId="0"/>
+      <p:bldP spid="7" grpId="0"/>
+      <p:bldP spid="8" grpId="0"/>
+    </p:bldLst>
   </p:timing>
 </p:sld>
 </file>
@@ -5218,11 +6077,7 @@
           <a:p>
             <a:r>
               <a:rPr lang="en-US" altLang="ko-KR" dirty="0" smtClean="0"/>
-              <a:t>Gantt </a:t>
-            </a:r>
-            <a:r>
-              <a:rPr lang="en-US" altLang="ko-KR" dirty="0" smtClean="0"/>
-              <a:t>Chart</a:t>
+              <a:t>Gantt Chart</a:t>
             </a:r>
           </a:p>
         </p:txBody>
@@ -5252,7 +6107,7 @@
       </p:sp>
       <p:pic>
         <p:nvPicPr>
-          <p:cNvPr id="5" name="그림 4"/>
+          <p:cNvPr id="6" name="그림 5"/>
           <p:cNvPicPr>
             <a:picLocks noChangeAspect="1"/>
           </p:cNvPicPr>
@@ -5266,18 +6121,23 @@
         </p:blipFill>
         <p:spPr>
           <a:xfrm>
-            <a:off x="1352283" y="1859342"/>
-            <a:ext cx="5942992" cy="2671300"/>
+            <a:off x="688803" y="1932216"/>
+            <a:ext cx="7263158" cy="2601148"/>
           </a:xfrm>
           <a:prstGeom prst="rect">
             <a:avLst/>
           </a:prstGeom>
+          <a:ln>
+            <a:solidFill>
+              <a:schemeClr val="tx1"/>
+            </a:solidFill>
+          </a:ln>
         </p:spPr>
       </p:pic>
     </p:spTree>
     <p:extLst>
       <p:ext uri="{BB962C8B-B14F-4D97-AF65-F5344CB8AC3E}">
-        <p14:creationId xmlns:p14="http://schemas.microsoft.com/office/powerpoint/2010/main" val="2499041606"/>
+        <p14:creationId xmlns:p14="http://schemas.microsoft.com/office/powerpoint/2010/main" val="3892300741"/>
       </p:ext>
     </p:extLst>
   </p:cSld>
@@ -5354,11 +6214,7 @@
           <a:p>
             <a:r>
               <a:rPr lang="en-US" altLang="ko-KR" dirty="0" smtClean="0"/>
-              <a:t>Sprint</a:t>
-            </a:r>
-            <a:r>
-              <a:rPr lang="en-US" altLang="ko-KR" dirty="0" smtClean="0"/>
-              <a:t>, Scrum Master</a:t>
+              <a:t>Four Sprints / Iteration.</a:t>
             </a:r>
             <a:endParaRPr lang="ko-KR" altLang="en-US" dirty="0"/>
           </a:p>
@@ -5389,7 +6245,7 @@
       </p:sp>
       <p:pic>
         <p:nvPicPr>
-          <p:cNvPr id="5" name="그림 4"/>
+          <p:cNvPr id="7" name="그림 6"/>
           <p:cNvPicPr>
             <a:picLocks noChangeAspect="1"/>
           </p:cNvPicPr>
@@ -5403,8 +6259,8 @@
         </p:blipFill>
         <p:spPr>
           <a:xfrm>
-            <a:off x="1542957" y="1712890"/>
-            <a:ext cx="5554850" cy="2576162"/>
+            <a:off x="887682" y="1877542"/>
+            <a:ext cx="6865400" cy="2246858"/>
           </a:xfrm>
           <a:prstGeom prst="rect">
             <a:avLst/>
@@ -5414,7 +6270,7 @@
     </p:spTree>
     <p:extLst>
       <p:ext uri="{BB962C8B-B14F-4D97-AF65-F5344CB8AC3E}">
-        <p14:creationId xmlns:p14="http://schemas.microsoft.com/office/powerpoint/2010/main" val="404060847"/>
+        <p14:creationId xmlns:p14="http://schemas.microsoft.com/office/powerpoint/2010/main" val="3375542266"/>
       </p:ext>
     </p:extLst>
   </p:cSld>
@@ -5422,7 +6278,7 @@
     <a:masterClrMapping/>
   </p:clrMapOvr>
   <p:transition spd="slow">
-    <p:push/>
+    <p:wipe/>
   </p:transition>
   <p:timing>
     <p:tnLst>
@@ -5716,7 +6572,7 @@
     </p:spTree>
     <p:extLst>
       <p:ext uri="{BB962C8B-B14F-4D97-AF65-F5344CB8AC3E}">
-        <p14:creationId xmlns:p14="http://schemas.microsoft.com/office/powerpoint/2010/main" val="1468927695"/>
+        <p14:creationId xmlns:p14="http://schemas.microsoft.com/office/powerpoint/2010/main" val="1809751334"/>
       </p:ext>
     </p:extLst>
   </p:cSld>
@@ -5755,52 +6611,6 @@
       </p:grpSpPr>
       <p:sp>
         <p:nvSpPr>
-          <p:cNvPr id="2" name="제목 1"/>
-          <p:cNvSpPr>
-            <a:spLocks noGrp="1"/>
-          </p:cNvSpPr>
-          <p:nvPr>
-            <p:ph type="title"/>
-          </p:nvPr>
-        </p:nvSpPr>
-        <p:spPr/>
-        <p:txBody>
-          <a:bodyPr/>
-          <a:lstStyle/>
-          <a:p>
-            <a:r>
-              <a:rPr lang="en-US" altLang="ko-KR" dirty="0" smtClean="0"/>
-              <a:t>Introduction</a:t>
-            </a:r>
-            <a:endParaRPr lang="ko-KR" altLang="en-US" dirty="0"/>
-          </a:p>
-        </p:txBody>
-      </p:sp>
-      <p:sp>
-        <p:nvSpPr>
-          <p:cNvPr id="3" name="내용 개체 틀 2"/>
-          <p:cNvSpPr>
-            <a:spLocks noGrp="1"/>
-          </p:cNvSpPr>
-          <p:nvPr>
-            <p:ph idx="1"/>
-          </p:nvPr>
-        </p:nvSpPr>
-        <p:spPr/>
-        <p:txBody>
-          <a:bodyPr/>
-          <a:lstStyle/>
-          <a:p>
-            <a:r>
-              <a:rPr lang="en-US" altLang="ko-KR" dirty="0" smtClean="0"/>
-              <a:t>Introduction</a:t>
-            </a:r>
-            <a:endParaRPr lang="ko-KR" altLang="en-US" dirty="0"/>
-          </a:p>
-        </p:txBody>
-      </p:sp>
-      <p:sp>
-        <p:nvSpPr>
           <p:cNvPr id="4" name="슬라이드 번호 개체 틀 3"/>
           <p:cNvSpPr>
             <a:spLocks noGrp="1"/>
@@ -5818,14 +6628,143 @@
               <a:rPr lang="ko-KR" altLang="en-US" smtClean="0"/>
               <a:t>14</a:t>
             </a:fld>
+            <a:endParaRPr lang="ko-KR" altLang="en-US" dirty="0"/>
+          </a:p>
+        </p:txBody>
+      </p:sp>
+      <p:sp>
+        <p:nvSpPr>
+          <p:cNvPr id="7" name="직사각형 6"/>
+          <p:cNvSpPr/>
+          <p:nvPr/>
+        </p:nvSpPr>
+        <p:spPr>
+          <a:xfrm>
+            <a:off x="-322450" y="-112992"/>
+            <a:ext cx="9285668" cy="1381008"/>
+          </a:xfrm>
+          <a:prstGeom prst="rect">
+            <a:avLst/>
+          </a:prstGeom>
+          <a:solidFill>
+            <a:schemeClr val="accent1">
+              <a:lumMod val="20000"/>
+              <a:lumOff val="80000"/>
+            </a:schemeClr>
+          </a:solidFill>
+          <a:ln>
+            <a:noFill/>
+          </a:ln>
+        </p:spPr>
+        <p:style>
+          <a:lnRef idx="2">
+            <a:schemeClr val="accent1">
+              <a:shade val="50000"/>
+            </a:schemeClr>
+          </a:lnRef>
+          <a:fillRef idx="1">
+            <a:schemeClr val="accent1"/>
+          </a:fillRef>
+          <a:effectRef idx="0">
+            <a:schemeClr val="accent1"/>
+          </a:effectRef>
+          <a:fontRef idx="minor">
+            <a:schemeClr val="lt1"/>
+          </a:fontRef>
+        </p:style>
+        <p:txBody>
+          <a:bodyPr rtlCol="0" anchor="ctr"/>
+          <a:lstStyle/>
+          <a:p>
+            <a:pPr algn="ctr"/>
             <a:endParaRPr lang="ko-KR" altLang="en-US"/>
+          </a:p>
+        </p:txBody>
+      </p:sp>
+      <p:sp>
+        <p:nvSpPr>
+          <p:cNvPr id="2" name="제목 1"/>
+          <p:cNvSpPr>
+            <a:spLocks noGrp="1"/>
+          </p:cNvSpPr>
+          <p:nvPr>
+            <p:ph type="title"/>
+          </p:nvPr>
+        </p:nvSpPr>
+        <p:spPr/>
+        <p:txBody>
+          <a:bodyPr/>
+          <a:lstStyle/>
+          <a:p>
+            <a:r>
+              <a:rPr lang="en-US" altLang="ko-KR" dirty="0" smtClean="0"/>
+              <a:t>SRS Format</a:t>
+            </a:r>
+            <a:endParaRPr lang="ko-KR" altLang="en-US" dirty="0"/>
+          </a:p>
+        </p:txBody>
+      </p:sp>
+      <p:sp>
+        <p:nvSpPr>
+          <p:cNvPr id="3" name="내용 개체 틀 2"/>
+          <p:cNvSpPr>
+            <a:spLocks noGrp="1"/>
+          </p:cNvSpPr>
+          <p:nvPr>
+            <p:ph idx="1"/>
+          </p:nvPr>
+        </p:nvSpPr>
+        <p:spPr>
+          <a:xfrm>
+            <a:off x="594053" y="1650436"/>
+            <a:ext cx="7452658" cy="2350253"/>
+          </a:xfrm>
+        </p:spPr>
+        <p:txBody>
+          <a:bodyPr>
+            <a:noAutofit/>
+          </a:bodyPr>
+          <a:lstStyle/>
+          <a:p>
+            <a:r>
+              <a:rPr lang="en-US" altLang="ko-KR" sz="2400" dirty="0" smtClean="0"/>
+              <a:t>Introduction</a:t>
+            </a:r>
+          </a:p>
+          <a:p>
+            <a:pPr lvl="1"/>
+            <a:r>
+              <a:rPr lang="en-US" altLang="ko-KR" sz="2000" dirty="0" smtClean="0"/>
+              <a:t>Purpose</a:t>
+            </a:r>
+          </a:p>
+          <a:p>
+            <a:pPr lvl="1"/>
+            <a:r>
+              <a:rPr lang="en-US" altLang="ko-KR" sz="2000" dirty="0" smtClean="0"/>
+              <a:t>Scope of Project</a:t>
+            </a:r>
+          </a:p>
+          <a:p>
+            <a:pPr lvl="1"/>
+            <a:r>
+              <a:rPr lang="en-US" altLang="ko-KR" sz="2000" dirty="0" smtClean="0"/>
+              <a:t>Glossary</a:t>
+            </a:r>
+          </a:p>
+          <a:p>
+            <a:pPr lvl="1"/>
+            <a:r>
+              <a:rPr lang="en-US" altLang="ko-KR" sz="2000" dirty="0" smtClean="0"/>
+              <a:t>Overview of Document</a:t>
+            </a:r>
           </a:p>
         </p:txBody>
       </p:sp>
     </p:spTree>
     <p:extLst>
       <p:ext uri="{BB962C8B-B14F-4D97-AF65-F5344CB8AC3E}">
-        <p14:creationId xmlns:p14="http://schemas.microsoft.com/office/powerpoint/2010/main" val="1537581928"/>
+        <p14:creationId xmlns:p14="http://schemas.microsoft.com/office/powerpoint/2010/main" val="708857944"/>
       </p:ext>
     </p:extLst>
   </p:cSld>
@@ -5864,52 +6803,6 @@
       </p:grpSpPr>
       <p:sp>
         <p:nvSpPr>
-          <p:cNvPr id="2" name="제목 1"/>
-          <p:cNvSpPr>
-            <a:spLocks noGrp="1"/>
-          </p:cNvSpPr>
-          <p:nvPr>
-            <p:ph type="title"/>
-          </p:nvPr>
-        </p:nvSpPr>
-        <p:spPr/>
-        <p:txBody>
-          <a:bodyPr/>
-          <a:lstStyle/>
-          <a:p>
-            <a:r>
-              <a:rPr lang="en-US" altLang="ko-KR" dirty="0" smtClean="0"/>
-              <a:t>Overall Description</a:t>
-            </a:r>
-            <a:endParaRPr lang="ko-KR" altLang="en-US" dirty="0"/>
-          </a:p>
-        </p:txBody>
-      </p:sp>
-      <p:sp>
-        <p:nvSpPr>
-          <p:cNvPr id="3" name="내용 개체 틀 2"/>
-          <p:cNvSpPr>
-            <a:spLocks noGrp="1"/>
-          </p:cNvSpPr>
-          <p:nvPr>
-            <p:ph idx="1"/>
-          </p:nvPr>
-        </p:nvSpPr>
-        <p:spPr/>
-        <p:txBody>
-          <a:bodyPr/>
-          <a:lstStyle/>
-          <a:p>
-            <a:r>
-              <a:rPr lang="en-US" altLang="ko-KR" dirty="0" smtClean="0"/>
-              <a:t>Overall Description</a:t>
-            </a:r>
-            <a:endParaRPr lang="ko-KR" altLang="en-US" dirty="0"/>
-          </a:p>
-        </p:txBody>
-      </p:sp>
-      <p:sp>
-        <p:nvSpPr>
           <p:cNvPr id="4" name="슬라이드 번호 개체 틀 3"/>
           <p:cNvSpPr>
             <a:spLocks noGrp="1"/>
@@ -5927,14 +6820,193 @@
               <a:rPr lang="ko-KR" altLang="en-US" smtClean="0"/>
               <a:t>15</a:t>
             </a:fld>
+            <a:endParaRPr lang="ko-KR" altLang="en-US" dirty="0"/>
+          </a:p>
+        </p:txBody>
+      </p:sp>
+      <p:sp>
+        <p:nvSpPr>
+          <p:cNvPr id="7" name="직사각형 6"/>
+          <p:cNvSpPr/>
+          <p:nvPr/>
+        </p:nvSpPr>
+        <p:spPr>
+          <a:xfrm>
+            <a:off x="-322450" y="-112992"/>
+            <a:ext cx="9285668" cy="1381008"/>
+          </a:xfrm>
+          <a:prstGeom prst="rect">
+            <a:avLst/>
+          </a:prstGeom>
+          <a:solidFill>
+            <a:schemeClr val="accent1">
+              <a:lumMod val="20000"/>
+              <a:lumOff val="80000"/>
+            </a:schemeClr>
+          </a:solidFill>
+          <a:ln>
+            <a:noFill/>
+          </a:ln>
+        </p:spPr>
+        <p:style>
+          <a:lnRef idx="2">
+            <a:schemeClr val="accent1">
+              <a:shade val="50000"/>
+            </a:schemeClr>
+          </a:lnRef>
+          <a:fillRef idx="1">
+            <a:schemeClr val="accent1"/>
+          </a:fillRef>
+          <a:effectRef idx="0">
+            <a:schemeClr val="accent1"/>
+          </a:effectRef>
+          <a:fontRef idx="minor">
+            <a:schemeClr val="lt1"/>
+          </a:fontRef>
+        </p:style>
+        <p:txBody>
+          <a:bodyPr rtlCol="0" anchor="ctr"/>
+          <a:lstStyle/>
+          <a:p>
+            <a:pPr algn="ctr"/>
             <a:endParaRPr lang="ko-KR" altLang="en-US"/>
+          </a:p>
+        </p:txBody>
+      </p:sp>
+      <p:sp>
+        <p:nvSpPr>
+          <p:cNvPr id="2" name="제목 1"/>
+          <p:cNvSpPr>
+            <a:spLocks noGrp="1"/>
+          </p:cNvSpPr>
+          <p:nvPr>
+            <p:ph type="title"/>
+          </p:nvPr>
+        </p:nvSpPr>
+        <p:spPr/>
+        <p:txBody>
+          <a:bodyPr/>
+          <a:lstStyle/>
+          <a:p>
+            <a:r>
+              <a:rPr lang="en-US" altLang="ko-KR" dirty="0" smtClean="0"/>
+              <a:t>SRS Format</a:t>
+            </a:r>
+            <a:endParaRPr lang="ko-KR" altLang="en-US" dirty="0"/>
+          </a:p>
+        </p:txBody>
+      </p:sp>
+      <p:sp>
+        <p:nvSpPr>
+          <p:cNvPr id="3" name="내용 개체 틀 2"/>
+          <p:cNvSpPr>
+            <a:spLocks noGrp="1"/>
+          </p:cNvSpPr>
+          <p:nvPr>
+            <p:ph idx="1"/>
+          </p:nvPr>
+        </p:nvSpPr>
+        <p:spPr>
+          <a:xfrm>
+            <a:off x="594053" y="1654852"/>
+            <a:ext cx="7452658" cy="2790042"/>
+          </a:xfrm>
+        </p:spPr>
+        <p:txBody>
+          <a:bodyPr>
+            <a:noAutofit/>
+          </a:bodyPr>
+          <a:lstStyle/>
+          <a:p>
+            <a:r>
+              <a:rPr lang="en-US" altLang="ko-KR" sz="2400" dirty="0" smtClean="0"/>
+              <a:t>Overall </a:t>
+            </a:r>
+            <a:r>
+              <a:rPr lang="en-US" altLang="ko-KR" sz="2400" dirty="0"/>
+              <a:t>Description</a:t>
+            </a:r>
+          </a:p>
+          <a:p>
+            <a:pPr lvl="1"/>
+            <a:r>
+              <a:rPr lang="en-US" altLang="ko-KR" sz="2000" dirty="0"/>
+              <a:t>System Environment</a:t>
+            </a:r>
+          </a:p>
+          <a:p>
+            <a:pPr lvl="1"/>
+            <a:r>
+              <a:rPr lang="en-US" altLang="ko-KR" sz="2000" dirty="0"/>
+              <a:t>User Characteristics</a:t>
+            </a:r>
+          </a:p>
+          <a:p>
+            <a:pPr lvl="1"/>
+            <a:r>
+              <a:rPr lang="en-US" altLang="ko-KR" sz="2000" dirty="0"/>
+              <a:t>Use Cases</a:t>
+            </a:r>
+          </a:p>
+          <a:p>
+            <a:pPr lvl="2"/>
+            <a:r>
+              <a:rPr lang="en-US" altLang="ko-KR" sz="1800" dirty="0"/>
+              <a:t>Use Case 1: </a:t>
+            </a:r>
+            <a:r>
+              <a:rPr lang="en-US" altLang="ko-KR" sz="1800" dirty="0" smtClean="0"/>
+              <a:t>Login System</a:t>
+            </a:r>
+            <a:endParaRPr lang="en-US" altLang="ko-KR" sz="1800" dirty="0"/>
+          </a:p>
+          <a:p>
+            <a:pPr lvl="3"/>
+            <a:r>
+              <a:rPr lang="en-US" altLang="ko-KR" sz="1600" dirty="0"/>
+              <a:t>Description</a:t>
+            </a:r>
+          </a:p>
+          <a:p>
+            <a:pPr lvl="3"/>
+            <a:r>
+              <a:rPr lang="en-US" altLang="ko-KR" sz="1600" dirty="0"/>
+              <a:t>Use Case Diagram</a:t>
+            </a:r>
+          </a:p>
+          <a:p>
+            <a:pPr lvl="2"/>
+            <a:r>
+              <a:rPr lang="en-US" altLang="ko-KR" sz="1800" dirty="0"/>
+              <a:t>Use Case 2</a:t>
+            </a:r>
+            <a:r>
+              <a:rPr lang="en-US" altLang="ko-KR" sz="1800" dirty="0" smtClean="0"/>
+              <a:t>: Main Page</a:t>
+            </a:r>
+            <a:endParaRPr lang="en-US" altLang="ko-KR" sz="1800" dirty="0"/>
+          </a:p>
+          <a:p>
+            <a:pPr lvl="2"/>
+            <a:r>
+              <a:rPr lang="en-US" altLang="ko-KR" sz="1800" dirty="0" smtClean="0"/>
+              <a:t>…</a:t>
+            </a:r>
+            <a:r>
+              <a:rPr lang="en-US" altLang="ko-KR" sz="1800" dirty="0"/>
+              <a:t/>
+            </a:r>
+            <a:br>
+              <a:rPr lang="en-US" altLang="ko-KR" sz="1800" dirty="0"/>
+            </a:br>
+            <a:endParaRPr lang="en-US" altLang="ko-KR" sz="1800" dirty="0"/>
           </a:p>
         </p:txBody>
       </p:sp>
     </p:spTree>
     <p:extLst>
       <p:ext uri="{BB962C8B-B14F-4D97-AF65-F5344CB8AC3E}">
-        <p14:creationId xmlns:p14="http://schemas.microsoft.com/office/powerpoint/2010/main" val="3839151045"/>
+        <p14:creationId xmlns:p14="http://schemas.microsoft.com/office/powerpoint/2010/main" val="3590380310"/>
       </p:ext>
     </p:extLst>
   </p:cSld>
@@ -5942,7 +7014,7 @@
     <a:masterClrMapping/>
   </p:clrMapOvr>
   <p:transition spd="slow">
-    <p:push/>
+    <p:wipe/>
   </p:transition>
   <p:timing>
     <p:tnLst>
@@ -5973,141 +7045,212 @@
       </p:grpSpPr>
       <p:sp>
         <p:nvSpPr>
-          <p:cNvPr id="2" name="제목 1"/>
+          <p:cNvPr id="3" name="내용 개체 틀 2"/>
           <p:cNvSpPr>
             <a:spLocks noGrp="1"/>
           </p:cNvSpPr>
           <p:nvPr>
-            <p:ph type="title"/>
-          </p:nvPr>
-        </p:nvSpPr>
-        <p:spPr/>
-        <p:txBody>
-          <a:bodyPr/>
+            <p:ph idx="1"/>
+          </p:nvPr>
+        </p:nvSpPr>
+        <p:spPr>
+          <a:xfrm>
+            <a:off x="594053" y="1650436"/>
+            <a:ext cx="7452658" cy="2350253"/>
+          </a:xfrm>
+        </p:spPr>
+        <p:txBody>
+          <a:bodyPr>
+            <a:noAutofit/>
+          </a:bodyPr>
           <a:lstStyle/>
           <a:p>
             <a:r>
-              <a:rPr lang="en-US" altLang="ko-KR" b="0" dirty="0" smtClean="0"/>
-              <a:t>Use Case 1.</a:t>
-            </a:r>
-            <a:r>
-              <a:rPr lang="en-US" altLang="ko-KR" dirty="0" smtClean="0"/>
-              <a:t> Login/Logout</a:t>
-            </a:r>
-            <a:endParaRPr lang="ko-KR" altLang="en-US" dirty="0"/>
-          </a:p>
-        </p:txBody>
-      </p:sp>
-      <p:sp>
-        <p:nvSpPr>
-          <p:cNvPr id="3" name="내용 개체 틀 2"/>
-          <p:cNvSpPr>
-            <a:spLocks noGrp="1"/>
-          </p:cNvSpPr>
-          <p:nvPr>
-            <p:ph idx="1"/>
-          </p:nvPr>
-        </p:nvSpPr>
-        <p:spPr/>
-        <p:txBody>
-          <a:bodyPr/>
+              <a:rPr lang="en-US" altLang="ko-KR" sz="2400" dirty="0" smtClean="0"/>
+              <a:t>Requirements </a:t>
+            </a:r>
+            <a:r>
+              <a:rPr lang="en-US" altLang="ko-KR" sz="2400" dirty="0"/>
+              <a:t>Specification</a:t>
+            </a:r>
+          </a:p>
+          <a:p>
+            <a:pPr lvl="1"/>
+            <a:r>
+              <a:rPr lang="en-US" altLang="ko-KR" sz="2000" dirty="0"/>
+              <a:t>Use Case1: </a:t>
+            </a:r>
+            <a:r>
+              <a:rPr lang="en-US" altLang="ko-KR" sz="2000" dirty="0" smtClean="0"/>
+              <a:t>Login System</a:t>
+            </a:r>
+            <a:endParaRPr lang="en-US" altLang="ko-KR" sz="2000" dirty="0"/>
+          </a:p>
+          <a:p>
+            <a:pPr lvl="2"/>
+            <a:r>
+              <a:rPr lang="en-US" altLang="ko-KR" sz="1800" dirty="0"/>
+              <a:t>Functional Requirement1: </a:t>
+            </a:r>
+            <a:r>
+              <a:rPr lang="en-US" altLang="ko-KR" sz="1800" dirty="0" smtClean="0"/>
+              <a:t>…</a:t>
+            </a:r>
+            <a:endParaRPr lang="en-US" altLang="ko-KR" sz="1800" dirty="0"/>
+          </a:p>
+          <a:p>
+            <a:pPr lvl="2"/>
+            <a:r>
+              <a:rPr lang="en-US" altLang="ko-KR" sz="1800" dirty="0"/>
+              <a:t>Functional Requirement2: </a:t>
+            </a:r>
+            <a:r>
+              <a:rPr lang="en-US" altLang="ko-KR" sz="1800" dirty="0" smtClean="0"/>
+              <a:t>…</a:t>
+            </a:r>
+            <a:endParaRPr lang="en-US" altLang="ko-KR" sz="1800" dirty="0"/>
+          </a:p>
+          <a:p>
+            <a:pPr lvl="2"/>
+            <a:r>
+              <a:rPr lang="en-US" altLang="ko-KR" sz="1800" dirty="0"/>
+              <a:t>…</a:t>
+            </a:r>
+          </a:p>
+          <a:p>
+            <a:pPr lvl="2"/>
+            <a:r>
+              <a:rPr lang="en-US" altLang="ko-KR" sz="1800" dirty="0"/>
+              <a:t>Non-functional </a:t>
+            </a:r>
+            <a:r>
+              <a:rPr lang="en-US" altLang="ko-KR" sz="1800" dirty="0" smtClean="0"/>
+              <a:t>Requirement5: …</a:t>
+            </a:r>
+            <a:endParaRPr lang="en-US" altLang="ko-KR" sz="1800" dirty="0"/>
+          </a:p>
+          <a:p>
+            <a:pPr lvl="2"/>
+            <a:r>
+              <a:rPr lang="en-US" altLang="ko-KR" sz="1800" dirty="0"/>
+              <a:t>…</a:t>
+            </a:r>
+          </a:p>
+          <a:p>
+            <a:pPr lvl="1"/>
+            <a:r>
+              <a:rPr lang="en-US" altLang="ko-KR" sz="2000" dirty="0"/>
+              <a:t>Use Case2: </a:t>
+            </a:r>
+            <a:r>
+              <a:rPr lang="en-US" altLang="ko-KR" sz="2000" dirty="0" smtClean="0"/>
+              <a:t>Main Page</a:t>
+            </a:r>
+            <a:endParaRPr lang="en-US" altLang="ko-KR" sz="2000" dirty="0"/>
+          </a:p>
+          <a:p>
+            <a:pPr lvl="2"/>
+            <a:r>
+              <a:rPr lang="en-US" altLang="ko-KR" sz="1800" dirty="0" smtClean="0"/>
+              <a:t>Functional Requirement1: …</a:t>
+            </a:r>
+          </a:p>
+          <a:p>
+            <a:pPr lvl="2"/>
+            <a:r>
+              <a:rPr lang="en-US" altLang="ko-KR" sz="1800" dirty="0" smtClean="0"/>
+              <a:t>…</a:t>
+            </a:r>
+          </a:p>
+          <a:p>
+            <a:pPr lvl="1"/>
+            <a:r>
+              <a:rPr lang="en-US" altLang="ko-KR" sz="2000" dirty="0" smtClean="0"/>
+              <a:t>…</a:t>
+            </a:r>
+            <a:endParaRPr lang="en-US" altLang="ko-KR" sz="2000" dirty="0"/>
+          </a:p>
+          <a:p>
+            <a:pPr lvl="1"/>
+            <a:r>
+              <a:rPr lang="en-US" altLang="ko-KR" sz="2000" dirty="0"/>
+              <a:t>Non Functional Requirements</a:t>
+            </a:r>
+          </a:p>
+          <a:p>
+            <a:pPr lvl="2"/>
+            <a:r>
+              <a:rPr lang="en-US" altLang="ko-KR" sz="1800" dirty="0"/>
+              <a:t>non-functional requirements 1</a:t>
+            </a:r>
+          </a:p>
+          <a:p>
+            <a:pPr lvl="2"/>
+            <a:r>
+              <a:rPr lang="en-US" altLang="ko-KR" sz="1800" dirty="0"/>
+              <a:t>non-functional requirements 2</a:t>
+            </a:r>
+          </a:p>
+          <a:p>
+            <a:pPr lvl="2"/>
+            <a:r>
+              <a:rPr lang="en-US" altLang="ko-KR" sz="1800" dirty="0" smtClean="0"/>
+              <a:t>…</a:t>
+            </a:r>
+            <a:r>
+              <a:rPr lang="en-US" altLang="ko-KR" sz="2283" dirty="0" smtClean="0"/>
+              <a:t/>
+            </a:r>
+            <a:br>
+              <a:rPr lang="en-US" altLang="ko-KR" sz="2283" dirty="0" smtClean="0"/>
+            </a:br>
+            <a:endParaRPr lang="en-US" altLang="ko-KR" sz="2283" dirty="0" smtClean="0"/>
+          </a:p>
+        </p:txBody>
+      </p:sp>
+      <p:sp>
+        <p:nvSpPr>
+          <p:cNvPr id="8" name="직사각형 7"/>
+          <p:cNvSpPr/>
+          <p:nvPr/>
+        </p:nvSpPr>
+        <p:spPr>
+          <a:xfrm>
+            <a:off x="-322452" y="1222207"/>
+            <a:ext cx="9285668" cy="382970"/>
+          </a:xfrm>
+          <a:prstGeom prst="rect">
+            <a:avLst/>
+          </a:prstGeom>
+          <a:solidFill>
+            <a:schemeClr val="bg1"/>
+          </a:solidFill>
+          <a:ln>
+            <a:noFill/>
+          </a:ln>
+        </p:spPr>
+        <p:style>
+          <a:lnRef idx="2">
+            <a:schemeClr val="accent1">
+              <a:shade val="50000"/>
+            </a:schemeClr>
+          </a:lnRef>
+          <a:fillRef idx="1">
+            <a:schemeClr val="accent1"/>
+          </a:fillRef>
+          <a:effectRef idx="0">
+            <a:schemeClr val="accent1"/>
+          </a:effectRef>
+          <a:fontRef idx="minor">
+            <a:schemeClr val="lt1"/>
+          </a:fontRef>
+        </p:style>
+        <p:txBody>
+          <a:bodyPr rtlCol="0" anchor="ctr"/>
           <a:lstStyle/>
           <a:p>
-            <a:r>
-              <a:rPr lang="en-US" altLang="ko-KR" dirty="0" smtClean="0"/>
-              <a:t>Use Case 1. Login/Logout</a:t>
-            </a:r>
-          </a:p>
-          <a:p>
-            <a:r>
-              <a:rPr lang="en-US" altLang="ko-KR" dirty="0" smtClean="0"/>
-              <a:t>Description(User Scenario)</a:t>
-            </a:r>
-            <a:r>
-              <a:rPr lang="ko-KR" altLang="en-US" dirty="0" smtClean="0"/>
-              <a:t>를 설명해주세요</a:t>
-            </a:r>
-            <a:r>
-              <a:rPr lang="en-US" altLang="ko-KR" dirty="0" smtClean="0"/>
-              <a:t>.</a:t>
-            </a:r>
-          </a:p>
-          <a:p>
-            <a:r>
-              <a:rPr lang="en-US" altLang="ko-KR" dirty="0" smtClean="0"/>
-              <a:t>Functional </a:t>
-            </a:r>
-            <a:r>
-              <a:rPr lang="en-US" altLang="ko-KR" dirty="0"/>
-              <a:t>Requirement </a:t>
-            </a:r>
-            <a:r>
-              <a:rPr lang="ko-KR" altLang="en-US" dirty="0"/>
-              <a:t>어떤 것들 나왔는지 설명해주세요</a:t>
-            </a:r>
-            <a:r>
-              <a:rPr lang="en-US" altLang="ko-KR" dirty="0"/>
-              <a:t>.</a:t>
-            </a:r>
-          </a:p>
-          <a:p>
-            <a:r>
-              <a:rPr lang="en-US" altLang="ko-KR" dirty="0"/>
-              <a:t>Non-Functional Requirement </a:t>
-            </a:r>
-            <a:r>
-              <a:rPr lang="ko-KR" altLang="en-US" dirty="0"/>
-              <a:t>어떤 것들 나왔는지 설명해주세요</a:t>
-            </a:r>
-            <a:r>
-              <a:rPr lang="en-US" altLang="ko-KR" dirty="0" smtClean="0"/>
-              <a:t>.</a:t>
-            </a:r>
-          </a:p>
-          <a:p>
-            <a:r>
-              <a:rPr lang="ko-KR" altLang="en-US" dirty="0"/>
-              <a:t>가능하면 </a:t>
-            </a:r>
-            <a:r>
-              <a:rPr lang="en-US" altLang="ko-KR" dirty="0"/>
-              <a:t>PPT</a:t>
-            </a:r>
-            <a:r>
-              <a:rPr lang="ko-KR" altLang="en-US" dirty="0"/>
-              <a:t>에 글로 </a:t>
-            </a:r>
-            <a:r>
-              <a:rPr lang="ko-KR" altLang="en-US" dirty="0" err="1"/>
-              <a:t>때려박지</a:t>
-            </a:r>
-            <a:r>
-              <a:rPr lang="ko-KR" altLang="en-US" dirty="0"/>
-              <a:t> 말고 말로 설명해주세요</a:t>
-            </a:r>
-            <a:r>
-              <a:rPr lang="en-US" altLang="ko-KR" dirty="0"/>
-              <a:t>.</a:t>
-            </a:r>
-          </a:p>
-          <a:p>
-            <a:r>
-              <a:rPr lang="ko-KR" altLang="en-US" dirty="0"/>
-              <a:t>필요하다면 추가 슬라이드를 </a:t>
-            </a:r>
-            <a:r>
-              <a:rPr lang="ko-KR" altLang="en-US" dirty="0" err="1"/>
-              <a:t>삽입하셔도</a:t>
-            </a:r>
-            <a:r>
-              <a:rPr lang="ko-KR" altLang="en-US" dirty="0"/>
-              <a:t> 좋습니다</a:t>
-            </a:r>
-            <a:r>
-              <a:rPr lang="en-US" altLang="ko-KR" dirty="0" smtClean="0"/>
-              <a:t>.</a:t>
-            </a:r>
-            <a:endParaRPr lang="en-US" altLang="ko-KR" dirty="0"/>
+            <a:pPr algn="ctr"/>
+            <a:endParaRPr lang="ko-KR" altLang="en-US"/>
           </a:p>
         </p:txBody>
       </p:sp>
@@ -6130,30 +7273,181 @@
               <a:rPr lang="ko-KR" altLang="en-US" smtClean="0"/>
               <a:t>16</a:t>
             </a:fld>
+            <a:endParaRPr lang="ko-KR" altLang="en-US" dirty="0"/>
+          </a:p>
+        </p:txBody>
+      </p:sp>
+      <p:sp>
+        <p:nvSpPr>
+          <p:cNvPr id="6" name="직사각형 5"/>
+          <p:cNvSpPr/>
+          <p:nvPr/>
+        </p:nvSpPr>
+        <p:spPr>
+          <a:xfrm>
+            <a:off x="-322452" y="4497847"/>
+            <a:ext cx="9285668" cy="224157"/>
+          </a:xfrm>
+          <a:prstGeom prst="rect">
+            <a:avLst/>
+          </a:prstGeom>
+          <a:solidFill>
+            <a:schemeClr val="bg1"/>
+          </a:solidFill>
+          <a:ln>
+            <a:noFill/>
+          </a:ln>
+        </p:spPr>
+        <p:style>
+          <a:lnRef idx="2">
+            <a:schemeClr val="accent1">
+              <a:shade val="50000"/>
+            </a:schemeClr>
+          </a:lnRef>
+          <a:fillRef idx="1">
+            <a:schemeClr val="accent1"/>
+          </a:fillRef>
+          <a:effectRef idx="0">
+            <a:schemeClr val="accent1"/>
+          </a:effectRef>
+          <a:fontRef idx="minor">
+            <a:schemeClr val="lt1"/>
+          </a:fontRef>
+        </p:style>
+        <p:txBody>
+          <a:bodyPr rtlCol="0" anchor="ctr"/>
+          <a:lstStyle/>
+          <a:p>
+            <a:pPr algn="ctr"/>
+            <a:endParaRPr lang="ko-KR" altLang="en-US"/>
+          </a:p>
+        </p:txBody>
+      </p:sp>
+      <p:sp>
+        <p:nvSpPr>
+          <p:cNvPr id="7" name="직사각형 6"/>
+          <p:cNvSpPr/>
+          <p:nvPr/>
+        </p:nvSpPr>
+        <p:spPr>
+          <a:xfrm>
+            <a:off x="-322450" y="-112992"/>
+            <a:ext cx="9285668" cy="1381008"/>
+          </a:xfrm>
+          <a:prstGeom prst="rect">
+            <a:avLst/>
+          </a:prstGeom>
+          <a:solidFill>
+            <a:schemeClr val="accent1">
+              <a:lumMod val="20000"/>
+              <a:lumOff val="80000"/>
+            </a:schemeClr>
+          </a:solidFill>
+          <a:ln>
+            <a:noFill/>
+          </a:ln>
+        </p:spPr>
+        <p:style>
+          <a:lnRef idx="2">
+            <a:schemeClr val="accent1">
+              <a:shade val="50000"/>
+            </a:schemeClr>
+          </a:lnRef>
+          <a:fillRef idx="1">
+            <a:schemeClr val="accent1"/>
+          </a:fillRef>
+          <a:effectRef idx="0">
+            <a:schemeClr val="accent1"/>
+          </a:effectRef>
+          <a:fontRef idx="minor">
+            <a:schemeClr val="lt1"/>
+          </a:fontRef>
+        </p:style>
+        <p:txBody>
+          <a:bodyPr rtlCol="0" anchor="ctr"/>
+          <a:lstStyle/>
+          <a:p>
+            <a:pPr algn="ctr"/>
+            <a:endParaRPr lang="ko-KR" altLang="en-US"/>
+          </a:p>
+        </p:txBody>
+      </p:sp>
+      <p:sp>
+        <p:nvSpPr>
+          <p:cNvPr id="2" name="제목 1"/>
+          <p:cNvSpPr>
+            <a:spLocks noGrp="1"/>
+          </p:cNvSpPr>
+          <p:nvPr>
+            <p:ph type="title"/>
+          </p:nvPr>
+        </p:nvSpPr>
+        <p:spPr/>
+        <p:txBody>
+          <a:bodyPr/>
+          <a:lstStyle/>
+          <a:p>
             <a:r>
               <a:rPr lang="en-US" altLang="ko-KR" dirty="0" smtClean="0"/>
-              <a:t>. Kim </a:t>
-            </a:r>
-            <a:r>
-              <a:rPr lang="en-US" altLang="ko-KR" dirty="0" err="1" smtClean="0"/>
-              <a:t>SeonWoong</a:t>
-            </a:r>
-            <a:r>
-              <a:rPr lang="en-US" altLang="ko-KR" dirty="0" smtClean="0"/>
-              <a:t>, Woo </a:t>
-            </a:r>
-            <a:r>
-              <a:rPr lang="en-US" altLang="ko-KR" dirty="0" err="1" smtClean="0"/>
-              <a:t>Zhiqiang</a:t>
+              <a:t>SRS Format</a:t>
             </a:r>
             <a:endParaRPr lang="ko-KR" altLang="en-US" dirty="0"/>
+          </a:p>
+        </p:txBody>
+      </p:sp>
+      <p:sp>
+        <p:nvSpPr>
+          <p:cNvPr id="5" name="직사각형 4"/>
+          <p:cNvSpPr/>
+          <p:nvPr/>
+        </p:nvSpPr>
+        <p:spPr>
+          <a:xfrm>
+            <a:off x="-116390" y="4720175"/>
+            <a:ext cx="8873544" cy="590348"/>
+          </a:xfrm>
+          <a:prstGeom prst="rect">
+            <a:avLst/>
+          </a:prstGeom>
+          <a:solidFill>
+            <a:schemeClr val="accent1">
+              <a:lumMod val="60000"/>
+              <a:lumOff val="40000"/>
+            </a:schemeClr>
+          </a:solidFill>
+          <a:ln>
+            <a:noFill/>
+          </a:ln>
+        </p:spPr>
+        <p:style>
+          <a:lnRef idx="2">
+            <a:schemeClr val="accent1">
+              <a:shade val="50000"/>
+            </a:schemeClr>
+          </a:lnRef>
+          <a:fillRef idx="1">
+            <a:schemeClr val="accent1"/>
+          </a:fillRef>
+          <a:effectRef idx="0">
+            <a:schemeClr val="accent1"/>
+          </a:effectRef>
+          <a:fontRef idx="minor">
+            <a:schemeClr val="lt1"/>
+          </a:fontRef>
+        </p:style>
+        <p:txBody>
+          <a:bodyPr rtlCol="0" anchor="ctr"/>
+          <a:lstStyle/>
+          <a:p>
+            <a:pPr algn="ctr"/>
+            <a:endParaRPr lang="ko-KR" altLang="en-US"/>
           </a:p>
         </p:txBody>
       </p:sp>
     </p:spTree>
     <p:extLst>
       <p:ext uri="{BB962C8B-B14F-4D97-AF65-F5344CB8AC3E}">
-        <p14:creationId xmlns:p14="http://schemas.microsoft.com/office/powerpoint/2010/main" val="2236430760"/>
+        <p14:creationId xmlns:p14="http://schemas.microsoft.com/office/powerpoint/2010/main" val="3523801631"/>
       </p:ext>
     </p:extLst>
   </p:cSld>
@@ -6161,14 +7455,80 @@
     <a:masterClrMapping/>
   </p:clrMapOvr>
   <p:transition spd="slow">
-    <p:push/>
+    <p:wipe/>
   </p:transition>
   <p:timing>
     <p:tnLst>
       <p:par>
-        <p:cTn id="1" dur="indefinite" restart="never" nodeType="tmRoot"/>
+        <p:cTn id="1" dur="indefinite" restart="never" nodeType="tmRoot">
+          <p:childTnLst>
+            <p:seq concurrent="1" nextAc="seek">
+              <p:cTn id="2" dur="indefinite" nodeType="mainSeq">
+                <p:childTnLst>
+                  <p:par>
+                    <p:cTn id="3" fill="hold">
+                      <p:stCondLst>
+                        <p:cond delay="indefinite"/>
+                      </p:stCondLst>
+                      <p:childTnLst>
+                        <p:par>
+                          <p:cTn id="4" fill="hold">
+                            <p:stCondLst>
+                              <p:cond delay="0"/>
+                            </p:stCondLst>
+                            <p:childTnLst>
+                              <p:par>
+                                <p:cTn id="5" presetID="64" presetClass="path" presetSubtype="0" accel="50000" decel="50000" fill="hold" grpId="0" nodeType="clickEffect">
+                                  <p:stCondLst>
+                                    <p:cond delay="0"/>
+                                  </p:stCondLst>
+                                  <p:childTnLst>
+                                    <p:animMotion origin="layout" path="M 1.86111E-6 -2.71605E-6 L 1.86111E-6 -0.43673 " pathEditMode="relative" rAng="0" ptsTypes="AA">
+                                      <p:cBhvr>
+                                        <p:cTn id="6" dur="2000" fill="hold"/>
+                                        <p:tgtEl>
+                                          <p:spTgt spid="3"/>
+                                        </p:tgtEl>
+                                        <p:attrNameLst>
+                                          <p:attrName>ppt_x</p:attrName>
+                                          <p:attrName>ppt_y</p:attrName>
+                                        </p:attrNameLst>
+                                      </p:cBhvr>
+                                      <p:rCtr x="0" y="-21852"/>
+                                    </p:animMotion>
+                                  </p:childTnLst>
+                                </p:cTn>
+                              </p:par>
+                            </p:childTnLst>
+                          </p:cTn>
+                        </p:par>
+                      </p:childTnLst>
+                    </p:cTn>
+                  </p:par>
+                </p:childTnLst>
+              </p:cTn>
+              <p:prevCondLst>
+                <p:cond evt="onPrev" delay="0">
+                  <p:tgtEl>
+                    <p:sldTgt/>
+                  </p:tgtEl>
+                </p:cond>
+              </p:prevCondLst>
+              <p:nextCondLst>
+                <p:cond evt="onNext" delay="0">
+                  <p:tgtEl>
+                    <p:sldTgt/>
+                  </p:tgtEl>
+                </p:cond>
+              </p:nextCondLst>
+            </p:seq>
+          </p:childTnLst>
+        </p:cTn>
       </p:par>
     </p:tnLst>
+    <p:bldLst>
+      <p:bldP spid="3" grpId="0"/>
+    </p:bldLst>
   </p:timing>
 </p:sld>
 </file>
@@ -6227,101 +7587,21 @@
             <p:ph idx="1"/>
           </p:nvPr>
         </p:nvSpPr>
-        <p:spPr/>
+        <p:spPr>
+          <a:xfrm>
+            <a:off x="594053" y="1369219"/>
+            <a:ext cx="7452658" cy="378344"/>
+          </a:xfrm>
+        </p:spPr>
         <p:txBody>
           <a:bodyPr/>
           <a:lstStyle/>
           <a:p>
             <a:r>
               <a:rPr lang="en-US" altLang="ko-KR" dirty="0" smtClean="0"/>
-              <a:t>Use Case 2. Main Page</a:t>
-            </a:r>
-          </a:p>
-          <a:p>
-            <a:r>
-              <a:rPr lang="en-US" altLang="ko-KR" dirty="0"/>
-              <a:t>Description(User Scenario)</a:t>
-            </a:r>
-            <a:r>
-              <a:rPr lang="ko-KR" altLang="en-US" dirty="0"/>
-              <a:t>를 설명해주세요</a:t>
-            </a:r>
-            <a:r>
-              <a:rPr lang="en-US" altLang="ko-KR" dirty="0"/>
-              <a:t>.</a:t>
-            </a:r>
-          </a:p>
-          <a:p>
-            <a:r>
-              <a:rPr lang="en-US" altLang="ko-KR" dirty="0"/>
-              <a:t>Functional Requirement </a:t>
-            </a:r>
-            <a:r>
-              <a:rPr lang="ko-KR" altLang="en-US" dirty="0"/>
-              <a:t>어떤 것들 나왔는지 설명해주세요</a:t>
-            </a:r>
-            <a:r>
-              <a:rPr lang="en-US" altLang="ko-KR" dirty="0"/>
-              <a:t>.</a:t>
-            </a:r>
-          </a:p>
-          <a:p>
-            <a:r>
-              <a:rPr lang="en-US" altLang="ko-KR" dirty="0"/>
-              <a:t>Non-Functional Requirement </a:t>
-            </a:r>
-            <a:r>
-              <a:rPr lang="ko-KR" altLang="en-US" dirty="0"/>
-              <a:t>어떤 것들 나왔는지 설명해주세요</a:t>
-            </a:r>
-            <a:r>
-              <a:rPr lang="en-US" altLang="ko-KR" dirty="0"/>
-              <a:t>.</a:t>
-            </a:r>
-          </a:p>
-          <a:p>
-            <a:r>
-              <a:rPr lang="ko-KR" altLang="en-US" dirty="0"/>
-              <a:t>가능하면 </a:t>
-            </a:r>
-            <a:r>
-              <a:rPr lang="en-US" altLang="ko-KR" dirty="0"/>
-              <a:t>PPT</a:t>
-            </a:r>
-            <a:r>
-              <a:rPr lang="ko-KR" altLang="en-US" dirty="0"/>
-              <a:t>에 글로 </a:t>
-            </a:r>
-            <a:r>
-              <a:rPr lang="ko-KR" altLang="en-US" dirty="0" err="1"/>
-              <a:t>때려박지</a:t>
-            </a:r>
-            <a:r>
-              <a:rPr lang="ko-KR" altLang="en-US" dirty="0"/>
-              <a:t> 말고 말로 설명해주세요</a:t>
-            </a:r>
-            <a:r>
-              <a:rPr lang="en-US" altLang="ko-KR" dirty="0"/>
-              <a:t>.</a:t>
-            </a:r>
-          </a:p>
-          <a:p>
-            <a:r>
-              <a:rPr lang="ko-KR" altLang="en-US" dirty="0"/>
-              <a:t>필요하다면 추가 슬라이드를 </a:t>
-            </a:r>
-            <a:r>
-              <a:rPr lang="ko-KR" altLang="en-US" dirty="0" err="1"/>
-              <a:t>삽입하셔도</a:t>
-            </a:r>
-            <a:r>
-              <a:rPr lang="ko-KR" altLang="en-US" dirty="0"/>
-              <a:t> 좋습니다</a:t>
-            </a:r>
-            <a:r>
-              <a:rPr lang="en-US" altLang="ko-KR" dirty="0"/>
-              <a:t>.</a:t>
-            </a:r>
+              <a:t>Use Case Diagram</a:t>
+            </a:r>
+            <a:endParaRPr lang="en-US" altLang="ko-KR" dirty="0"/>
           </a:p>
           <a:p>
             <a:endParaRPr lang="ko-KR" altLang="en-US" dirty="0"/>
@@ -6367,10 +7647,40 @@
           </a:p>
         </p:txBody>
       </p:sp>
+      <p:pic>
+        <p:nvPicPr>
+          <p:cNvPr id="5" name="그림 4"/>
+          <p:cNvPicPr>
+            <a:picLocks noChangeAspect="1"/>
+          </p:cNvPicPr>
+          <p:nvPr/>
+        </p:nvPicPr>
+        <p:blipFill>
+          <a:blip r:embed="rId3">
+            <a:extLst>
+              <a:ext uri="{28A0092B-C50C-407E-A947-70E740481C1C}">
+                <a14:useLocalDpi xmlns:a14="http://schemas.microsoft.com/office/drawing/2010/main" val="0"/>
+              </a:ext>
+            </a:extLst>
+          </a:blip>
+          <a:stretch>
+            <a:fillRect/>
+          </a:stretch>
+        </p:blipFill>
+        <p:spPr>
+          <a:xfrm>
+            <a:off x="2188449" y="1848766"/>
+            <a:ext cx="4263866" cy="2809934"/>
+          </a:xfrm>
+          <a:prstGeom prst="rect">
+            <a:avLst/>
+          </a:prstGeom>
+        </p:spPr>
+      </p:pic>
     </p:spTree>
     <p:extLst>
       <p:ext uri="{BB962C8B-B14F-4D97-AF65-F5344CB8AC3E}">
-        <p14:creationId xmlns:p14="http://schemas.microsoft.com/office/powerpoint/2010/main" val="1873445024"/>
+        <p14:creationId xmlns:p14="http://schemas.microsoft.com/office/powerpoint/2010/main" val="2236303101"/>
       </p:ext>
     </p:extLst>
   </p:cSld>
@@ -6424,11 +7734,11 @@
           <a:p>
             <a:r>
               <a:rPr lang="en-US" altLang="ko-KR" b="0" dirty="0" smtClean="0"/>
-              <a:t>Use Case 3.</a:t>
+              <a:t>Use Case 2.</a:t>
             </a:r>
             <a:r>
               <a:rPr lang="en-US" altLang="ko-KR" dirty="0" smtClean="0"/>
-              <a:t> BBS</a:t>
+              <a:t> Main Page</a:t>
             </a:r>
             <a:endParaRPr lang="ko-KR" altLang="en-US" dirty="0"/>
           </a:p>
@@ -6444,101 +7754,29 @@
             <p:ph idx="1"/>
           </p:nvPr>
         </p:nvSpPr>
-        <p:spPr/>
+        <p:spPr>
+          <a:xfrm>
+            <a:off x="594053" y="1369219"/>
+            <a:ext cx="7452658" cy="378344"/>
+          </a:xfrm>
+        </p:spPr>
         <p:txBody>
           <a:bodyPr/>
           <a:lstStyle/>
           <a:p>
             <a:r>
               <a:rPr lang="en-US" altLang="ko-KR" dirty="0" smtClean="0"/>
-              <a:t>Use Case 3. BBS</a:t>
-            </a:r>
-          </a:p>
-          <a:p>
+              <a:t>Description(User </a:t>
+            </a:r>
             <a:r>
               <a:rPr lang="en-US" altLang="ko-KR" dirty="0"/>
-              <a:t>Description(User Scenario)</a:t>
-            </a:r>
-            <a:r>
-              <a:rPr lang="ko-KR" altLang="en-US" dirty="0"/>
-              <a:t>를 설명해주세요</a:t>
-            </a:r>
-            <a:r>
-              <a:rPr lang="en-US" altLang="ko-KR" dirty="0"/>
-              <a:t>.</a:t>
-            </a:r>
-          </a:p>
-          <a:p>
-            <a:r>
-              <a:rPr lang="en-US" altLang="ko-KR" dirty="0"/>
-              <a:t>Functional Requirement </a:t>
-            </a:r>
-            <a:r>
-              <a:rPr lang="ko-KR" altLang="en-US" dirty="0"/>
-              <a:t>어떤 것들 나왔는지 설명해주세요</a:t>
-            </a:r>
-            <a:r>
-              <a:rPr lang="en-US" altLang="ko-KR" dirty="0"/>
-              <a:t>.</a:t>
-            </a:r>
-          </a:p>
-          <a:p>
-            <a:r>
-              <a:rPr lang="en-US" altLang="ko-KR" dirty="0"/>
-              <a:t>Non-Functional Requirement </a:t>
-            </a:r>
-            <a:r>
-              <a:rPr lang="ko-KR" altLang="en-US" dirty="0"/>
-              <a:t>어떤 것들 나왔는지 설명해주세요</a:t>
-            </a:r>
-            <a:r>
-              <a:rPr lang="en-US" altLang="ko-KR" dirty="0"/>
-              <a:t>.</a:t>
-            </a:r>
-          </a:p>
-          <a:p>
-            <a:r>
-              <a:rPr lang="ko-KR" altLang="en-US" dirty="0"/>
-              <a:t>가능하면 </a:t>
-            </a:r>
-            <a:r>
-              <a:rPr lang="en-US" altLang="ko-KR" dirty="0"/>
-              <a:t>PPT</a:t>
-            </a:r>
-            <a:r>
-              <a:rPr lang="ko-KR" altLang="en-US" dirty="0"/>
-              <a:t>에 글로 </a:t>
-            </a:r>
-            <a:r>
-              <a:rPr lang="ko-KR" altLang="en-US" dirty="0" err="1"/>
-              <a:t>때려박지</a:t>
-            </a:r>
-            <a:r>
-              <a:rPr lang="ko-KR" altLang="en-US" dirty="0"/>
-              <a:t> 말고 말로 설명해주세요</a:t>
-            </a:r>
-            <a:r>
-              <a:rPr lang="en-US" altLang="ko-KR" dirty="0"/>
-              <a:t>.</a:t>
-            </a:r>
-          </a:p>
-          <a:p>
-            <a:r>
-              <a:rPr lang="ko-KR" altLang="en-US" dirty="0"/>
-              <a:t>필요하다면 추가 슬라이드를 </a:t>
-            </a:r>
-            <a:r>
-              <a:rPr lang="ko-KR" altLang="en-US" dirty="0" err="1"/>
-              <a:t>삽입하셔도</a:t>
-            </a:r>
-            <a:r>
-              <a:rPr lang="ko-KR" altLang="en-US" dirty="0"/>
-              <a:t> 좋습니다</a:t>
-            </a:r>
-            <a:r>
-              <a:rPr lang="en-US" altLang="ko-KR" dirty="0"/>
-              <a:t>.</a:t>
-            </a:r>
+              <a:t>Scenario</a:t>
+            </a:r>
+            <a:r>
+              <a:rPr lang="en-US" altLang="ko-KR" dirty="0" smtClean="0"/>
+              <a:t>)</a:t>
+            </a:r>
+            <a:endParaRPr lang="en-US" altLang="ko-KR" dirty="0"/>
           </a:p>
           <a:p>
             <a:endParaRPr lang="ko-KR" altLang="en-US" dirty="0"/>
@@ -6566,36 +7804,1081 @@
             </a:fld>
             <a:r>
               <a:rPr lang="en-US" altLang="ko-KR" dirty="0" smtClean="0"/>
-              <a:t>.</a:t>
-            </a:r>
-            <a:r>
-              <a:rPr lang="ko-KR" altLang="en-US" dirty="0" smtClean="0"/>
+              <a:t>. </a:t>
+            </a:r>
+            <a:r>
+              <a:rPr lang="en-US" altLang="ko-KR" dirty="0" err="1" smtClean="0"/>
+              <a:t>Ahn</a:t>
+            </a:r>
+            <a:r>
+              <a:rPr lang="en-US" altLang="ko-KR" dirty="0" smtClean="0"/>
               <a:t> </a:t>
             </a:r>
             <a:r>
-              <a:rPr lang="en-US" altLang="ko-KR" dirty="0" smtClean="0"/>
-              <a:t>Sung </a:t>
-            </a:r>
-            <a:r>
               <a:rPr lang="en-US" altLang="ko-KR" dirty="0" err="1" smtClean="0"/>
-              <a:t>DaHae</a:t>
-            </a:r>
-            <a:r>
-              <a:rPr lang="en-US" altLang="ko-KR" dirty="0" smtClean="0"/>
-              <a:t>, Kim </a:t>
-            </a:r>
-            <a:r>
-              <a:rPr lang="en-US" altLang="ko-KR" dirty="0" err="1" smtClean="0"/>
-              <a:t>YoungJae</a:t>
+              <a:t>YounGeun</a:t>
             </a:r>
             <a:endParaRPr lang="ko-KR" altLang="en-US" dirty="0"/>
           </a:p>
         </p:txBody>
       </p:sp>
+      <p:grpSp>
+        <p:nvGrpSpPr>
+          <p:cNvPr id="14" name="그룹 13"/>
+          <p:cNvGrpSpPr/>
+          <p:nvPr/>
+        </p:nvGrpSpPr>
+        <p:grpSpPr>
+          <a:xfrm>
+            <a:off x="3584472" y="2420626"/>
+            <a:ext cx="1471555" cy="950399"/>
+            <a:chOff x="3584472" y="2420626"/>
+            <a:chExt cx="1471555" cy="950399"/>
+          </a:xfrm>
+        </p:grpSpPr>
+        <p:sp>
+          <p:nvSpPr>
+            <p:cNvPr id="10" name="내용 개체 틀 2"/>
+            <p:cNvSpPr txBox="1">
+              <a:spLocks/>
+            </p:cNvSpPr>
+            <p:nvPr/>
+          </p:nvSpPr>
+          <p:spPr>
+            <a:xfrm>
+              <a:off x="3680366" y="2420626"/>
+              <a:ext cx="1279769" cy="791410"/>
+            </a:xfrm>
+            <a:prstGeom prst="rect">
+              <a:avLst/>
+            </a:prstGeom>
+          </p:spPr>
+          <p:txBody>
+            <a:bodyPr vert="horz" lIns="91440" tIns="45720" rIns="91440" bIns="45720" rtlCol="0">
+              <a:normAutofit/>
+            </a:bodyPr>
+            <a:lstStyle>
+              <a:lvl1pPr marL="162009" indent="-162009" algn="l" defTabSz="648035" rtl="0" eaLnBrk="1" latinLnBrk="1" hangingPunct="1">
+                <a:lnSpc>
+                  <a:spcPct val="90000"/>
+                </a:lnSpc>
+                <a:spcBef>
+                  <a:spcPts val="709"/>
+                </a:spcBef>
+                <a:buFont typeface="Arial" panose="020B0604020202020204" pitchFamily="34" charset="0"/>
+                <a:buChar char="•"/>
+                <a:defRPr sz="1984" kern="1200" baseline="0">
+                  <a:solidFill>
+                    <a:schemeClr val="tx1"/>
+                  </a:solidFill>
+                  <a:latin typeface="+mn-lt"/>
+                  <a:ea typeface="나눔고딕" panose="020D0604000000000000" pitchFamily="50" charset="-127"/>
+                  <a:cs typeface="Roboto Light" panose="02000000000000000000" pitchFamily="2" charset="0"/>
+                </a:defRPr>
+              </a:lvl1pPr>
+              <a:lvl2pPr marL="486026" indent="-162009" algn="l" defTabSz="648035" rtl="0" eaLnBrk="1" latinLnBrk="1" hangingPunct="1">
+                <a:lnSpc>
+                  <a:spcPct val="90000"/>
+                </a:lnSpc>
+                <a:spcBef>
+                  <a:spcPts val="354"/>
+                </a:spcBef>
+                <a:buFont typeface="Arial" panose="020B0604020202020204" pitchFamily="34" charset="0"/>
+                <a:buChar char="•"/>
+                <a:defRPr sz="1701" kern="1200">
+                  <a:solidFill>
+                    <a:schemeClr val="tx1"/>
+                  </a:solidFill>
+                  <a:latin typeface="+mn-lt"/>
+                  <a:ea typeface="+mn-ea"/>
+                  <a:cs typeface="+mn-cs"/>
+                </a:defRPr>
+              </a:lvl2pPr>
+              <a:lvl3pPr marL="810044" indent="-162009" algn="l" defTabSz="648035" rtl="0" eaLnBrk="1" latinLnBrk="1" hangingPunct="1">
+                <a:lnSpc>
+                  <a:spcPct val="90000"/>
+                </a:lnSpc>
+                <a:spcBef>
+                  <a:spcPts val="354"/>
+                </a:spcBef>
+                <a:buFont typeface="Arial" panose="020B0604020202020204" pitchFamily="34" charset="0"/>
+                <a:buChar char="•"/>
+                <a:defRPr sz="1417" kern="1200">
+                  <a:solidFill>
+                    <a:schemeClr val="tx1"/>
+                  </a:solidFill>
+                  <a:latin typeface="+mn-lt"/>
+                  <a:ea typeface="+mn-ea"/>
+                  <a:cs typeface="+mn-cs"/>
+                </a:defRPr>
+              </a:lvl3pPr>
+              <a:lvl4pPr marL="1134062" indent="-162009" algn="l" defTabSz="648035" rtl="0" eaLnBrk="1" latinLnBrk="1" hangingPunct="1">
+                <a:lnSpc>
+                  <a:spcPct val="90000"/>
+                </a:lnSpc>
+                <a:spcBef>
+                  <a:spcPts val="354"/>
+                </a:spcBef>
+                <a:buFont typeface="Arial" panose="020B0604020202020204" pitchFamily="34" charset="0"/>
+                <a:buChar char="•"/>
+                <a:defRPr sz="1276" kern="1200">
+                  <a:solidFill>
+                    <a:schemeClr val="tx1"/>
+                  </a:solidFill>
+                  <a:latin typeface="+mn-lt"/>
+                  <a:ea typeface="+mn-ea"/>
+                  <a:cs typeface="+mn-cs"/>
+                </a:defRPr>
+              </a:lvl4pPr>
+              <a:lvl5pPr marL="1458079" indent="-162009" algn="l" defTabSz="648035" rtl="0" eaLnBrk="1" latinLnBrk="1" hangingPunct="1">
+                <a:lnSpc>
+                  <a:spcPct val="90000"/>
+                </a:lnSpc>
+                <a:spcBef>
+                  <a:spcPts val="354"/>
+                </a:spcBef>
+                <a:buFont typeface="Arial" panose="020B0604020202020204" pitchFamily="34" charset="0"/>
+                <a:buChar char="•"/>
+                <a:defRPr sz="1276" kern="1200">
+                  <a:solidFill>
+                    <a:schemeClr val="tx1"/>
+                  </a:solidFill>
+                  <a:latin typeface="+mn-lt"/>
+                  <a:ea typeface="+mn-ea"/>
+                  <a:cs typeface="+mn-cs"/>
+                </a:defRPr>
+              </a:lvl5pPr>
+              <a:lvl6pPr marL="1782097" indent="-162009" algn="l" defTabSz="648035" rtl="0" eaLnBrk="1" latinLnBrk="1" hangingPunct="1">
+                <a:lnSpc>
+                  <a:spcPct val="90000"/>
+                </a:lnSpc>
+                <a:spcBef>
+                  <a:spcPts val="354"/>
+                </a:spcBef>
+                <a:buFont typeface="Arial" panose="020B0604020202020204" pitchFamily="34" charset="0"/>
+                <a:buChar char="•"/>
+                <a:defRPr sz="1276" kern="1200">
+                  <a:solidFill>
+                    <a:schemeClr val="tx1"/>
+                  </a:solidFill>
+                  <a:latin typeface="+mn-lt"/>
+                  <a:ea typeface="+mn-ea"/>
+                  <a:cs typeface="+mn-cs"/>
+                </a:defRPr>
+              </a:lvl6pPr>
+              <a:lvl7pPr marL="2106115" indent="-162009" algn="l" defTabSz="648035" rtl="0" eaLnBrk="1" latinLnBrk="1" hangingPunct="1">
+                <a:lnSpc>
+                  <a:spcPct val="90000"/>
+                </a:lnSpc>
+                <a:spcBef>
+                  <a:spcPts val="354"/>
+                </a:spcBef>
+                <a:buFont typeface="Arial" panose="020B0604020202020204" pitchFamily="34" charset="0"/>
+                <a:buChar char="•"/>
+                <a:defRPr sz="1276" kern="1200">
+                  <a:solidFill>
+                    <a:schemeClr val="tx1"/>
+                  </a:solidFill>
+                  <a:latin typeface="+mn-lt"/>
+                  <a:ea typeface="+mn-ea"/>
+                  <a:cs typeface="+mn-cs"/>
+                </a:defRPr>
+              </a:lvl7pPr>
+              <a:lvl8pPr marL="2430132" indent="-162009" algn="l" defTabSz="648035" rtl="0" eaLnBrk="1" latinLnBrk="1" hangingPunct="1">
+                <a:lnSpc>
+                  <a:spcPct val="90000"/>
+                </a:lnSpc>
+                <a:spcBef>
+                  <a:spcPts val="354"/>
+                </a:spcBef>
+                <a:buFont typeface="Arial" panose="020B0604020202020204" pitchFamily="34" charset="0"/>
+                <a:buChar char="•"/>
+                <a:defRPr sz="1276" kern="1200">
+                  <a:solidFill>
+                    <a:schemeClr val="tx1"/>
+                  </a:solidFill>
+                  <a:latin typeface="+mn-lt"/>
+                  <a:ea typeface="+mn-ea"/>
+                  <a:cs typeface="+mn-cs"/>
+                </a:defRPr>
+              </a:lvl8pPr>
+              <a:lvl9pPr marL="2754150" indent="-162009" algn="l" defTabSz="648035" rtl="0" eaLnBrk="1" latinLnBrk="1" hangingPunct="1">
+                <a:lnSpc>
+                  <a:spcPct val="90000"/>
+                </a:lnSpc>
+                <a:spcBef>
+                  <a:spcPts val="354"/>
+                </a:spcBef>
+                <a:buFont typeface="Arial" panose="020B0604020202020204" pitchFamily="34" charset="0"/>
+                <a:buChar char="•"/>
+                <a:defRPr sz="1276" kern="1200">
+                  <a:solidFill>
+                    <a:schemeClr val="tx1"/>
+                  </a:solidFill>
+                  <a:latin typeface="+mn-lt"/>
+                  <a:ea typeface="+mn-ea"/>
+                  <a:cs typeface="+mn-cs"/>
+                </a:defRPr>
+              </a:lvl9pPr>
+            </a:lstStyle>
+            <a:p>
+              <a:pPr marL="0" indent="0" algn="ctr">
+                <a:buNone/>
+              </a:pPr>
+              <a:r>
+                <a:rPr lang="en-US" altLang="ko-KR" b="1" dirty="0" smtClean="0"/>
+                <a:t>Login</a:t>
+              </a:r>
+            </a:p>
+            <a:p>
+              <a:pPr marL="0" indent="0" algn="ctr">
+                <a:buNone/>
+              </a:pPr>
+              <a:r>
+                <a:rPr lang="en-US" altLang="ko-KR" b="1" dirty="0" smtClean="0"/>
+                <a:t>Succeed</a:t>
+              </a:r>
+              <a:endParaRPr lang="ko-KR" altLang="en-US" b="1" dirty="0"/>
+            </a:p>
+          </p:txBody>
+        </p:sp>
+        <p:sp>
+          <p:nvSpPr>
+            <p:cNvPr id="11" name="오른쪽 화살표 10"/>
+            <p:cNvSpPr/>
+            <p:nvPr/>
+          </p:nvSpPr>
+          <p:spPr>
+            <a:xfrm>
+              <a:off x="3584472" y="3143801"/>
+              <a:ext cx="1471555" cy="227224"/>
+            </a:xfrm>
+            <a:prstGeom prst="rightArrow">
+              <a:avLst>
+                <a:gd name="adj1" fmla="val 50000"/>
+                <a:gd name="adj2" fmla="val 68071"/>
+              </a:avLst>
+            </a:prstGeom>
+            <a:solidFill>
+              <a:schemeClr val="bg1">
+                <a:lumMod val="75000"/>
+              </a:schemeClr>
+            </a:solidFill>
+            <a:ln>
+              <a:noFill/>
+            </a:ln>
+          </p:spPr>
+          <p:style>
+            <a:lnRef idx="2">
+              <a:schemeClr val="accent1">
+                <a:shade val="50000"/>
+              </a:schemeClr>
+            </a:lnRef>
+            <a:fillRef idx="1">
+              <a:schemeClr val="accent1"/>
+            </a:fillRef>
+            <a:effectRef idx="0">
+              <a:schemeClr val="accent1"/>
+            </a:effectRef>
+            <a:fontRef idx="minor">
+              <a:schemeClr val="lt1"/>
+            </a:fontRef>
+          </p:style>
+          <p:txBody>
+            <a:bodyPr rtlCol="0" anchor="ctr"/>
+            <a:lstStyle/>
+            <a:p>
+              <a:pPr algn="ctr"/>
+              <a:endParaRPr lang="ko-KR" altLang="en-US"/>
+            </a:p>
+          </p:txBody>
+        </p:sp>
+      </p:grpSp>
+      <p:grpSp>
+        <p:nvGrpSpPr>
+          <p:cNvPr id="72" name="그룹 71"/>
+          <p:cNvGrpSpPr/>
+          <p:nvPr/>
+        </p:nvGrpSpPr>
+        <p:grpSpPr>
+          <a:xfrm>
+            <a:off x="5331869" y="1846318"/>
+            <a:ext cx="1541339" cy="2689493"/>
+            <a:chOff x="5071309" y="1848766"/>
+            <a:chExt cx="1541339" cy="2689493"/>
+          </a:xfrm>
+        </p:grpSpPr>
+        <p:sp>
+          <p:nvSpPr>
+            <p:cNvPr id="9" name="내용 개체 틀 2"/>
+            <p:cNvSpPr txBox="1">
+              <a:spLocks/>
+            </p:cNvSpPr>
+            <p:nvPr/>
+          </p:nvSpPr>
+          <p:spPr>
+            <a:xfrm>
+              <a:off x="5202093" y="4159915"/>
+              <a:ext cx="1279769" cy="378344"/>
+            </a:xfrm>
+            <a:prstGeom prst="rect">
+              <a:avLst/>
+            </a:prstGeom>
+          </p:spPr>
+          <p:txBody>
+            <a:bodyPr vert="horz" lIns="91440" tIns="45720" rIns="91440" bIns="45720" rtlCol="0">
+              <a:normAutofit/>
+            </a:bodyPr>
+            <a:lstStyle>
+              <a:lvl1pPr marL="162009" indent="-162009" algn="l" defTabSz="648035" rtl="0" eaLnBrk="1" latinLnBrk="1" hangingPunct="1">
+                <a:lnSpc>
+                  <a:spcPct val="90000"/>
+                </a:lnSpc>
+                <a:spcBef>
+                  <a:spcPts val="709"/>
+                </a:spcBef>
+                <a:buFont typeface="Arial" panose="020B0604020202020204" pitchFamily="34" charset="0"/>
+                <a:buChar char="•"/>
+                <a:defRPr sz="1984" kern="1200" baseline="0">
+                  <a:solidFill>
+                    <a:schemeClr val="tx1"/>
+                  </a:solidFill>
+                  <a:latin typeface="+mn-lt"/>
+                  <a:ea typeface="나눔고딕" panose="020D0604000000000000" pitchFamily="50" charset="-127"/>
+                  <a:cs typeface="Roboto Light" panose="02000000000000000000" pitchFamily="2" charset="0"/>
+                </a:defRPr>
+              </a:lvl1pPr>
+              <a:lvl2pPr marL="486026" indent="-162009" algn="l" defTabSz="648035" rtl="0" eaLnBrk="1" latinLnBrk="1" hangingPunct="1">
+                <a:lnSpc>
+                  <a:spcPct val="90000"/>
+                </a:lnSpc>
+                <a:spcBef>
+                  <a:spcPts val="354"/>
+                </a:spcBef>
+                <a:buFont typeface="Arial" panose="020B0604020202020204" pitchFamily="34" charset="0"/>
+                <a:buChar char="•"/>
+                <a:defRPr sz="1701" kern="1200">
+                  <a:solidFill>
+                    <a:schemeClr val="tx1"/>
+                  </a:solidFill>
+                  <a:latin typeface="+mn-lt"/>
+                  <a:ea typeface="+mn-ea"/>
+                  <a:cs typeface="+mn-cs"/>
+                </a:defRPr>
+              </a:lvl2pPr>
+              <a:lvl3pPr marL="810044" indent="-162009" algn="l" defTabSz="648035" rtl="0" eaLnBrk="1" latinLnBrk="1" hangingPunct="1">
+                <a:lnSpc>
+                  <a:spcPct val="90000"/>
+                </a:lnSpc>
+                <a:spcBef>
+                  <a:spcPts val="354"/>
+                </a:spcBef>
+                <a:buFont typeface="Arial" panose="020B0604020202020204" pitchFamily="34" charset="0"/>
+                <a:buChar char="•"/>
+                <a:defRPr sz="1417" kern="1200">
+                  <a:solidFill>
+                    <a:schemeClr val="tx1"/>
+                  </a:solidFill>
+                  <a:latin typeface="+mn-lt"/>
+                  <a:ea typeface="+mn-ea"/>
+                  <a:cs typeface="+mn-cs"/>
+                </a:defRPr>
+              </a:lvl3pPr>
+              <a:lvl4pPr marL="1134062" indent="-162009" algn="l" defTabSz="648035" rtl="0" eaLnBrk="1" latinLnBrk="1" hangingPunct="1">
+                <a:lnSpc>
+                  <a:spcPct val="90000"/>
+                </a:lnSpc>
+                <a:spcBef>
+                  <a:spcPts val="354"/>
+                </a:spcBef>
+                <a:buFont typeface="Arial" panose="020B0604020202020204" pitchFamily="34" charset="0"/>
+                <a:buChar char="•"/>
+                <a:defRPr sz="1276" kern="1200">
+                  <a:solidFill>
+                    <a:schemeClr val="tx1"/>
+                  </a:solidFill>
+                  <a:latin typeface="+mn-lt"/>
+                  <a:ea typeface="+mn-ea"/>
+                  <a:cs typeface="+mn-cs"/>
+                </a:defRPr>
+              </a:lvl4pPr>
+              <a:lvl5pPr marL="1458079" indent="-162009" algn="l" defTabSz="648035" rtl="0" eaLnBrk="1" latinLnBrk="1" hangingPunct="1">
+                <a:lnSpc>
+                  <a:spcPct val="90000"/>
+                </a:lnSpc>
+                <a:spcBef>
+                  <a:spcPts val="354"/>
+                </a:spcBef>
+                <a:buFont typeface="Arial" panose="020B0604020202020204" pitchFamily="34" charset="0"/>
+                <a:buChar char="•"/>
+                <a:defRPr sz="1276" kern="1200">
+                  <a:solidFill>
+                    <a:schemeClr val="tx1"/>
+                  </a:solidFill>
+                  <a:latin typeface="+mn-lt"/>
+                  <a:ea typeface="+mn-ea"/>
+                  <a:cs typeface="+mn-cs"/>
+                </a:defRPr>
+              </a:lvl5pPr>
+              <a:lvl6pPr marL="1782097" indent="-162009" algn="l" defTabSz="648035" rtl="0" eaLnBrk="1" latinLnBrk="1" hangingPunct="1">
+                <a:lnSpc>
+                  <a:spcPct val="90000"/>
+                </a:lnSpc>
+                <a:spcBef>
+                  <a:spcPts val="354"/>
+                </a:spcBef>
+                <a:buFont typeface="Arial" panose="020B0604020202020204" pitchFamily="34" charset="0"/>
+                <a:buChar char="•"/>
+                <a:defRPr sz="1276" kern="1200">
+                  <a:solidFill>
+                    <a:schemeClr val="tx1"/>
+                  </a:solidFill>
+                  <a:latin typeface="+mn-lt"/>
+                  <a:ea typeface="+mn-ea"/>
+                  <a:cs typeface="+mn-cs"/>
+                </a:defRPr>
+              </a:lvl6pPr>
+              <a:lvl7pPr marL="2106115" indent="-162009" algn="l" defTabSz="648035" rtl="0" eaLnBrk="1" latinLnBrk="1" hangingPunct="1">
+                <a:lnSpc>
+                  <a:spcPct val="90000"/>
+                </a:lnSpc>
+                <a:spcBef>
+                  <a:spcPts val="354"/>
+                </a:spcBef>
+                <a:buFont typeface="Arial" panose="020B0604020202020204" pitchFamily="34" charset="0"/>
+                <a:buChar char="•"/>
+                <a:defRPr sz="1276" kern="1200">
+                  <a:solidFill>
+                    <a:schemeClr val="tx1"/>
+                  </a:solidFill>
+                  <a:latin typeface="+mn-lt"/>
+                  <a:ea typeface="+mn-ea"/>
+                  <a:cs typeface="+mn-cs"/>
+                </a:defRPr>
+              </a:lvl7pPr>
+              <a:lvl8pPr marL="2430132" indent="-162009" algn="l" defTabSz="648035" rtl="0" eaLnBrk="1" latinLnBrk="1" hangingPunct="1">
+                <a:lnSpc>
+                  <a:spcPct val="90000"/>
+                </a:lnSpc>
+                <a:spcBef>
+                  <a:spcPts val="354"/>
+                </a:spcBef>
+                <a:buFont typeface="Arial" panose="020B0604020202020204" pitchFamily="34" charset="0"/>
+                <a:buChar char="•"/>
+                <a:defRPr sz="1276" kern="1200">
+                  <a:solidFill>
+                    <a:schemeClr val="tx1"/>
+                  </a:solidFill>
+                  <a:latin typeface="+mn-lt"/>
+                  <a:ea typeface="+mn-ea"/>
+                  <a:cs typeface="+mn-cs"/>
+                </a:defRPr>
+              </a:lvl8pPr>
+              <a:lvl9pPr marL="2754150" indent="-162009" algn="l" defTabSz="648035" rtl="0" eaLnBrk="1" latinLnBrk="1" hangingPunct="1">
+                <a:lnSpc>
+                  <a:spcPct val="90000"/>
+                </a:lnSpc>
+                <a:spcBef>
+                  <a:spcPts val="354"/>
+                </a:spcBef>
+                <a:buFont typeface="Arial" panose="020B0604020202020204" pitchFamily="34" charset="0"/>
+                <a:buChar char="•"/>
+                <a:defRPr sz="1276" kern="1200">
+                  <a:solidFill>
+                    <a:schemeClr val="tx1"/>
+                  </a:solidFill>
+                  <a:latin typeface="+mn-lt"/>
+                  <a:ea typeface="+mn-ea"/>
+                  <a:cs typeface="+mn-cs"/>
+                </a:defRPr>
+              </a:lvl9pPr>
+            </a:lstStyle>
+            <a:p>
+              <a:pPr marL="0" indent="0">
+                <a:buNone/>
+              </a:pPr>
+              <a:r>
+                <a:rPr lang="en-US" altLang="ko-KR" dirty="0" smtClean="0"/>
+                <a:t>Main Page</a:t>
+              </a:r>
+            </a:p>
+          </p:txBody>
+        </p:sp>
+        <p:pic>
+          <p:nvPicPr>
+            <p:cNvPr id="8" name="그림 7"/>
+            <p:cNvPicPr>
+              <a:picLocks noChangeAspect="1"/>
+            </p:cNvPicPr>
+            <p:nvPr/>
+          </p:nvPicPr>
+          <p:blipFill>
+            <a:blip r:embed="rId3"/>
+            <a:stretch>
+              <a:fillRect/>
+            </a:stretch>
+          </p:blipFill>
+          <p:spPr>
+            <a:xfrm>
+              <a:off x="5071309" y="1848766"/>
+              <a:ext cx="1541339" cy="2308701"/>
+            </a:xfrm>
+            <a:prstGeom prst="rect">
+              <a:avLst/>
+            </a:prstGeom>
+          </p:spPr>
+        </p:pic>
+      </p:grpSp>
+      <p:grpSp>
+        <p:nvGrpSpPr>
+          <p:cNvPr id="12" name="그룹 11"/>
+          <p:cNvGrpSpPr/>
+          <p:nvPr/>
+        </p:nvGrpSpPr>
+        <p:grpSpPr>
+          <a:xfrm>
+            <a:off x="1663648" y="1846317"/>
+            <a:ext cx="1547954" cy="2687046"/>
+            <a:chOff x="1663648" y="1846317"/>
+            <a:chExt cx="1547954" cy="2687046"/>
+          </a:xfrm>
+        </p:grpSpPr>
+        <p:sp>
+          <p:nvSpPr>
+            <p:cNvPr id="7" name="내용 개체 틀 2"/>
+            <p:cNvSpPr txBox="1">
+              <a:spLocks/>
+            </p:cNvSpPr>
+            <p:nvPr/>
+          </p:nvSpPr>
+          <p:spPr>
+            <a:xfrm>
+              <a:off x="1797741" y="4155019"/>
+              <a:ext cx="1279769" cy="378344"/>
+            </a:xfrm>
+            <a:prstGeom prst="rect">
+              <a:avLst/>
+            </a:prstGeom>
+          </p:spPr>
+          <p:txBody>
+            <a:bodyPr vert="horz" lIns="91440" tIns="45720" rIns="91440" bIns="45720" rtlCol="0">
+              <a:normAutofit/>
+            </a:bodyPr>
+            <a:lstStyle>
+              <a:lvl1pPr marL="162009" indent="-162009" algn="l" defTabSz="648035" rtl="0" eaLnBrk="1" latinLnBrk="1" hangingPunct="1">
+                <a:lnSpc>
+                  <a:spcPct val="90000"/>
+                </a:lnSpc>
+                <a:spcBef>
+                  <a:spcPts val="709"/>
+                </a:spcBef>
+                <a:buFont typeface="Arial" panose="020B0604020202020204" pitchFamily="34" charset="0"/>
+                <a:buChar char="•"/>
+                <a:defRPr sz="1984" kern="1200" baseline="0">
+                  <a:solidFill>
+                    <a:schemeClr val="tx1"/>
+                  </a:solidFill>
+                  <a:latin typeface="+mn-lt"/>
+                  <a:ea typeface="나눔고딕" panose="020D0604000000000000" pitchFamily="50" charset="-127"/>
+                  <a:cs typeface="Roboto Light" panose="02000000000000000000" pitchFamily="2" charset="0"/>
+                </a:defRPr>
+              </a:lvl1pPr>
+              <a:lvl2pPr marL="486026" indent="-162009" algn="l" defTabSz="648035" rtl="0" eaLnBrk="1" latinLnBrk="1" hangingPunct="1">
+                <a:lnSpc>
+                  <a:spcPct val="90000"/>
+                </a:lnSpc>
+                <a:spcBef>
+                  <a:spcPts val="354"/>
+                </a:spcBef>
+                <a:buFont typeface="Arial" panose="020B0604020202020204" pitchFamily="34" charset="0"/>
+                <a:buChar char="•"/>
+                <a:defRPr sz="1701" kern="1200">
+                  <a:solidFill>
+                    <a:schemeClr val="tx1"/>
+                  </a:solidFill>
+                  <a:latin typeface="+mn-lt"/>
+                  <a:ea typeface="+mn-ea"/>
+                  <a:cs typeface="+mn-cs"/>
+                </a:defRPr>
+              </a:lvl2pPr>
+              <a:lvl3pPr marL="810044" indent="-162009" algn="l" defTabSz="648035" rtl="0" eaLnBrk="1" latinLnBrk="1" hangingPunct="1">
+                <a:lnSpc>
+                  <a:spcPct val="90000"/>
+                </a:lnSpc>
+                <a:spcBef>
+                  <a:spcPts val="354"/>
+                </a:spcBef>
+                <a:buFont typeface="Arial" panose="020B0604020202020204" pitchFamily="34" charset="0"/>
+                <a:buChar char="•"/>
+                <a:defRPr sz="1417" kern="1200">
+                  <a:solidFill>
+                    <a:schemeClr val="tx1"/>
+                  </a:solidFill>
+                  <a:latin typeface="+mn-lt"/>
+                  <a:ea typeface="+mn-ea"/>
+                  <a:cs typeface="+mn-cs"/>
+                </a:defRPr>
+              </a:lvl3pPr>
+              <a:lvl4pPr marL="1134062" indent="-162009" algn="l" defTabSz="648035" rtl="0" eaLnBrk="1" latinLnBrk="1" hangingPunct="1">
+                <a:lnSpc>
+                  <a:spcPct val="90000"/>
+                </a:lnSpc>
+                <a:spcBef>
+                  <a:spcPts val="354"/>
+                </a:spcBef>
+                <a:buFont typeface="Arial" panose="020B0604020202020204" pitchFamily="34" charset="0"/>
+                <a:buChar char="•"/>
+                <a:defRPr sz="1276" kern="1200">
+                  <a:solidFill>
+                    <a:schemeClr val="tx1"/>
+                  </a:solidFill>
+                  <a:latin typeface="+mn-lt"/>
+                  <a:ea typeface="+mn-ea"/>
+                  <a:cs typeface="+mn-cs"/>
+                </a:defRPr>
+              </a:lvl4pPr>
+              <a:lvl5pPr marL="1458079" indent="-162009" algn="l" defTabSz="648035" rtl="0" eaLnBrk="1" latinLnBrk="1" hangingPunct="1">
+                <a:lnSpc>
+                  <a:spcPct val="90000"/>
+                </a:lnSpc>
+                <a:spcBef>
+                  <a:spcPts val="354"/>
+                </a:spcBef>
+                <a:buFont typeface="Arial" panose="020B0604020202020204" pitchFamily="34" charset="0"/>
+                <a:buChar char="•"/>
+                <a:defRPr sz="1276" kern="1200">
+                  <a:solidFill>
+                    <a:schemeClr val="tx1"/>
+                  </a:solidFill>
+                  <a:latin typeface="+mn-lt"/>
+                  <a:ea typeface="+mn-ea"/>
+                  <a:cs typeface="+mn-cs"/>
+                </a:defRPr>
+              </a:lvl5pPr>
+              <a:lvl6pPr marL="1782097" indent="-162009" algn="l" defTabSz="648035" rtl="0" eaLnBrk="1" latinLnBrk="1" hangingPunct="1">
+                <a:lnSpc>
+                  <a:spcPct val="90000"/>
+                </a:lnSpc>
+                <a:spcBef>
+                  <a:spcPts val="354"/>
+                </a:spcBef>
+                <a:buFont typeface="Arial" panose="020B0604020202020204" pitchFamily="34" charset="0"/>
+                <a:buChar char="•"/>
+                <a:defRPr sz="1276" kern="1200">
+                  <a:solidFill>
+                    <a:schemeClr val="tx1"/>
+                  </a:solidFill>
+                  <a:latin typeface="+mn-lt"/>
+                  <a:ea typeface="+mn-ea"/>
+                  <a:cs typeface="+mn-cs"/>
+                </a:defRPr>
+              </a:lvl6pPr>
+              <a:lvl7pPr marL="2106115" indent="-162009" algn="l" defTabSz="648035" rtl="0" eaLnBrk="1" latinLnBrk="1" hangingPunct="1">
+                <a:lnSpc>
+                  <a:spcPct val="90000"/>
+                </a:lnSpc>
+                <a:spcBef>
+                  <a:spcPts val="354"/>
+                </a:spcBef>
+                <a:buFont typeface="Arial" panose="020B0604020202020204" pitchFamily="34" charset="0"/>
+                <a:buChar char="•"/>
+                <a:defRPr sz="1276" kern="1200">
+                  <a:solidFill>
+                    <a:schemeClr val="tx1"/>
+                  </a:solidFill>
+                  <a:latin typeface="+mn-lt"/>
+                  <a:ea typeface="+mn-ea"/>
+                  <a:cs typeface="+mn-cs"/>
+                </a:defRPr>
+              </a:lvl7pPr>
+              <a:lvl8pPr marL="2430132" indent="-162009" algn="l" defTabSz="648035" rtl="0" eaLnBrk="1" latinLnBrk="1" hangingPunct="1">
+                <a:lnSpc>
+                  <a:spcPct val="90000"/>
+                </a:lnSpc>
+                <a:spcBef>
+                  <a:spcPts val="354"/>
+                </a:spcBef>
+                <a:buFont typeface="Arial" panose="020B0604020202020204" pitchFamily="34" charset="0"/>
+                <a:buChar char="•"/>
+                <a:defRPr sz="1276" kern="1200">
+                  <a:solidFill>
+                    <a:schemeClr val="tx1"/>
+                  </a:solidFill>
+                  <a:latin typeface="+mn-lt"/>
+                  <a:ea typeface="+mn-ea"/>
+                  <a:cs typeface="+mn-cs"/>
+                </a:defRPr>
+              </a:lvl8pPr>
+              <a:lvl9pPr marL="2754150" indent="-162009" algn="l" defTabSz="648035" rtl="0" eaLnBrk="1" latinLnBrk="1" hangingPunct="1">
+                <a:lnSpc>
+                  <a:spcPct val="90000"/>
+                </a:lnSpc>
+                <a:spcBef>
+                  <a:spcPts val="354"/>
+                </a:spcBef>
+                <a:buFont typeface="Arial" panose="020B0604020202020204" pitchFamily="34" charset="0"/>
+                <a:buChar char="•"/>
+                <a:defRPr sz="1276" kern="1200">
+                  <a:solidFill>
+                    <a:schemeClr val="tx1"/>
+                  </a:solidFill>
+                  <a:latin typeface="+mn-lt"/>
+                  <a:ea typeface="+mn-ea"/>
+                  <a:cs typeface="+mn-cs"/>
+                </a:defRPr>
+              </a:lvl9pPr>
+            </a:lstStyle>
+            <a:p>
+              <a:pPr marL="0" indent="0">
+                <a:buNone/>
+              </a:pPr>
+              <a:r>
+                <a:rPr lang="en-US" altLang="ko-KR" dirty="0" smtClean="0"/>
+                <a:t>Login Page</a:t>
+              </a:r>
+              <a:endParaRPr lang="ko-KR" altLang="en-US" dirty="0"/>
+            </a:p>
+          </p:txBody>
+        </p:sp>
+        <p:pic>
+          <p:nvPicPr>
+            <p:cNvPr id="5" name="그림 4"/>
+            <p:cNvPicPr>
+              <a:picLocks noChangeAspect="1"/>
+            </p:cNvPicPr>
+            <p:nvPr/>
+          </p:nvPicPr>
+          <p:blipFill>
+            <a:blip r:embed="rId4"/>
+            <a:stretch>
+              <a:fillRect/>
+            </a:stretch>
+          </p:blipFill>
+          <p:spPr>
+            <a:xfrm>
+              <a:off x="1663648" y="1846317"/>
+              <a:ext cx="1547954" cy="2308701"/>
+            </a:xfrm>
+            <a:prstGeom prst="rect">
+              <a:avLst/>
+            </a:prstGeom>
+          </p:spPr>
+        </p:pic>
+      </p:grpSp>
+      <p:grpSp>
+        <p:nvGrpSpPr>
+          <p:cNvPr id="18" name="그룹 17"/>
+          <p:cNvGrpSpPr/>
+          <p:nvPr/>
+        </p:nvGrpSpPr>
+        <p:grpSpPr>
+          <a:xfrm>
+            <a:off x="3647731" y="3591418"/>
+            <a:ext cx="2740191" cy="791410"/>
+            <a:chOff x="3647731" y="3591418"/>
+            <a:chExt cx="2740191" cy="791410"/>
+          </a:xfrm>
+        </p:grpSpPr>
+        <p:grpSp>
+          <p:nvGrpSpPr>
+            <p:cNvPr id="13" name="그룹 12"/>
+            <p:cNvGrpSpPr/>
+            <p:nvPr/>
+          </p:nvGrpSpPr>
+          <p:grpSpPr>
+            <a:xfrm>
+              <a:off x="3647731" y="3591418"/>
+              <a:ext cx="1610612" cy="791410"/>
+              <a:chOff x="3583336" y="3552781"/>
+              <a:chExt cx="1610612" cy="791410"/>
+            </a:xfrm>
+          </p:grpSpPr>
+          <p:sp>
+            <p:nvSpPr>
+              <p:cNvPr id="15" name="오른쪽 화살표 14"/>
+              <p:cNvSpPr/>
+              <p:nvPr/>
+            </p:nvSpPr>
+            <p:spPr>
+              <a:xfrm>
+                <a:off x="3722393" y="3771487"/>
+                <a:ext cx="1471555" cy="227224"/>
+              </a:xfrm>
+              <a:prstGeom prst="rightArrow">
+                <a:avLst>
+                  <a:gd name="adj1" fmla="val 50000"/>
+                  <a:gd name="adj2" fmla="val 68071"/>
+                </a:avLst>
+              </a:prstGeom>
+              <a:solidFill>
+                <a:schemeClr val="bg1">
+                  <a:lumMod val="75000"/>
+                </a:schemeClr>
+              </a:solidFill>
+              <a:ln>
+                <a:noFill/>
+              </a:ln>
+            </p:spPr>
+            <p:style>
+              <a:lnRef idx="2">
+                <a:schemeClr val="accent1">
+                  <a:shade val="50000"/>
+                </a:schemeClr>
+              </a:lnRef>
+              <a:fillRef idx="1">
+                <a:schemeClr val="accent1"/>
+              </a:fillRef>
+              <a:effectRef idx="0">
+                <a:schemeClr val="accent1"/>
+              </a:effectRef>
+              <a:fontRef idx="minor">
+                <a:schemeClr val="lt1"/>
+              </a:fontRef>
+            </p:style>
+            <p:txBody>
+              <a:bodyPr rtlCol="0" anchor="ctr"/>
+              <a:lstStyle/>
+              <a:p>
+                <a:pPr algn="ctr"/>
+                <a:endParaRPr lang="ko-KR" altLang="en-US"/>
+              </a:p>
+            </p:txBody>
+          </p:sp>
+          <p:sp>
+            <p:nvSpPr>
+              <p:cNvPr id="16" name="내용 개체 틀 2"/>
+              <p:cNvSpPr txBox="1">
+                <a:spLocks/>
+              </p:cNvSpPr>
+              <p:nvPr/>
+            </p:nvSpPr>
+            <p:spPr>
+              <a:xfrm>
+                <a:off x="3583336" y="3552781"/>
+                <a:ext cx="1604403" cy="791410"/>
+              </a:xfrm>
+              <a:prstGeom prst="rect">
+                <a:avLst/>
+              </a:prstGeom>
+            </p:spPr>
+            <p:txBody>
+              <a:bodyPr vert="horz" lIns="91440" tIns="45720" rIns="91440" bIns="45720" rtlCol="0">
+                <a:normAutofit/>
+              </a:bodyPr>
+              <a:lstStyle>
+                <a:lvl1pPr marL="162009" indent="-162009" algn="l" defTabSz="648035" rtl="0" eaLnBrk="1" latinLnBrk="1" hangingPunct="1">
+                  <a:lnSpc>
+                    <a:spcPct val="90000"/>
+                  </a:lnSpc>
+                  <a:spcBef>
+                    <a:spcPts val="709"/>
+                  </a:spcBef>
+                  <a:buFont typeface="Arial" panose="020B0604020202020204" pitchFamily="34" charset="0"/>
+                  <a:buChar char="•"/>
+                  <a:defRPr sz="1984" kern="1200" baseline="0">
+                    <a:solidFill>
+                      <a:schemeClr val="tx1"/>
+                    </a:solidFill>
+                    <a:latin typeface="+mn-lt"/>
+                    <a:ea typeface="나눔고딕" panose="020D0604000000000000" pitchFamily="50" charset="-127"/>
+                    <a:cs typeface="Roboto Light" panose="02000000000000000000" pitchFamily="2" charset="0"/>
+                  </a:defRPr>
+                </a:lvl1pPr>
+                <a:lvl2pPr marL="486026" indent="-162009" algn="l" defTabSz="648035" rtl="0" eaLnBrk="1" latinLnBrk="1" hangingPunct="1">
+                  <a:lnSpc>
+                    <a:spcPct val="90000"/>
+                  </a:lnSpc>
+                  <a:spcBef>
+                    <a:spcPts val="354"/>
+                  </a:spcBef>
+                  <a:buFont typeface="Arial" panose="020B0604020202020204" pitchFamily="34" charset="0"/>
+                  <a:buChar char="•"/>
+                  <a:defRPr sz="1701" kern="1200">
+                    <a:solidFill>
+                      <a:schemeClr val="tx1"/>
+                    </a:solidFill>
+                    <a:latin typeface="+mn-lt"/>
+                    <a:ea typeface="+mn-ea"/>
+                    <a:cs typeface="+mn-cs"/>
+                  </a:defRPr>
+                </a:lvl2pPr>
+                <a:lvl3pPr marL="810044" indent="-162009" algn="l" defTabSz="648035" rtl="0" eaLnBrk="1" latinLnBrk="1" hangingPunct="1">
+                  <a:lnSpc>
+                    <a:spcPct val="90000"/>
+                  </a:lnSpc>
+                  <a:spcBef>
+                    <a:spcPts val="354"/>
+                  </a:spcBef>
+                  <a:buFont typeface="Arial" panose="020B0604020202020204" pitchFamily="34" charset="0"/>
+                  <a:buChar char="•"/>
+                  <a:defRPr sz="1417" kern="1200">
+                    <a:solidFill>
+                      <a:schemeClr val="tx1"/>
+                    </a:solidFill>
+                    <a:latin typeface="+mn-lt"/>
+                    <a:ea typeface="+mn-ea"/>
+                    <a:cs typeface="+mn-cs"/>
+                  </a:defRPr>
+                </a:lvl3pPr>
+                <a:lvl4pPr marL="1134062" indent="-162009" algn="l" defTabSz="648035" rtl="0" eaLnBrk="1" latinLnBrk="1" hangingPunct="1">
+                  <a:lnSpc>
+                    <a:spcPct val="90000"/>
+                  </a:lnSpc>
+                  <a:spcBef>
+                    <a:spcPts val="354"/>
+                  </a:spcBef>
+                  <a:buFont typeface="Arial" panose="020B0604020202020204" pitchFamily="34" charset="0"/>
+                  <a:buChar char="•"/>
+                  <a:defRPr sz="1276" kern="1200">
+                    <a:solidFill>
+                      <a:schemeClr val="tx1"/>
+                    </a:solidFill>
+                    <a:latin typeface="+mn-lt"/>
+                    <a:ea typeface="+mn-ea"/>
+                    <a:cs typeface="+mn-cs"/>
+                  </a:defRPr>
+                </a:lvl4pPr>
+                <a:lvl5pPr marL="1458079" indent="-162009" algn="l" defTabSz="648035" rtl="0" eaLnBrk="1" latinLnBrk="1" hangingPunct="1">
+                  <a:lnSpc>
+                    <a:spcPct val="90000"/>
+                  </a:lnSpc>
+                  <a:spcBef>
+                    <a:spcPts val="354"/>
+                  </a:spcBef>
+                  <a:buFont typeface="Arial" panose="020B0604020202020204" pitchFamily="34" charset="0"/>
+                  <a:buChar char="•"/>
+                  <a:defRPr sz="1276" kern="1200">
+                    <a:solidFill>
+                      <a:schemeClr val="tx1"/>
+                    </a:solidFill>
+                    <a:latin typeface="+mn-lt"/>
+                    <a:ea typeface="+mn-ea"/>
+                    <a:cs typeface="+mn-cs"/>
+                  </a:defRPr>
+                </a:lvl5pPr>
+                <a:lvl6pPr marL="1782097" indent="-162009" algn="l" defTabSz="648035" rtl="0" eaLnBrk="1" latinLnBrk="1" hangingPunct="1">
+                  <a:lnSpc>
+                    <a:spcPct val="90000"/>
+                  </a:lnSpc>
+                  <a:spcBef>
+                    <a:spcPts val="354"/>
+                  </a:spcBef>
+                  <a:buFont typeface="Arial" panose="020B0604020202020204" pitchFamily="34" charset="0"/>
+                  <a:buChar char="•"/>
+                  <a:defRPr sz="1276" kern="1200">
+                    <a:solidFill>
+                      <a:schemeClr val="tx1"/>
+                    </a:solidFill>
+                    <a:latin typeface="+mn-lt"/>
+                    <a:ea typeface="+mn-ea"/>
+                    <a:cs typeface="+mn-cs"/>
+                  </a:defRPr>
+                </a:lvl6pPr>
+                <a:lvl7pPr marL="2106115" indent="-162009" algn="l" defTabSz="648035" rtl="0" eaLnBrk="1" latinLnBrk="1" hangingPunct="1">
+                  <a:lnSpc>
+                    <a:spcPct val="90000"/>
+                  </a:lnSpc>
+                  <a:spcBef>
+                    <a:spcPts val="354"/>
+                  </a:spcBef>
+                  <a:buFont typeface="Arial" panose="020B0604020202020204" pitchFamily="34" charset="0"/>
+                  <a:buChar char="•"/>
+                  <a:defRPr sz="1276" kern="1200">
+                    <a:solidFill>
+                      <a:schemeClr val="tx1"/>
+                    </a:solidFill>
+                    <a:latin typeface="+mn-lt"/>
+                    <a:ea typeface="+mn-ea"/>
+                    <a:cs typeface="+mn-cs"/>
+                  </a:defRPr>
+                </a:lvl7pPr>
+                <a:lvl8pPr marL="2430132" indent="-162009" algn="l" defTabSz="648035" rtl="0" eaLnBrk="1" latinLnBrk="1" hangingPunct="1">
+                  <a:lnSpc>
+                    <a:spcPct val="90000"/>
+                  </a:lnSpc>
+                  <a:spcBef>
+                    <a:spcPts val="354"/>
+                  </a:spcBef>
+                  <a:buFont typeface="Arial" panose="020B0604020202020204" pitchFamily="34" charset="0"/>
+                  <a:buChar char="•"/>
+                  <a:defRPr sz="1276" kern="1200">
+                    <a:solidFill>
+                      <a:schemeClr val="tx1"/>
+                    </a:solidFill>
+                    <a:latin typeface="+mn-lt"/>
+                    <a:ea typeface="+mn-ea"/>
+                    <a:cs typeface="+mn-cs"/>
+                  </a:defRPr>
+                </a:lvl8pPr>
+                <a:lvl9pPr marL="2754150" indent="-162009" algn="l" defTabSz="648035" rtl="0" eaLnBrk="1" latinLnBrk="1" hangingPunct="1">
+                  <a:lnSpc>
+                    <a:spcPct val="90000"/>
+                  </a:lnSpc>
+                  <a:spcBef>
+                    <a:spcPts val="354"/>
+                  </a:spcBef>
+                  <a:buFont typeface="Arial" panose="020B0604020202020204" pitchFamily="34" charset="0"/>
+                  <a:buChar char="•"/>
+                  <a:defRPr sz="1276" kern="1200">
+                    <a:solidFill>
+                      <a:schemeClr val="tx1"/>
+                    </a:solidFill>
+                    <a:latin typeface="+mn-lt"/>
+                    <a:ea typeface="+mn-ea"/>
+                    <a:cs typeface="+mn-cs"/>
+                  </a:defRPr>
+                </a:lvl9pPr>
+              </a:lstStyle>
+              <a:p>
+                <a:pPr marL="0" indent="0" algn="ctr">
+                  <a:buNone/>
+                </a:pPr>
+                <a:r>
+                  <a:rPr lang="en-US" altLang="ko-KR" sz="1600" b="1" dirty="0" smtClean="0"/>
+                  <a:t>Manager</a:t>
+                </a:r>
+                <a:r>
+                  <a:rPr lang="en-US" altLang="ko-KR" sz="1600" b="1" dirty="0"/>
+                  <a:t> </a:t>
+                </a:r>
+                <a:r>
+                  <a:rPr lang="en-US" altLang="ko-KR" sz="1600" b="1" dirty="0" smtClean="0"/>
+                  <a:t>Login</a:t>
+                </a:r>
+                <a:endParaRPr lang="ko-KR" altLang="en-US" sz="1600" b="1" dirty="0"/>
+              </a:p>
+            </p:txBody>
+          </p:sp>
+        </p:grpSp>
+        <p:pic>
+          <p:nvPicPr>
+            <p:cNvPr id="17" name="그림 16"/>
+            <p:cNvPicPr>
+              <a:picLocks noChangeAspect="1"/>
+            </p:cNvPicPr>
+            <p:nvPr/>
+          </p:nvPicPr>
+          <p:blipFill>
+            <a:blip r:embed="rId5"/>
+            <a:stretch>
+              <a:fillRect/>
+            </a:stretch>
+          </p:blipFill>
+          <p:spPr>
+            <a:xfrm>
+              <a:off x="5456424" y="3729225"/>
+              <a:ext cx="931498" cy="373825"/>
+            </a:xfrm>
+            <a:prstGeom prst="rect">
+              <a:avLst/>
+            </a:prstGeom>
+          </p:spPr>
+        </p:pic>
+      </p:grpSp>
     </p:spTree>
     <p:extLst>
       <p:ext uri="{BB962C8B-B14F-4D97-AF65-F5344CB8AC3E}">
-        <p14:creationId xmlns:p14="http://schemas.microsoft.com/office/powerpoint/2010/main" val="249536509"/>
+        <p14:creationId xmlns:p14="http://schemas.microsoft.com/office/powerpoint/2010/main" val="3620643215"/>
       </p:ext>
     </p:extLst>
   </p:cSld>
@@ -6603,12 +8886,88 @@
     <a:masterClrMapping/>
   </p:clrMapOvr>
   <p:transition spd="slow">
-    <p:push/>
+    <p:wipe/>
   </p:transition>
   <p:timing>
     <p:tnLst>
       <p:par>
-        <p:cTn id="1" dur="indefinite" restart="never" nodeType="tmRoot"/>
+        <p:cTn id="1" dur="indefinite" restart="never" nodeType="tmRoot">
+          <p:childTnLst>
+            <p:seq concurrent="1" nextAc="seek">
+              <p:cTn id="2" dur="indefinite" nodeType="mainSeq">
+                <p:childTnLst>
+                  <p:par>
+                    <p:cTn id="3" fill="hold">
+                      <p:stCondLst>
+                        <p:cond delay="indefinite"/>
+                      </p:stCondLst>
+                      <p:childTnLst>
+                        <p:par>
+                          <p:cTn id="4" fill="hold">
+                            <p:stCondLst>
+                              <p:cond delay="0"/>
+                            </p:stCondLst>
+                            <p:childTnLst>
+                              <p:par>
+                                <p:cTn id="5" presetID="22" presetClass="entr" presetSubtype="8" fill="hold" nodeType="clickEffect">
+                                  <p:stCondLst>
+                                    <p:cond delay="0"/>
+                                  </p:stCondLst>
+                                  <p:childTnLst>
+                                    <p:set>
+                                      <p:cBhvr>
+                                        <p:cTn id="6" dur="1" fill="hold">
+                                          <p:stCondLst>
+                                            <p:cond delay="0"/>
+                                          </p:stCondLst>
+                                        </p:cTn>
+                                        <p:tgtEl>
+                                          <p:spTgt spid="18"/>
+                                        </p:tgtEl>
+                                        <p:attrNameLst>
+                                          <p:attrName>style.visibility</p:attrName>
+                                        </p:attrNameLst>
+                                      </p:cBhvr>
+                                      <p:to>
+                                        <p:strVal val="visible"/>
+                                      </p:to>
+                                    </p:set>
+                                    <p:animEffect transition="in" filter="wipe(left)">
+                                      <p:cBhvr>
+                                        <p:cTn id="7" dur="500"/>
+                                        <p:tgtEl>
+                                          <p:spTgt spid="18"/>
+                                        </p:tgtEl>
+                                      </p:cBhvr>
+                                    </p:animEffect>
+                                  </p:childTnLst>
+                                </p:cTn>
+                              </p:par>
+                            </p:childTnLst>
+                          </p:cTn>
+                        </p:par>
+                      </p:childTnLst>
+                    </p:cTn>
+                  </p:par>
+                </p:childTnLst>
+              </p:cTn>
+              <p:prevCondLst>
+                <p:cond evt="onPrev" delay="0">
+                  <p:tgtEl>
+                    <p:sldTgt/>
+                  </p:tgtEl>
+                </p:cond>
+              </p:prevCondLst>
+              <p:nextCondLst>
+                <p:cond evt="onNext" delay="0">
+                  <p:tgtEl>
+                    <p:sldTgt/>
+                  </p:tgtEl>
+                </p:cond>
+              </p:nextCondLst>
+            </p:seq>
+          </p:childTnLst>
+        </p:cTn>
       </p:par>
     </p:tnLst>
   </p:timing>
@@ -6649,11 +9008,11 @@
           <a:p>
             <a:r>
               <a:rPr lang="en-US" altLang="ko-KR" b="0" dirty="0" smtClean="0"/>
-              <a:t>Use Case 4.</a:t>
+              <a:t>Use Case 2.</a:t>
             </a:r>
             <a:r>
               <a:rPr lang="en-US" altLang="ko-KR" dirty="0" smtClean="0"/>
-              <a:t> School Bus Schedule</a:t>
+              <a:t> Main Page</a:t>
             </a:r>
             <a:endParaRPr lang="ko-KR" altLang="en-US" dirty="0"/>
           </a:p>
@@ -6669,101 +9028,21 @@
             <p:ph idx="1"/>
           </p:nvPr>
         </p:nvSpPr>
-        <p:spPr/>
+        <p:spPr>
+          <a:xfrm>
+            <a:off x="594053" y="1369219"/>
+            <a:ext cx="7452658" cy="378344"/>
+          </a:xfrm>
+        </p:spPr>
         <p:txBody>
           <a:bodyPr/>
           <a:lstStyle/>
           <a:p>
             <a:r>
               <a:rPr lang="en-US" altLang="ko-KR" dirty="0" smtClean="0"/>
-              <a:t>Use Case 4. School Bus Schedule</a:t>
-            </a:r>
-          </a:p>
-          <a:p>
-            <a:r>
-              <a:rPr lang="en-US" altLang="ko-KR" dirty="0"/>
-              <a:t>Description(User Scenario)</a:t>
-            </a:r>
-            <a:r>
-              <a:rPr lang="ko-KR" altLang="en-US" dirty="0"/>
-              <a:t>를 설명해주세요</a:t>
-            </a:r>
-            <a:r>
-              <a:rPr lang="en-US" altLang="ko-KR" dirty="0"/>
-              <a:t>.</a:t>
-            </a:r>
-          </a:p>
-          <a:p>
-            <a:r>
-              <a:rPr lang="en-US" altLang="ko-KR" dirty="0"/>
-              <a:t>Functional Requirement </a:t>
-            </a:r>
-            <a:r>
-              <a:rPr lang="ko-KR" altLang="en-US" dirty="0"/>
-              <a:t>어떤 것들 나왔는지 설명해주세요</a:t>
-            </a:r>
-            <a:r>
-              <a:rPr lang="en-US" altLang="ko-KR" dirty="0"/>
-              <a:t>.</a:t>
-            </a:r>
-          </a:p>
-          <a:p>
-            <a:r>
-              <a:rPr lang="en-US" altLang="ko-KR" dirty="0"/>
-              <a:t>Non-Functional Requirement </a:t>
-            </a:r>
-            <a:r>
-              <a:rPr lang="ko-KR" altLang="en-US" dirty="0"/>
-              <a:t>어떤 것들 나왔는지 설명해주세요</a:t>
-            </a:r>
-            <a:r>
-              <a:rPr lang="en-US" altLang="ko-KR" dirty="0"/>
-              <a:t>.</a:t>
-            </a:r>
-          </a:p>
-          <a:p>
-            <a:r>
-              <a:rPr lang="ko-KR" altLang="en-US" dirty="0"/>
-              <a:t>가능하면 </a:t>
-            </a:r>
-            <a:r>
-              <a:rPr lang="en-US" altLang="ko-KR" dirty="0"/>
-              <a:t>PPT</a:t>
-            </a:r>
-            <a:r>
-              <a:rPr lang="ko-KR" altLang="en-US" dirty="0"/>
-              <a:t>에 글로 </a:t>
-            </a:r>
-            <a:r>
-              <a:rPr lang="ko-KR" altLang="en-US" dirty="0" err="1"/>
-              <a:t>때려박지</a:t>
-            </a:r>
-            <a:r>
-              <a:rPr lang="ko-KR" altLang="en-US" dirty="0"/>
-              <a:t> 말고 말로 설명해주세요</a:t>
-            </a:r>
-            <a:r>
-              <a:rPr lang="en-US" altLang="ko-KR" dirty="0"/>
-              <a:t>.</a:t>
-            </a:r>
-          </a:p>
-          <a:p>
-            <a:r>
-              <a:rPr lang="ko-KR" altLang="en-US" dirty="0"/>
-              <a:t>필요하다면 추가 슬라이드를 </a:t>
-            </a:r>
-            <a:r>
-              <a:rPr lang="ko-KR" altLang="en-US" dirty="0" err="1"/>
-              <a:t>삽입하셔도</a:t>
-            </a:r>
-            <a:r>
-              <a:rPr lang="ko-KR" altLang="en-US" dirty="0"/>
-              <a:t> 좋습니다</a:t>
-            </a:r>
-            <a:r>
-              <a:rPr lang="en-US" altLang="ko-KR" dirty="0"/>
-              <a:t>.</a:t>
-            </a:r>
+              <a:t>Requirements</a:t>
+            </a:r>
+            <a:endParaRPr lang="en-US" altLang="ko-KR" dirty="0"/>
           </a:p>
           <a:p>
             <a:endParaRPr lang="ko-KR" altLang="en-US" dirty="0"/>
@@ -6791,28 +9070,459 @@
             </a:fld>
             <a:r>
               <a:rPr lang="en-US" altLang="ko-KR" dirty="0" smtClean="0"/>
-              <a:t>. Woo </a:t>
+              <a:t>. </a:t>
             </a:r>
             <a:r>
               <a:rPr lang="en-US" altLang="ko-KR" dirty="0" err="1" smtClean="0"/>
-              <a:t>SeungYeon</a:t>
+              <a:t>Ahn</a:t>
             </a:r>
             <a:r>
               <a:rPr lang="en-US" altLang="ko-KR" dirty="0" smtClean="0"/>
-              <a:t>, Song </a:t>
+              <a:t> </a:t>
             </a:r>
             <a:r>
               <a:rPr lang="en-US" altLang="ko-KR" dirty="0" err="1" smtClean="0"/>
-              <a:t>HyungSeok</a:t>
+              <a:t>YounGeun</a:t>
             </a:r>
             <a:endParaRPr lang="ko-KR" altLang="en-US" dirty="0"/>
           </a:p>
         </p:txBody>
       </p:sp>
+      <p:pic>
+        <p:nvPicPr>
+          <p:cNvPr id="8" name="그림 7"/>
+          <p:cNvPicPr>
+            <a:picLocks noChangeAspect="1"/>
+          </p:cNvPicPr>
+          <p:nvPr/>
+        </p:nvPicPr>
+        <p:blipFill>
+          <a:blip r:embed="rId3"/>
+          <a:stretch>
+            <a:fillRect/>
+          </a:stretch>
+        </p:blipFill>
+        <p:spPr>
+          <a:xfrm>
+            <a:off x="3427905" y="1849295"/>
+            <a:ext cx="1775099" cy="2658840"/>
+          </a:xfrm>
+          <a:prstGeom prst="rect">
+            <a:avLst/>
+          </a:prstGeom>
+        </p:spPr>
+      </p:pic>
+      <p:pic>
+        <p:nvPicPr>
+          <p:cNvPr id="17" name="그림 16"/>
+          <p:cNvPicPr>
+            <a:picLocks noChangeAspect="1"/>
+          </p:cNvPicPr>
+          <p:nvPr/>
+        </p:nvPicPr>
+        <p:blipFill>
+          <a:blip r:embed="rId4"/>
+          <a:stretch>
+            <a:fillRect/>
+          </a:stretch>
+        </p:blipFill>
+        <p:spPr>
+          <a:xfrm>
+            <a:off x="6143027" y="2874067"/>
+            <a:ext cx="610084" cy="683714"/>
+          </a:xfrm>
+          <a:prstGeom prst="rect">
+            <a:avLst/>
+          </a:prstGeom>
+        </p:spPr>
+      </p:pic>
+      <p:pic>
+        <p:nvPicPr>
+          <p:cNvPr id="14" name="그림 13"/>
+          <p:cNvPicPr>
+            <a:picLocks noChangeAspect="1"/>
+          </p:cNvPicPr>
+          <p:nvPr/>
+        </p:nvPicPr>
+        <p:blipFill>
+          <a:blip r:embed="rId5"/>
+          <a:stretch>
+            <a:fillRect/>
+          </a:stretch>
+        </p:blipFill>
+        <p:spPr>
+          <a:xfrm>
+            <a:off x="5489459" y="1747563"/>
+            <a:ext cx="788901" cy="757345"/>
+          </a:xfrm>
+          <a:prstGeom prst="rect">
+            <a:avLst/>
+          </a:prstGeom>
+        </p:spPr>
+      </p:pic>
+      <p:pic>
+        <p:nvPicPr>
+          <p:cNvPr id="15" name="그림 14"/>
+          <p:cNvPicPr>
+            <a:picLocks noChangeAspect="1"/>
+          </p:cNvPicPr>
+          <p:nvPr/>
+        </p:nvPicPr>
+        <p:blipFill>
+          <a:blip r:embed="rId6"/>
+          <a:stretch>
+            <a:fillRect/>
+          </a:stretch>
+        </p:blipFill>
+        <p:spPr>
+          <a:xfrm>
+            <a:off x="1441606" y="2296477"/>
+            <a:ext cx="904607" cy="757345"/>
+          </a:xfrm>
+          <a:prstGeom prst="rect">
+            <a:avLst/>
+          </a:prstGeom>
+        </p:spPr>
+      </p:pic>
+      <p:pic>
+        <p:nvPicPr>
+          <p:cNvPr id="13" name="그림 12"/>
+          <p:cNvPicPr>
+            <a:picLocks noChangeAspect="1"/>
+          </p:cNvPicPr>
+          <p:nvPr/>
+        </p:nvPicPr>
+        <p:blipFill>
+          <a:blip r:embed="rId7"/>
+          <a:stretch>
+            <a:fillRect/>
+          </a:stretch>
+        </p:blipFill>
+        <p:spPr>
+          <a:xfrm>
+            <a:off x="2279491" y="1747563"/>
+            <a:ext cx="757345" cy="757345"/>
+          </a:xfrm>
+          <a:prstGeom prst="rect">
+            <a:avLst/>
+          </a:prstGeom>
+        </p:spPr>
+      </p:pic>
+      <p:pic>
+        <p:nvPicPr>
+          <p:cNvPr id="16" name="그림 15"/>
+          <p:cNvPicPr>
+            <a:picLocks noChangeAspect="1"/>
+          </p:cNvPicPr>
+          <p:nvPr/>
+        </p:nvPicPr>
+        <p:blipFill>
+          <a:blip r:embed="rId8"/>
+          <a:stretch>
+            <a:fillRect/>
+          </a:stretch>
+        </p:blipFill>
+        <p:spPr>
+          <a:xfrm>
+            <a:off x="1015548" y="3191185"/>
+            <a:ext cx="589046" cy="652158"/>
+          </a:xfrm>
+          <a:prstGeom prst="rect">
+            <a:avLst/>
+          </a:prstGeom>
+        </p:spPr>
+      </p:pic>
+      <p:grpSp>
+        <p:nvGrpSpPr>
+          <p:cNvPr id="57" name="그룹 56"/>
+          <p:cNvGrpSpPr/>
+          <p:nvPr/>
+        </p:nvGrpSpPr>
+        <p:grpSpPr>
+          <a:xfrm>
+            <a:off x="5483448" y="3830464"/>
+            <a:ext cx="744679" cy="838453"/>
+            <a:chOff x="6387417" y="3776565"/>
+            <a:chExt cx="674330" cy="759246"/>
+          </a:xfrm>
+        </p:grpSpPr>
+        <p:pic>
+          <p:nvPicPr>
+            <p:cNvPr id="54" name="그림 53"/>
+            <p:cNvPicPr>
+              <a:picLocks noChangeAspect="1"/>
+            </p:cNvPicPr>
+            <p:nvPr/>
+          </p:nvPicPr>
+          <p:blipFill>
+            <a:blip r:embed="rId9"/>
+            <a:stretch>
+              <a:fillRect/>
+            </a:stretch>
+          </p:blipFill>
+          <p:spPr>
+            <a:xfrm>
+              <a:off x="6487591" y="3776565"/>
+              <a:ext cx="495300" cy="457200"/>
+            </a:xfrm>
+            <a:prstGeom prst="rect">
+              <a:avLst/>
+            </a:prstGeom>
+          </p:spPr>
+        </p:pic>
+        <p:sp>
+          <p:nvSpPr>
+            <p:cNvPr id="56" name="내용 개체 틀 2"/>
+            <p:cNvSpPr txBox="1">
+              <a:spLocks/>
+            </p:cNvSpPr>
+            <p:nvPr/>
+          </p:nvSpPr>
+          <p:spPr>
+            <a:xfrm>
+              <a:off x="6387417" y="4174789"/>
+              <a:ext cx="674330" cy="361022"/>
+            </a:xfrm>
+            <a:prstGeom prst="rect">
+              <a:avLst/>
+            </a:prstGeom>
+          </p:spPr>
+          <p:txBody>
+            <a:bodyPr vert="horz" lIns="91440" tIns="45720" rIns="91440" bIns="45720" rtlCol="0">
+              <a:normAutofit/>
+            </a:bodyPr>
+            <a:lstStyle>
+              <a:lvl1pPr marL="162009" indent="-162009" algn="l" defTabSz="648035" rtl="0" eaLnBrk="1" latinLnBrk="1" hangingPunct="1">
+                <a:lnSpc>
+                  <a:spcPct val="90000"/>
+                </a:lnSpc>
+                <a:spcBef>
+                  <a:spcPts val="709"/>
+                </a:spcBef>
+                <a:buFont typeface="Arial" panose="020B0604020202020204" pitchFamily="34" charset="0"/>
+                <a:buChar char="•"/>
+                <a:defRPr sz="1984" kern="1200" baseline="0">
+                  <a:solidFill>
+                    <a:schemeClr val="tx1"/>
+                  </a:solidFill>
+                  <a:latin typeface="+mn-lt"/>
+                  <a:ea typeface="나눔고딕" panose="020D0604000000000000" pitchFamily="50" charset="-127"/>
+                  <a:cs typeface="Roboto Light" panose="02000000000000000000" pitchFamily="2" charset="0"/>
+                </a:defRPr>
+              </a:lvl1pPr>
+              <a:lvl2pPr marL="486026" indent="-162009" algn="l" defTabSz="648035" rtl="0" eaLnBrk="1" latinLnBrk="1" hangingPunct="1">
+                <a:lnSpc>
+                  <a:spcPct val="90000"/>
+                </a:lnSpc>
+                <a:spcBef>
+                  <a:spcPts val="354"/>
+                </a:spcBef>
+                <a:buFont typeface="Arial" panose="020B0604020202020204" pitchFamily="34" charset="0"/>
+                <a:buChar char="•"/>
+                <a:defRPr sz="1701" kern="1200">
+                  <a:solidFill>
+                    <a:schemeClr val="tx1"/>
+                  </a:solidFill>
+                  <a:latin typeface="+mn-lt"/>
+                  <a:ea typeface="+mn-ea"/>
+                  <a:cs typeface="+mn-cs"/>
+                </a:defRPr>
+              </a:lvl2pPr>
+              <a:lvl3pPr marL="810044" indent="-162009" algn="l" defTabSz="648035" rtl="0" eaLnBrk="1" latinLnBrk="1" hangingPunct="1">
+                <a:lnSpc>
+                  <a:spcPct val="90000"/>
+                </a:lnSpc>
+                <a:spcBef>
+                  <a:spcPts val="354"/>
+                </a:spcBef>
+                <a:buFont typeface="Arial" panose="020B0604020202020204" pitchFamily="34" charset="0"/>
+                <a:buChar char="•"/>
+                <a:defRPr sz="1417" kern="1200">
+                  <a:solidFill>
+                    <a:schemeClr val="tx1"/>
+                  </a:solidFill>
+                  <a:latin typeface="+mn-lt"/>
+                  <a:ea typeface="+mn-ea"/>
+                  <a:cs typeface="+mn-cs"/>
+                </a:defRPr>
+              </a:lvl3pPr>
+              <a:lvl4pPr marL="1134062" indent="-162009" algn="l" defTabSz="648035" rtl="0" eaLnBrk="1" latinLnBrk="1" hangingPunct="1">
+                <a:lnSpc>
+                  <a:spcPct val="90000"/>
+                </a:lnSpc>
+                <a:spcBef>
+                  <a:spcPts val="354"/>
+                </a:spcBef>
+                <a:buFont typeface="Arial" panose="020B0604020202020204" pitchFamily="34" charset="0"/>
+                <a:buChar char="•"/>
+                <a:defRPr sz="1276" kern="1200">
+                  <a:solidFill>
+                    <a:schemeClr val="tx1"/>
+                  </a:solidFill>
+                  <a:latin typeface="+mn-lt"/>
+                  <a:ea typeface="+mn-ea"/>
+                  <a:cs typeface="+mn-cs"/>
+                </a:defRPr>
+              </a:lvl4pPr>
+              <a:lvl5pPr marL="1458079" indent="-162009" algn="l" defTabSz="648035" rtl="0" eaLnBrk="1" latinLnBrk="1" hangingPunct="1">
+                <a:lnSpc>
+                  <a:spcPct val="90000"/>
+                </a:lnSpc>
+                <a:spcBef>
+                  <a:spcPts val="354"/>
+                </a:spcBef>
+                <a:buFont typeface="Arial" panose="020B0604020202020204" pitchFamily="34" charset="0"/>
+                <a:buChar char="•"/>
+                <a:defRPr sz="1276" kern="1200">
+                  <a:solidFill>
+                    <a:schemeClr val="tx1"/>
+                  </a:solidFill>
+                  <a:latin typeface="+mn-lt"/>
+                  <a:ea typeface="+mn-ea"/>
+                  <a:cs typeface="+mn-cs"/>
+                </a:defRPr>
+              </a:lvl5pPr>
+              <a:lvl6pPr marL="1782097" indent="-162009" algn="l" defTabSz="648035" rtl="0" eaLnBrk="1" latinLnBrk="1" hangingPunct="1">
+                <a:lnSpc>
+                  <a:spcPct val="90000"/>
+                </a:lnSpc>
+                <a:spcBef>
+                  <a:spcPts val="354"/>
+                </a:spcBef>
+                <a:buFont typeface="Arial" panose="020B0604020202020204" pitchFamily="34" charset="0"/>
+                <a:buChar char="•"/>
+                <a:defRPr sz="1276" kern="1200">
+                  <a:solidFill>
+                    <a:schemeClr val="tx1"/>
+                  </a:solidFill>
+                  <a:latin typeface="+mn-lt"/>
+                  <a:ea typeface="+mn-ea"/>
+                  <a:cs typeface="+mn-cs"/>
+                </a:defRPr>
+              </a:lvl6pPr>
+              <a:lvl7pPr marL="2106115" indent="-162009" algn="l" defTabSz="648035" rtl="0" eaLnBrk="1" latinLnBrk="1" hangingPunct="1">
+                <a:lnSpc>
+                  <a:spcPct val="90000"/>
+                </a:lnSpc>
+                <a:spcBef>
+                  <a:spcPts val="354"/>
+                </a:spcBef>
+                <a:buFont typeface="Arial" panose="020B0604020202020204" pitchFamily="34" charset="0"/>
+                <a:buChar char="•"/>
+                <a:defRPr sz="1276" kern="1200">
+                  <a:solidFill>
+                    <a:schemeClr val="tx1"/>
+                  </a:solidFill>
+                  <a:latin typeface="+mn-lt"/>
+                  <a:ea typeface="+mn-ea"/>
+                  <a:cs typeface="+mn-cs"/>
+                </a:defRPr>
+              </a:lvl7pPr>
+              <a:lvl8pPr marL="2430132" indent="-162009" algn="l" defTabSz="648035" rtl="0" eaLnBrk="1" latinLnBrk="1" hangingPunct="1">
+                <a:lnSpc>
+                  <a:spcPct val="90000"/>
+                </a:lnSpc>
+                <a:spcBef>
+                  <a:spcPts val="354"/>
+                </a:spcBef>
+                <a:buFont typeface="Arial" panose="020B0604020202020204" pitchFamily="34" charset="0"/>
+                <a:buChar char="•"/>
+                <a:defRPr sz="1276" kern="1200">
+                  <a:solidFill>
+                    <a:schemeClr val="tx1"/>
+                  </a:solidFill>
+                  <a:latin typeface="+mn-lt"/>
+                  <a:ea typeface="+mn-ea"/>
+                  <a:cs typeface="+mn-cs"/>
+                </a:defRPr>
+              </a:lvl8pPr>
+              <a:lvl9pPr marL="2754150" indent="-162009" algn="l" defTabSz="648035" rtl="0" eaLnBrk="1" latinLnBrk="1" hangingPunct="1">
+                <a:lnSpc>
+                  <a:spcPct val="90000"/>
+                </a:lnSpc>
+                <a:spcBef>
+                  <a:spcPts val="354"/>
+                </a:spcBef>
+                <a:buFont typeface="Arial" panose="020B0604020202020204" pitchFamily="34" charset="0"/>
+                <a:buChar char="•"/>
+                <a:defRPr sz="1276" kern="1200">
+                  <a:solidFill>
+                    <a:schemeClr val="tx1"/>
+                  </a:solidFill>
+                  <a:latin typeface="+mn-lt"/>
+                  <a:ea typeface="+mn-ea"/>
+                  <a:cs typeface="+mn-cs"/>
+                </a:defRPr>
+              </a:lvl9pPr>
+            </a:lstStyle>
+            <a:p>
+              <a:pPr marL="0" indent="0">
+                <a:buNone/>
+              </a:pPr>
+              <a:r>
+                <a:rPr lang="en-US" altLang="ko-KR" sz="1200" b="1" dirty="0" smtClean="0">
+                  <a:latin typeface="Roboto" panose="02000000000000000000" pitchFamily="2" charset="0"/>
+                  <a:ea typeface="Roboto" panose="02000000000000000000" pitchFamily="2" charset="0"/>
+                  <a:cs typeface="Roboto" panose="02000000000000000000" pitchFamily="2" charset="0"/>
+                </a:rPr>
+                <a:t>Logout</a:t>
+              </a:r>
+            </a:p>
+          </p:txBody>
+        </p:sp>
+      </p:grpSp>
+      <p:pic>
+        <p:nvPicPr>
+          <p:cNvPr id="18" name="그림 17"/>
+          <p:cNvPicPr>
+            <a:picLocks noChangeAspect="1"/>
+          </p:cNvPicPr>
+          <p:nvPr/>
+        </p:nvPicPr>
+        <p:blipFill>
+          <a:blip r:embed="rId10"/>
+          <a:stretch>
+            <a:fillRect/>
+          </a:stretch>
+        </p:blipFill>
+        <p:spPr>
+          <a:xfrm>
+            <a:off x="3596515" y="4039774"/>
+            <a:ext cx="931498" cy="373825"/>
+          </a:xfrm>
+          <a:prstGeom prst="rect">
+            <a:avLst/>
+          </a:prstGeom>
+        </p:spPr>
+      </p:pic>
+      <p:pic>
+        <p:nvPicPr>
+          <p:cNvPr id="19" name="그림 18"/>
+          <p:cNvPicPr>
+            <a:picLocks noChangeAspect="1"/>
+          </p:cNvPicPr>
+          <p:nvPr/>
+        </p:nvPicPr>
+        <p:blipFill>
+          <a:blip r:embed="rId10"/>
+          <a:stretch>
+            <a:fillRect/>
+          </a:stretch>
+        </p:blipFill>
+        <p:spPr>
+          <a:xfrm>
+            <a:off x="1648665" y="3721994"/>
+            <a:ext cx="1692158" cy="679090"/>
+          </a:xfrm>
+          <a:prstGeom prst="rect">
+            <a:avLst/>
+          </a:prstGeom>
+        </p:spPr>
+      </p:pic>
     </p:spTree>
     <p:extLst>
       <p:ext uri="{BB962C8B-B14F-4D97-AF65-F5344CB8AC3E}">
-        <p14:creationId xmlns:p14="http://schemas.microsoft.com/office/powerpoint/2010/main" val="2945676088"/>
+        <p14:creationId xmlns:p14="http://schemas.microsoft.com/office/powerpoint/2010/main" val="2380748637"/>
       </p:ext>
     </p:extLst>
   </p:cSld>
@@ -6820,7 +9530,7 @@
     <a:masterClrMapping/>
   </p:clrMapOvr>
   <p:transition spd="slow">
-    <p:push/>
+    <p:wipe/>
   </p:transition>
   <p:timing>
     <p:tnLst>
@@ -7156,7 +9866,7 @@
     </p:spTree>
     <p:extLst>
       <p:ext uri="{BB962C8B-B14F-4D97-AF65-F5344CB8AC3E}">
-        <p14:creationId xmlns:p14="http://schemas.microsoft.com/office/powerpoint/2010/main" val="2145348897"/>
+        <p14:creationId xmlns:p14="http://schemas.microsoft.com/office/powerpoint/2010/main" val="3782423985"/>
       </p:ext>
     </p:extLst>
   </p:cSld>
@@ -7334,11 +10044,11 @@
           <a:p>
             <a:r>
               <a:rPr lang="en-US" altLang="ko-KR" b="0" dirty="0" smtClean="0"/>
-              <a:t>Use Case 5.</a:t>
+              <a:t>Use Case 6.</a:t>
             </a:r>
             <a:r>
               <a:rPr lang="en-US" altLang="ko-KR" dirty="0" smtClean="0"/>
-              <a:t> Time Table</a:t>
+              <a:t> Weekly Menu</a:t>
             </a:r>
             <a:endParaRPr lang="ko-KR" altLang="en-US" dirty="0"/>
           </a:p>
@@ -7361,97 +10071,8 @@
           <a:p>
             <a:r>
               <a:rPr lang="en-US" altLang="ko-KR" dirty="0" smtClean="0"/>
-              <a:t>Use Case 5. Time Table</a:t>
-            </a:r>
-          </a:p>
-          <a:p>
-            <a:r>
-              <a:rPr lang="en-US" altLang="ko-KR" dirty="0"/>
-              <a:t>Description(User Scenario)</a:t>
-            </a:r>
-            <a:r>
-              <a:rPr lang="ko-KR" altLang="en-US" dirty="0"/>
-              <a:t>를 설명해주세요</a:t>
-            </a:r>
-            <a:r>
-              <a:rPr lang="en-US" altLang="ko-KR" dirty="0"/>
-              <a:t>.</a:t>
-            </a:r>
-          </a:p>
-          <a:p>
-            <a:r>
-              <a:rPr lang="en-US" altLang="ko-KR" dirty="0"/>
-              <a:t>Functional Requirement </a:t>
-            </a:r>
-            <a:r>
-              <a:rPr lang="ko-KR" altLang="en-US" dirty="0"/>
-              <a:t>어떤 것들 나왔는지 설명해주세요</a:t>
-            </a:r>
-            <a:r>
-              <a:rPr lang="en-US" altLang="ko-KR" dirty="0"/>
-              <a:t>.</a:t>
-            </a:r>
-          </a:p>
-          <a:p>
-            <a:r>
-              <a:rPr lang="en-US" altLang="ko-KR" dirty="0"/>
-              <a:t>Non-Functional Requirement </a:t>
-            </a:r>
-            <a:r>
-              <a:rPr lang="ko-KR" altLang="en-US" dirty="0"/>
-              <a:t>어떤 것들 나왔는지 설명해주세요</a:t>
-            </a:r>
-            <a:r>
-              <a:rPr lang="en-US" altLang="ko-KR" dirty="0"/>
-              <a:t>.</a:t>
-            </a:r>
-          </a:p>
-          <a:p>
-            <a:r>
-              <a:rPr lang="ko-KR" altLang="en-US" dirty="0"/>
-              <a:t>가능하면 </a:t>
-            </a:r>
-            <a:r>
-              <a:rPr lang="en-US" altLang="ko-KR" dirty="0"/>
-              <a:t>PPT</a:t>
-            </a:r>
-            <a:r>
-              <a:rPr lang="ko-KR" altLang="en-US" dirty="0"/>
-              <a:t>에 글로 </a:t>
-            </a:r>
-            <a:r>
-              <a:rPr lang="ko-KR" altLang="en-US" dirty="0" err="1"/>
-              <a:t>때려박지</a:t>
-            </a:r>
-            <a:r>
-              <a:rPr lang="ko-KR" altLang="en-US" dirty="0"/>
-              <a:t> 말고 말로 설명해주세요</a:t>
-            </a:r>
-            <a:r>
-              <a:rPr lang="en-US" altLang="ko-KR" dirty="0"/>
-              <a:t>.</a:t>
-            </a:r>
-          </a:p>
-          <a:p>
-            <a:r>
-              <a:rPr lang="ko-KR" altLang="en-US" dirty="0"/>
-              <a:t>필요하다면 추가 슬라이드를 </a:t>
-            </a:r>
-            <a:r>
-              <a:rPr lang="ko-KR" altLang="en-US" dirty="0" err="1"/>
-              <a:t>삽입하셔도</a:t>
-            </a:r>
-            <a:r>
-              <a:rPr lang="ko-KR" altLang="en-US" dirty="0"/>
-              <a:t> 좋습니다</a:t>
-            </a:r>
-            <a:r>
-              <a:rPr lang="en-US" altLang="ko-KR" dirty="0"/>
-              <a:t>.</a:t>
-            </a:r>
-          </a:p>
-          <a:p>
-            <a:endParaRPr lang="ko-KR" altLang="en-US" dirty="0"/>
+              <a:t>Use Case Diagram</a:t>
+            </a:r>
           </a:p>
         </p:txBody>
       </p:sp>
@@ -7476,28 +10097,58 @@
             </a:fld>
             <a:r>
               <a:rPr lang="en-US" altLang="ko-KR" dirty="0" smtClean="0"/>
-              <a:t>. Kim </a:t>
+              <a:t>. </a:t>
             </a:r>
             <a:r>
               <a:rPr lang="en-US" altLang="ko-KR" dirty="0" err="1" smtClean="0"/>
-              <a:t>HyeongLak</a:t>
+              <a:t>Ahn</a:t>
             </a:r>
             <a:r>
               <a:rPr lang="en-US" altLang="ko-KR" dirty="0" smtClean="0"/>
-              <a:t>, Lee </a:t>
+              <a:t> </a:t>
             </a:r>
             <a:r>
               <a:rPr lang="en-US" altLang="ko-KR" dirty="0" err="1" smtClean="0"/>
-              <a:t>HakJin</a:t>
+              <a:t>YounGeun</a:t>
             </a:r>
             <a:endParaRPr lang="ko-KR" altLang="en-US" dirty="0"/>
           </a:p>
         </p:txBody>
       </p:sp>
+      <p:pic>
+        <p:nvPicPr>
+          <p:cNvPr id="5" name="그림 4"/>
+          <p:cNvPicPr>
+            <a:picLocks noChangeAspect="1"/>
+          </p:cNvPicPr>
+          <p:nvPr/>
+        </p:nvPicPr>
+        <p:blipFill>
+          <a:blip r:embed="rId3">
+            <a:extLst>
+              <a:ext uri="{28A0092B-C50C-407E-A947-70E740481C1C}">
+                <a14:useLocalDpi xmlns:a14="http://schemas.microsoft.com/office/drawing/2010/main" val="0"/>
+              </a:ext>
+            </a:extLst>
+          </a:blip>
+          <a:stretch>
+            <a:fillRect/>
+          </a:stretch>
+        </p:blipFill>
+        <p:spPr>
+          <a:xfrm>
+            <a:off x="3033646" y="1646417"/>
+            <a:ext cx="2573472" cy="2889412"/>
+          </a:xfrm>
+          <a:prstGeom prst="rect">
+            <a:avLst/>
+          </a:prstGeom>
+        </p:spPr>
+      </p:pic>
     </p:spTree>
     <p:extLst>
       <p:ext uri="{BB962C8B-B14F-4D97-AF65-F5344CB8AC3E}">
-        <p14:creationId xmlns:p14="http://schemas.microsoft.com/office/powerpoint/2010/main" val="3207664341"/>
+        <p14:creationId xmlns:p14="http://schemas.microsoft.com/office/powerpoint/2010/main" val="2315432990"/>
       </p:ext>
     </p:extLst>
   </p:cSld>
@@ -7578,97 +10229,17 @@
           <a:p>
             <a:r>
               <a:rPr lang="en-US" altLang="ko-KR" dirty="0" smtClean="0"/>
-              <a:t>Use Case 6. Weekly Menu</a:t>
-            </a:r>
-          </a:p>
-          <a:p>
+              <a:t>Description(User </a:t>
+            </a:r>
             <a:r>
               <a:rPr lang="en-US" altLang="ko-KR" dirty="0"/>
-              <a:t>Description(User Scenario)</a:t>
-            </a:r>
-            <a:r>
-              <a:rPr lang="ko-KR" altLang="en-US" dirty="0"/>
-              <a:t>를 설명해주세요</a:t>
-            </a:r>
-            <a:r>
-              <a:rPr lang="en-US" altLang="ko-KR" dirty="0"/>
-              <a:t>.</a:t>
-            </a:r>
-          </a:p>
-          <a:p>
-            <a:r>
-              <a:rPr lang="en-US" altLang="ko-KR" dirty="0"/>
-              <a:t>Functional Requirement </a:t>
-            </a:r>
-            <a:r>
-              <a:rPr lang="ko-KR" altLang="en-US" dirty="0"/>
-              <a:t>어떤 것들 나왔는지 설명해주세요</a:t>
-            </a:r>
-            <a:r>
-              <a:rPr lang="en-US" altLang="ko-KR" dirty="0"/>
-              <a:t>.</a:t>
-            </a:r>
-          </a:p>
-          <a:p>
-            <a:r>
-              <a:rPr lang="en-US" altLang="ko-KR" dirty="0"/>
-              <a:t>Non-Functional Requirement </a:t>
-            </a:r>
-            <a:r>
-              <a:rPr lang="ko-KR" altLang="en-US" dirty="0"/>
-              <a:t>어떤 것들 나왔는지 설명해주세요</a:t>
-            </a:r>
-            <a:r>
-              <a:rPr lang="en-US" altLang="ko-KR" dirty="0"/>
-              <a:t>.</a:t>
-            </a:r>
-          </a:p>
-          <a:p>
-            <a:r>
-              <a:rPr lang="ko-KR" altLang="en-US" dirty="0"/>
-              <a:t>가능하면 </a:t>
-            </a:r>
-            <a:r>
-              <a:rPr lang="en-US" altLang="ko-KR" dirty="0"/>
-              <a:t>PPT</a:t>
-            </a:r>
-            <a:r>
-              <a:rPr lang="ko-KR" altLang="en-US" dirty="0"/>
-              <a:t>에 글로 </a:t>
-            </a:r>
-            <a:r>
-              <a:rPr lang="ko-KR" altLang="en-US" dirty="0" err="1"/>
-              <a:t>때려박지</a:t>
-            </a:r>
-            <a:r>
-              <a:rPr lang="ko-KR" altLang="en-US" dirty="0"/>
-              <a:t> 말고 말로 설명해주세요</a:t>
-            </a:r>
-            <a:r>
-              <a:rPr lang="en-US" altLang="ko-KR" dirty="0"/>
-              <a:t>.</a:t>
-            </a:r>
-          </a:p>
-          <a:p>
-            <a:r>
-              <a:rPr lang="ko-KR" altLang="en-US" dirty="0"/>
-              <a:t>필요하다면 추가 슬라이드를 </a:t>
-            </a:r>
-            <a:r>
-              <a:rPr lang="ko-KR" altLang="en-US" dirty="0" err="1"/>
-              <a:t>삽입하셔도</a:t>
-            </a:r>
-            <a:r>
-              <a:rPr lang="ko-KR" altLang="en-US" dirty="0"/>
-              <a:t> 좋습니다</a:t>
-            </a:r>
-            <a:r>
-              <a:rPr lang="en-US" altLang="ko-KR" dirty="0"/>
-              <a:t>.</a:t>
-            </a:r>
-          </a:p>
-          <a:p>
-            <a:endParaRPr lang="ko-KR" altLang="en-US" dirty="0"/>
+              <a:t>Scenario</a:t>
+            </a:r>
+            <a:r>
+              <a:rPr lang="en-US" altLang="ko-KR" dirty="0" smtClean="0"/>
+              <a:t>)</a:t>
+            </a:r>
+            <a:endParaRPr lang="en-US" altLang="ko-KR" dirty="0"/>
           </a:p>
         </p:txBody>
       </p:sp>
@@ -7707,31 +10278,368 @@
               <a:rPr lang="en-US" altLang="ko-KR" dirty="0" err="1" smtClean="0"/>
               <a:t>YounGeun</a:t>
             </a:r>
-            <a:r>
-              <a:rPr lang="en-US" altLang="ko-KR" dirty="0" smtClean="0"/>
-              <a:t>, Kim </a:t>
-            </a:r>
-            <a:r>
-              <a:rPr lang="en-US" altLang="ko-KR" dirty="0" err="1" smtClean="0"/>
-              <a:t>JinHee</a:t>
-            </a:r>
             <a:endParaRPr lang="ko-KR" altLang="en-US" dirty="0"/>
           </a:p>
         </p:txBody>
       </p:sp>
+      <p:grpSp>
+        <p:nvGrpSpPr>
+          <p:cNvPr id="15" name="그룹 14"/>
+          <p:cNvGrpSpPr/>
+          <p:nvPr/>
+        </p:nvGrpSpPr>
+        <p:grpSpPr>
+          <a:xfrm>
+            <a:off x="2234053" y="1903663"/>
+            <a:ext cx="4172658" cy="2629311"/>
+            <a:chOff x="2332773" y="1903663"/>
+            <a:chExt cx="4172658" cy="2629311"/>
+          </a:xfrm>
+        </p:grpSpPr>
+        <p:pic>
+          <p:nvPicPr>
+            <p:cNvPr id="5" name="그림 4"/>
+            <p:cNvPicPr>
+              <a:picLocks noChangeAspect="1"/>
+            </p:cNvPicPr>
+            <p:nvPr/>
+          </p:nvPicPr>
+          <p:blipFill>
+            <a:blip r:embed="rId2"/>
+            <a:stretch>
+              <a:fillRect/>
+            </a:stretch>
+          </p:blipFill>
+          <p:spPr>
+            <a:xfrm>
+              <a:off x="2332773" y="2583661"/>
+              <a:ext cx="904607" cy="757345"/>
+            </a:xfrm>
+            <a:prstGeom prst="rect">
+              <a:avLst/>
+            </a:prstGeom>
+          </p:spPr>
+        </p:pic>
+        <p:grpSp>
+          <p:nvGrpSpPr>
+            <p:cNvPr id="8" name="그룹 7"/>
+            <p:cNvGrpSpPr/>
+            <p:nvPr/>
+          </p:nvGrpSpPr>
+          <p:grpSpPr>
+            <a:xfrm>
+              <a:off x="3366169" y="2520055"/>
+              <a:ext cx="1279769" cy="884556"/>
+              <a:chOff x="2124008" y="2567028"/>
+              <a:chExt cx="1279769" cy="884556"/>
+            </a:xfrm>
+          </p:grpSpPr>
+          <p:sp>
+            <p:nvSpPr>
+              <p:cNvPr id="6" name="내용 개체 틀 2"/>
+              <p:cNvSpPr txBox="1">
+                <a:spLocks/>
+              </p:cNvSpPr>
+              <p:nvPr/>
+            </p:nvSpPr>
+            <p:spPr>
+              <a:xfrm>
+                <a:off x="2124008" y="2567028"/>
+                <a:ext cx="1279769" cy="791410"/>
+              </a:xfrm>
+              <a:prstGeom prst="rect">
+                <a:avLst/>
+              </a:prstGeom>
+            </p:spPr>
+            <p:txBody>
+              <a:bodyPr vert="horz" lIns="91440" tIns="45720" rIns="91440" bIns="45720" rtlCol="0">
+                <a:normAutofit/>
+              </a:bodyPr>
+              <a:lstStyle>
+                <a:lvl1pPr marL="162009" indent="-162009" algn="l" defTabSz="648035" rtl="0" eaLnBrk="1" latinLnBrk="1" hangingPunct="1">
+                  <a:lnSpc>
+                    <a:spcPct val="90000"/>
+                  </a:lnSpc>
+                  <a:spcBef>
+                    <a:spcPts val="709"/>
+                  </a:spcBef>
+                  <a:buFont typeface="Arial" panose="020B0604020202020204" pitchFamily="34" charset="0"/>
+                  <a:buChar char="•"/>
+                  <a:defRPr sz="1984" kern="1200" baseline="0">
+                    <a:solidFill>
+                      <a:schemeClr val="tx1"/>
+                    </a:solidFill>
+                    <a:latin typeface="+mn-lt"/>
+                    <a:ea typeface="나눔고딕" panose="020D0604000000000000" pitchFamily="50" charset="-127"/>
+                    <a:cs typeface="Roboto Light" panose="02000000000000000000" pitchFamily="2" charset="0"/>
+                  </a:defRPr>
+                </a:lvl1pPr>
+                <a:lvl2pPr marL="486026" indent="-162009" algn="l" defTabSz="648035" rtl="0" eaLnBrk="1" latinLnBrk="1" hangingPunct="1">
+                  <a:lnSpc>
+                    <a:spcPct val="90000"/>
+                  </a:lnSpc>
+                  <a:spcBef>
+                    <a:spcPts val="354"/>
+                  </a:spcBef>
+                  <a:buFont typeface="Arial" panose="020B0604020202020204" pitchFamily="34" charset="0"/>
+                  <a:buChar char="•"/>
+                  <a:defRPr sz="1701" kern="1200">
+                    <a:solidFill>
+                      <a:schemeClr val="tx1"/>
+                    </a:solidFill>
+                    <a:latin typeface="+mn-lt"/>
+                    <a:ea typeface="+mn-ea"/>
+                    <a:cs typeface="+mn-cs"/>
+                  </a:defRPr>
+                </a:lvl2pPr>
+                <a:lvl3pPr marL="810044" indent="-162009" algn="l" defTabSz="648035" rtl="0" eaLnBrk="1" latinLnBrk="1" hangingPunct="1">
+                  <a:lnSpc>
+                    <a:spcPct val="90000"/>
+                  </a:lnSpc>
+                  <a:spcBef>
+                    <a:spcPts val="354"/>
+                  </a:spcBef>
+                  <a:buFont typeface="Arial" panose="020B0604020202020204" pitchFamily="34" charset="0"/>
+                  <a:buChar char="•"/>
+                  <a:defRPr sz="1417" kern="1200">
+                    <a:solidFill>
+                      <a:schemeClr val="tx1"/>
+                    </a:solidFill>
+                    <a:latin typeface="+mn-lt"/>
+                    <a:ea typeface="+mn-ea"/>
+                    <a:cs typeface="+mn-cs"/>
+                  </a:defRPr>
+                </a:lvl3pPr>
+                <a:lvl4pPr marL="1134062" indent="-162009" algn="l" defTabSz="648035" rtl="0" eaLnBrk="1" latinLnBrk="1" hangingPunct="1">
+                  <a:lnSpc>
+                    <a:spcPct val="90000"/>
+                  </a:lnSpc>
+                  <a:spcBef>
+                    <a:spcPts val="354"/>
+                  </a:spcBef>
+                  <a:buFont typeface="Arial" panose="020B0604020202020204" pitchFamily="34" charset="0"/>
+                  <a:buChar char="•"/>
+                  <a:defRPr sz="1276" kern="1200">
+                    <a:solidFill>
+                      <a:schemeClr val="tx1"/>
+                    </a:solidFill>
+                    <a:latin typeface="+mn-lt"/>
+                    <a:ea typeface="+mn-ea"/>
+                    <a:cs typeface="+mn-cs"/>
+                  </a:defRPr>
+                </a:lvl4pPr>
+                <a:lvl5pPr marL="1458079" indent="-162009" algn="l" defTabSz="648035" rtl="0" eaLnBrk="1" latinLnBrk="1" hangingPunct="1">
+                  <a:lnSpc>
+                    <a:spcPct val="90000"/>
+                  </a:lnSpc>
+                  <a:spcBef>
+                    <a:spcPts val="354"/>
+                  </a:spcBef>
+                  <a:buFont typeface="Arial" panose="020B0604020202020204" pitchFamily="34" charset="0"/>
+                  <a:buChar char="•"/>
+                  <a:defRPr sz="1276" kern="1200">
+                    <a:solidFill>
+                      <a:schemeClr val="tx1"/>
+                    </a:solidFill>
+                    <a:latin typeface="+mn-lt"/>
+                    <a:ea typeface="+mn-ea"/>
+                    <a:cs typeface="+mn-cs"/>
+                  </a:defRPr>
+                </a:lvl5pPr>
+                <a:lvl6pPr marL="1782097" indent="-162009" algn="l" defTabSz="648035" rtl="0" eaLnBrk="1" latinLnBrk="1" hangingPunct="1">
+                  <a:lnSpc>
+                    <a:spcPct val="90000"/>
+                  </a:lnSpc>
+                  <a:spcBef>
+                    <a:spcPts val="354"/>
+                  </a:spcBef>
+                  <a:buFont typeface="Arial" panose="020B0604020202020204" pitchFamily="34" charset="0"/>
+                  <a:buChar char="•"/>
+                  <a:defRPr sz="1276" kern="1200">
+                    <a:solidFill>
+                      <a:schemeClr val="tx1"/>
+                    </a:solidFill>
+                    <a:latin typeface="+mn-lt"/>
+                    <a:ea typeface="+mn-ea"/>
+                    <a:cs typeface="+mn-cs"/>
+                  </a:defRPr>
+                </a:lvl6pPr>
+                <a:lvl7pPr marL="2106115" indent="-162009" algn="l" defTabSz="648035" rtl="0" eaLnBrk="1" latinLnBrk="1" hangingPunct="1">
+                  <a:lnSpc>
+                    <a:spcPct val="90000"/>
+                  </a:lnSpc>
+                  <a:spcBef>
+                    <a:spcPts val="354"/>
+                  </a:spcBef>
+                  <a:buFont typeface="Arial" panose="020B0604020202020204" pitchFamily="34" charset="0"/>
+                  <a:buChar char="•"/>
+                  <a:defRPr sz="1276" kern="1200">
+                    <a:solidFill>
+                      <a:schemeClr val="tx1"/>
+                    </a:solidFill>
+                    <a:latin typeface="+mn-lt"/>
+                    <a:ea typeface="+mn-ea"/>
+                    <a:cs typeface="+mn-cs"/>
+                  </a:defRPr>
+                </a:lvl7pPr>
+                <a:lvl8pPr marL="2430132" indent="-162009" algn="l" defTabSz="648035" rtl="0" eaLnBrk="1" latinLnBrk="1" hangingPunct="1">
+                  <a:lnSpc>
+                    <a:spcPct val="90000"/>
+                  </a:lnSpc>
+                  <a:spcBef>
+                    <a:spcPts val="354"/>
+                  </a:spcBef>
+                  <a:buFont typeface="Arial" panose="020B0604020202020204" pitchFamily="34" charset="0"/>
+                  <a:buChar char="•"/>
+                  <a:defRPr sz="1276" kern="1200">
+                    <a:solidFill>
+                      <a:schemeClr val="tx1"/>
+                    </a:solidFill>
+                    <a:latin typeface="+mn-lt"/>
+                    <a:ea typeface="+mn-ea"/>
+                    <a:cs typeface="+mn-cs"/>
+                  </a:defRPr>
+                </a:lvl8pPr>
+                <a:lvl9pPr marL="2754150" indent="-162009" algn="l" defTabSz="648035" rtl="0" eaLnBrk="1" latinLnBrk="1" hangingPunct="1">
+                  <a:lnSpc>
+                    <a:spcPct val="90000"/>
+                  </a:lnSpc>
+                  <a:spcBef>
+                    <a:spcPts val="354"/>
+                  </a:spcBef>
+                  <a:buFont typeface="Arial" panose="020B0604020202020204" pitchFamily="34" charset="0"/>
+                  <a:buChar char="•"/>
+                  <a:defRPr sz="1276" kern="1200">
+                    <a:solidFill>
+                      <a:schemeClr val="tx1"/>
+                    </a:solidFill>
+                    <a:latin typeface="+mn-lt"/>
+                    <a:ea typeface="+mn-ea"/>
+                    <a:cs typeface="+mn-cs"/>
+                  </a:defRPr>
+                </a:lvl9pPr>
+              </a:lstStyle>
+              <a:p>
+                <a:pPr marL="0" indent="0" algn="ctr">
+                  <a:buNone/>
+                </a:pPr>
+                <a:r>
+                  <a:rPr lang="en-US" altLang="ko-KR" b="1" dirty="0" smtClean="0"/>
+                  <a:t>Button</a:t>
+                </a:r>
+                <a:endParaRPr lang="en-US" altLang="ko-KR" b="1" dirty="0" smtClean="0"/>
+              </a:p>
+              <a:p>
+                <a:pPr marL="0" indent="0" algn="ctr">
+                  <a:buNone/>
+                </a:pPr>
+                <a:r>
+                  <a:rPr lang="en-US" altLang="ko-KR" b="1" dirty="0" smtClean="0"/>
+                  <a:t>Pressed</a:t>
+                </a:r>
+                <a:endParaRPr lang="ko-KR" altLang="en-US" b="1" dirty="0"/>
+              </a:p>
+            </p:txBody>
+          </p:sp>
+          <p:sp>
+            <p:nvSpPr>
+              <p:cNvPr id="7" name="오른쪽 화살표 6"/>
+              <p:cNvSpPr/>
+              <p:nvPr/>
+            </p:nvSpPr>
+            <p:spPr>
+              <a:xfrm>
+                <a:off x="2160659" y="3265292"/>
+                <a:ext cx="1206469" cy="186292"/>
+              </a:xfrm>
+              <a:prstGeom prst="rightArrow">
+                <a:avLst>
+                  <a:gd name="adj1" fmla="val 50000"/>
+                  <a:gd name="adj2" fmla="val 68071"/>
+                </a:avLst>
+              </a:prstGeom>
+              <a:solidFill>
+                <a:schemeClr val="bg1">
+                  <a:lumMod val="75000"/>
+                </a:schemeClr>
+              </a:solidFill>
+              <a:ln>
+                <a:noFill/>
+              </a:ln>
+            </p:spPr>
+            <p:style>
+              <a:lnRef idx="2">
+                <a:schemeClr val="accent1">
+                  <a:shade val="50000"/>
+                </a:schemeClr>
+              </a:lnRef>
+              <a:fillRef idx="1">
+                <a:schemeClr val="accent1"/>
+              </a:fillRef>
+              <a:effectRef idx="0">
+                <a:schemeClr val="accent1"/>
+              </a:effectRef>
+              <a:fontRef idx="minor">
+                <a:schemeClr val="lt1"/>
+              </a:fontRef>
+            </p:style>
+            <p:txBody>
+              <a:bodyPr rtlCol="0" anchor="ctr"/>
+              <a:lstStyle/>
+              <a:p>
+                <a:pPr algn="ctr"/>
+                <a:endParaRPr lang="ko-KR" altLang="en-US"/>
+              </a:p>
+            </p:txBody>
+          </p:sp>
+        </p:grpSp>
+        <p:pic>
+          <p:nvPicPr>
+            <p:cNvPr id="10" name="그림 9"/>
+            <p:cNvPicPr>
+              <a:picLocks noChangeAspect="1"/>
+            </p:cNvPicPr>
+            <p:nvPr/>
+          </p:nvPicPr>
+          <p:blipFill>
+            <a:blip r:embed="rId3"/>
+            <a:stretch>
+              <a:fillRect/>
+            </a:stretch>
+          </p:blipFill>
+          <p:spPr>
+            <a:xfrm>
+              <a:off x="4811378" y="1903663"/>
+              <a:ext cx="1694053" cy="2629311"/>
+            </a:xfrm>
+            <a:prstGeom prst="rect">
+              <a:avLst/>
+            </a:prstGeom>
+          </p:spPr>
+        </p:pic>
+      </p:grpSp>
     </p:spTree>
     <p:extLst>
       <p:ext uri="{BB962C8B-B14F-4D97-AF65-F5344CB8AC3E}">
-        <p14:creationId xmlns:p14="http://schemas.microsoft.com/office/powerpoint/2010/main" val="1189037492"/>
+        <p14:creationId xmlns:p14="http://schemas.microsoft.com/office/powerpoint/2010/main" val="4046546124"/>
       </p:ext>
     </p:extLst>
   </p:cSld>
   <p:clrMapOvr>
     <a:masterClrMapping/>
   </p:clrMapOvr>
-  <p:transition spd="slow">
-    <p:push/>
-  </p:transition>
+  <mc:AlternateContent xmlns:mc="http://schemas.openxmlformats.org/markup-compatibility/2006">
+    <mc:Choice xmlns:p14="http://schemas.microsoft.com/office/powerpoint/2010/main" Requires="p14">
+      <p:transition spd="med" p14:dur="700">
+        <p:fade/>
+      </p:transition>
+    </mc:Choice>
+    <mc:Fallback>
+      <p:transition spd="med">
+        <p:fade/>
+      </p:transition>
+    </mc:Fallback>
+  </mc:AlternateContent>
   <p:timing>
     <p:tnLst>
       <p:par>
@@ -7759,6 +10667,307 @@
           <a:chExt cx="0" cy="0"/>
         </a:xfrm>
       </p:grpSpPr>
+      <p:grpSp>
+        <p:nvGrpSpPr>
+          <p:cNvPr id="22" name="그룹 21"/>
+          <p:cNvGrpSpPr/>
+          <p:nvPr/>
+        </p:nvGrpSpPr>
+        <p:grpSpPr>
+          <a:xfrm>
+            <a:off x="2935925" y="1854557"/>
+            <a:ext cx="2763607" cy="7833153"/>
+            <a:chOff x="2834481" y="1100137"/>
+            <a:chExt cx="2990850" cy="8477250"/>
+          </a:xfrm>
+        </p:grpSpPr>
+        <p:pic>
+          <p:nvPicPr>
+            <p:cNvPr id="20" name="그림 19"/>
+            <p:cNvPicPr>
+              <a:picLocks noChangeAspect="1"/>
+            </p:cNvPicPr>
+            <p:nvPr/>
+          </p:nvPicPr>
+          <p:blipFill>
+            <a:blip r:embed="rId3"/>
+            <a:stretch>
+              <a:fillRect/>
+            </a:stretch>
+          </p:blipFill>
+          <p:spPr>
+            <a:xfrm>
+              <a:off x="2834481" y="4043362"/>
+              <a:ext cx="2990850" cy="5534025"/>
+            </a:xfrm>
+            <a:prstGeom prst="rect">
+              <a:avLst/>
+            </a:prstGeom>
+          </p:spPr>
+        </p:pic>
+        <p:pic>
+          <p:nvPicPr>
+            <p:cNvPr id="21" name="그림 20"/>
+            <p:cNvPicPr>
+              <a:picLocks noChangeAspect="1"/>
+            </p:cNvPicPr>
+            <p:nvPr/>
+          </p:nvPicPr>
+          <p:blipFill>
+            <a:blip r:embed="rId4"/>
+            <a:stretch>
+              <a:fillRect/>
+            </a:stretch>
+          </p:blipFill>
+          <p:spPr>
+            <a:xfrm>
+              <a:off x="2834481" y="1100137"/>
+              <a:ext cx="2971800" cy="2943225"/>
+            </a:xfrm>
+            <a:prstGeom prst="rect">
+              <a:avLst/>
+            </a:prstGeom>
+          </p:spPr>
+        </p:pic>
+      </p:grpSp>
+      <p:sp>
+        <p:nvSpPr>
+          <p:cNvPr id="11" name="직사각형 10"/>
+          <p:cNvSpPr/>
+          <p:nvPr/>
+        </p:nvSpPr>
+        <p:spPr>
+          <a:xfrm>
+            <a:off x="-116390" y="4720175"/>
+            <a:ext cx="8873544" cy="590348"/>
+          </a:xfrm>
+          <a:prstGeom prst="rect">
+            <a:avLst/>
+          </a:prstGeom>
+          <a:solidFill>
+            <a:schemeClr val="accent1">
+              <a:lumMod val="60000"/>
+              <a:lumOff val="40000"/>
+            </a:schemeClr>
+          </a:solidFill>
+          <a:ln>
+            <a:noFill/>
+          </a:ln>
+        </p:spPr>
+        <p:style>
+          <a:lnRef idx="2">
+            <a:schemeClr val="accent1">
+              <a:shade val="50000"/>
+            </a:schemeClr>
+          </a:lnRef>
+          <a:fillRef idx="1">
+            <a:schemeClr val="accent1"/>
+          </a:fillRef>
+          <a:effectRef idx="0">
+            <a:schemeClr val="accent1"/>
+          </a:effectRef>
+          <a:fontRef idx="minor">
+            <a:schemeClr val="lt1"/>
+          </a:fontRef>
+        </p:style>
+        <p:txBody>
+          <a:bodyPr rtlCol="0" anchor="ctr"/>
+          <a:lstStyle/>
+          <a:p>
+            <a:pPr algn="ctr"/>
+            <a:endParaRPr lang="ko-KR" altLang="en-US"/>
+          </a:p>
+        </p:txBody>
+      </p:sp>
+      <p:sp>
+        <p:nvSpPr>
+          <p:cNvPr id="13" name="직사각형 12"/>
+          <p:cNvSpPr/>
+          <p:nvPr/>
+        </p:nvSpPr>
+        <p:spPr>
+          <a:xfrm>
+            <a:off x="-322452" y="4146997"/>
+            <a:ext cx="9285668" cy="575007"/>
+          </a:xfrm>
+          <a:prstGeom prst="rect">
+            <a:avLst/>
+          </a:prstGeom>
+          <a:solidFill>
+            <a:schemeClr val="bg1"/>
+          </a:solidFill>
+          <a:ln>
+            <a:noFill/>
+          </a:ln>
+        </p:spPr>
+        <p:style>
+          <a:lnRef idx="2">
+            <a:schemeClr val="accent1">
+              <a:shade val="50000"/>
+            </a:schemeClr>
+          </a:lnRef>
+          <a:fillRef idx="1">
+            <a:schemeClr val="accent1"/>
+          </a:fillRef>
+          <a:effectRef idx="0">
+            <a:schemeClr val="accent1"/>
+          </a:effectRef>
+          <a:fontRef idx="minor">
+            <a:schemeClr val="lt1"/>
+          </a:fontRef>
+        </p:style>
+        <p:txBody>
+          <a:bodyPr rtlCol="0" anchor="ctr"/>
+          <a:lstStyle/>
+          <a:p>
+            <a:pPr algn="ctr"/>
+            <a:endParaRPr lang="ko-KR" altLang="en-US"/>
+          </a:p>
+        </p:txBody>
+      </p:sp>
+      <p:pic>
+        <p:nvPicPr>
+          <p:cNvPr id="18" name="그림 17"/>
+          <p:cNvPicPr>
+            <a:picLocks noChangeAspect="1"/>
+          </p:cNvPicPr>
+          <p:nvPr/>
+        </p:nvPicPr>
+        <p:blipFill>
+          <a:blip r:embed="rId5"/>
+          <a:stretch>
+            <a:fillRect/>
+          </a:stretch>
+        </p:blipFill>
+        <p:spPr>
+          <a:xfrm>
+            <a:off x="6102539" y="1707434"/>
+            <a:ext cx="1733550" cy="2981325"/>
+          </a:xfrm>
+          <a:prstGeom prst="rect">
+            <a:avLst/>
+          </a:prstGeom>
+        </p:spPr>
+      </p:pic>
+      <p:pic>
+        <p:nvPicPr>
+          <p:cNvPr id="19" name="그림 18"/>
+          <p:cNvPicPr>
+            <a:picLocks noChangeAspect="1"/>
+          </p:cNvPicPr>
+          <p:nvPr/>
+        </p:nvPicPr>
+        <p:blipFill>
+          <a:blip r:embed="rId6"/>
+          <a:stretch>
+            <a:fillRect/>
+          </a:stretch>
+        </p:blipFill>
+        <p:spPr>
+          <a:xfrm>
+            <a:off x="888689" y="1754452"/>
+            <a:ext cx="1752600" cy="2571750"/>
+          </a:xfrm>
+          <a:prstGeom prst="rect">
+            <a:avLst/>
+          </a:prstGeom>
+        </p:spPr>
+      </p:pic>
+      <p:sp>
+        <p:nvSpPr>
+          <p:cNvPr id="10" name="직사각형 9"/>
+          <p:cNvSpPr/>
+          <p:nvPr/>
+        </p:nvSpPr>
+        <p:spPr>
+          <a:xfrm>
+            <a:off x="-322452" y="1222206"/>
+            <a:ext cx="9285668" cy="501605"/>
+          </a:xfrm>
+          <a:prstGeom prst="rect">
+            <a:avLst/>
+          </a:prstGeom>
+          <a:solidFill>
+            <a:schemeClr val="bg1"/>
+          </a:solidFill>
+          <a:ln>
+            <a:noFill/>
+          </a:ln>
+        </p:spPr>
+        <p:style>
+          <a:lnRef idx="2">
+            <a:schemeClr val="accent1">
+              <a:shade val="50000"/>
+            </a:schemeClr>
+          </a:lnRef>
+          <a:fillRef idx="1">
+            <a:schemeClr val="accent1"/>
+          </a:fillRef>
+          <a:effectRef idx="0">
+            <a:schemeClr val="accent1"/>
+          </a:effectRef>
+          <a:fontRef idx="minor">
+            <a:schemeClr val="lt1"/>
+          </a:fontRef>
+        </p:style>
+        <p:txBody>
+          <a:bodyPr rtlCol="0" anchor="ctr"/>
+          <a:lstStyle/>
+          <a:p>
+            <a:pPr algn="ctr"/>
+            <a:endParaRPr lang="ko-KR" altLang="en-US"/>
+          </a:p>
+        </p:txBody>
+      </p:sp>
+      <p:sp>
+        <p:nvSpPr>
+          <p:cNvPr id="12" name="직사각형 11"/>
+          <p:cNvSpPr/>
+          <p:nvPr/>
+        </p:nvSpPr>
+        <p:spPr>
+          <a:xfrm>
+            <a:off x="-322450" y="-112992"/>
+            <a:ext cx="9285668" cy="1381008"/>
+          </a:xfrm>
+          <a:prstGeom prst="rect">
+            <a:avLst/>
+          </a:prstGeom>
+          <a:solidFill>
+            <a:schemeClr val="accent1">
+              <a:lumMod val="20000"/>
+              <a:lumOff val="80000"/>
+            </a:schemeClr>
+          </a:solidFill>
+          <a:ln>
+            <a:noFill/>
+          </a:ln>
+        </p:spPr>
+        <p:style>
+          <a:lnRef idx="2">
+            <a:schemeClr val="accent1">
+              <a:shade val="50000"/>
+            </a:schemeClr>
+          </a:lnRef>
+          <a:fillRef idx="1">
+            <a:schemeClr val="accent1"/>
+          </a:fillRef>
+          <a:effectRef idx="0">
+            <a:schemeClr val="accent1"/>
+          </a:effectRef>
+          <a:fontRef idx="minor">
+            <a:schemeClr val="lt1"/>
+          </a:fontRef>
+        </p:style>
+        <p:txBody>
+          <a:bodyPr rtlCol="0" anchor="ctr"/>
+          <a:lstStyle/>
+          <a:p>
+            <a:pPr algn="ctr"/>
+            <a:endParaRPr lang="ko-KR" altLang="en-US"/>
+          </a:p>
+        </p:txBody>
+      </p:sp>
       <p:sp>
         <p:nvSpPr>
           <p:cNvPr id="2" name="제목 1"/>
@@ -7776,11 +10985,11 @@
           <a:p>
             <a:r>
               <a:rPr lang="en-US" altLang="ko-KR" b="0" dirty="0" smtClean="0"/>
-              <a:t>Use Case 7.</a:t>
+              <a:t>Use Case 6.</a:t>
             </a:r>
             <a:r>
               <a:rPr lang="en-US" altLang="ko-KR" dirty="0" smtClean="0"/>
-              <a:t> Manager Page</a:t>
+              <a:t> Weekly Menu</a:t>
             </a:r>
             <a:endParaRPr lang="ko-KR" altLang="en-US" dirty="0"/>
           </a:p>
@@ -7803,97 +11012,9 @@
           <a:p>
             <a:r>
               <a:rPr lang="en-US" altLang="ko-KR" dirty="0" smtClean="0"/>
-              <a:t>Use Case 7. Manager Page</a:t>
-            </a:r>
-          </a:p>
-          <a:p>
-            <a:r>
-              <a:rPr lang="en-US" altLang="ko-KR" dirty="0"/>
-              <a:t>Description(User Scenario)</a:t>
-            </a:r>
-            <a:r>
-              <a:rPr lang="ko-KR" altLang="en-US" dirty="0"/>
-              <a:t>를 설명해주세요</a:t>
-            </a:r>
-            <a:r>
-              <a:rPr lang="en-US" altLang="ko-KR" dirty="0"/>
-              <a:t>.</a:t>
-            </a:r>
-          </a:p>
-          <a:p>
-            <a:r>
-              <a:rPr lang="en-US" altLang="ko-KR" dirty="0"/>
-              <a:t>Functional Requirement </a:t>
-            </a:r>
-            <a:r>
-              <a:rPr lang="ko-KR" altLang="en-US" dirty="0"/>
-              <a:t>어떤 것들 나왔는지 설명해주세요</a:t>
-            </a:r>
-            <a:r>
-              <a:rPr lang="en-US" altLang="ko-KR" dirty="0"/>
-              <a:t>.</a:t>
-            </a:r>
-          </a:p>
-          <a:p>
-            <a:r>
-              <a:rPr lang="en-US" altLang="ko-KR" dirty="0"/>
-              <a:t>Non-Functional Requirement </a:t>
-            </a:r>
-            <a:r>
-              <a:rPr lang="ko-KR" altLang="en-US" dirty="0"/>
-              <a:t>어떤 것들 나왔는지 설명해주세요</a:t>
-            </a:r>
-            <a:r>
-              <a:rPr lang="en-US" altLang="ko-KR" dirty="0"/>
-              <a:t>.</a:t>
-            </a:r>
-          </a:p>
-          <a:p>
-            <a:r>
-              <a:rPr lang="ko-KR" altLang="en-US" dirty="0"/>
-              <a:t>가능하면 </a:t>
-            </a:r>
-            <a:r>
-              <a:rPr lang="en-US" altLang="ko-KR" dirty="0"/>
-              <a:t>PPT</a:t>
-            </a:r>
-            <a:r>
-              <a:rPr lang="ko-KR" altLang="en-US" dirty="0"/>
-              <a:t>에 글로 </a:t>
-            </a:r>
-            <a:r>
-              <a:rPr lang="ko-KR" altLang="en-US" dirty="0" err="1"/>
-              <a:t>때려박지</a:t>
-            </a:r>
-            <a:r>
-              <a:rPr lang="ko-KR" altLang="en-US" dirty="0"/>
-              <a:t> 말고 말로 설명해주세요</a:t>
-            </a:r>
-            <a:r>
-              <a:rPr lang="en-US" altLang="ko-KR" dirty="0"/>
-              <a:t>.</a:t>
-            </a:r>
-          </a:p>
-          <a:p>
-            <a:r>
-              <a:rPr lang="ko-KR" altLang="en-US" dirty="0"/>
-              <a:t>필요하다면 추가 슬라이드를 </a:t>
-            </a:r>
-            <a:r>
-              <a:rPr lang="ko-KR" altLang="en-US" dirty="0" err="1"/>
-              <a:t>삽입하셔도</a:t>
-            </a:r>
-            <a:r>
-              <a:rPr lang="ko-KR" altLang="en-US" dirty="0"/>
-              <a:t> 좋습니다</a:t>
-            </a:r>
-            <a:r>
-              <a:rPr lang="en-US" altLang="ko-KR" dirty="0"/>
-              <a:t>.</a:t>
-            </a:r>
-          </a:p>
-          <a:p>
-            <a:endParaRPr lang="ko-KR" altLang="en-US" dirty="0"/>
+              <a:t>Requirements</a:t>
+            </a:r>
+            <a:endParaRPr lang="en-US" altLang="ko-KR" dirty="0"/>
           </a:p>
         </p:txBody>
       </p:sp>
@@ -7918,20 +11039,158 @@
             </a:fld>
             <a:r>
               <a:rPr lang="en-US" altLang="ko-KR" dirty="0" smtClean="0"/>
-              <a:t>. Woo </a:t>
+              <a:t>. </a:t>
             </a:r>
             <a:r>
               <a:rPr lang="en-US" altLang="ko-KR" dirty="0" err="1" smtClean="0"/>
-              <a:t>SeungYeon</a:t>
+              <a:t>Ahn</a:t>
             </a:r>
             <a:r>
               <a:rPr lang="en-US" altLang="ko-KR" dirty="0" smtClean="0"/>
-              <a:t>, Song </a:t>
+              <a:t> </a:t>
             </a:r>
             <a:r>
               <a:rPr lang="en-US" altLang="ko-KR" dirty="0" err="1" smtClean="0"/>
-              <a:t>HyeongSeok</a:t>
-            </a:r>
+              <a:t>YounGeun</a:t>
+            </a:r>
+            <a:endParaRPr lang="ko-KR" altLang="en-US" dirty="0"/>
+          </a:p>
+        </p:txBody>
+      </p:sp>
+      <p:sp>
+        <p:nvSpPr>
+          <p:cNvPr id="14" name="직사각형 13"/>
+          <p:cNvSpPr/>
+          <p:nvPr/>
+        </p:nvSpPr>
+        <p:spPr>
+          <a:xfrm>
+            <a:off x="2935925" y="1860928"/>
+            <a:ext cx="2746004" cy="483028"/>
+          </a:xfrm>
+          <a:prstGeom prst="rect">
+            <a:avLst/>
+          </a:prstGeom>
+          <a:noFill/>
+          <a:ln w="38100">
+            <a:solidFill>
+              <a:srgbClr val="FF0000"/>
+            </a:solidFill>
+          </a:ln>
+        </p:spPr>
+        <p:style>
+          <a:lnRef idx="2">
+            <a:schemeClr val="accent1">
+              <a:shade val="50000"/>
+            </a:schemeClr>
+          </a:lnRef>
+          <a:fillRef idx="1">
+            <a:schemeClr val="accent1"/>
+          </a:fillRef>
+          <a:effectRef idx="0">
+            <a:schemeClr val="accent1"/>
+          </a:effectRef>
+          <a:fontRef idx="minor">
+            <a:schemeClr val="lt1"/>
+          </a:fontRef>
+        </p:style>
+        <p:txBody>
+          <a:bodyPr rtlCol="0" anchor="ctr"/>
+          <a:lstStyle/>
+          <a:p>
+            <a:pPr algn="ctr"/>
+            <a:endParaRPr lang="ko-KR" altLang="en-US" dirty="0"/>
+          </a:p>
+        </p:txBody>
+      </p:sp>
+      <p:sp>
+        <p:nvSpPr>
+          <p:cNvPr id="17" name="직사각형 16"/>
+          <p:cNvSpPr/>
+          <p:nvPr/>
+        </p:nvSpPr>
+        <p:spPr>
+          <a:xfrm>
+            <a:off x="2935925" y="2306093"/>
+            <a:ext cx="2739664" cy="483028"/>
+          </a:xfrm>
+          <a:prstGeom prst="rect">
+            <a:avLst/>
+          </a:prstGeom>
+          <a:noFill/>
+          <a:ln w="38100">
+            <a:solidFill>
+              <a:srgbClr val="FF0000"/>
+            </a:solidFill>
+          </a:ln>
+        </p:spPr>
+        <p:style>
+          <a:lnRef idx="2">
+            <a:schemeClr val="accent1">
+              <a:shade val="50000"/>
+            </a:schemeClr>
+          </a:lnRef>
+          <a:fillRef idx="1">
+            <a:schemeClr val="accent1"/>
+          </a:fillRef>
+          <a:effectRef idx="0">
+            <a:schemeClr val="accent1"/>
+          </a:effectRef>
+          <a:fontRef idx="minor">
+            <a:schemeClr val="lt1"/>
+          </a:fontRef>
+        </p:style>
+        <p:txBody>
+          <a:bodyPr rtlCol="0" anchor="ctr"/>
+          <a:lstStyle/>
+          <a:p>
+            <a:pPr algn="ctr"/>
+            <a:endParaRPr lang="ko-KR" altLang="en-US" dirty="0"/>
+          </a:p>
+        </p:txBody>
+      </p:sp>
+      <p:sp>
+        <p:nvSpPr>
+          <p:cNvPr id="23" name="직사각형 22"/>
+          <p:cNvSpPr/>
+          <p:nvPr/>
+        </p:nvSpPr>
+        <p:spPr>
+          <a:xfrm>
+            <a:off x="2933777" y="2394098"/>
+            <a:ext cx="2739664" cy="483028"/>
+          </a:xfrm>
+          <a:prstGeom prst="rect">
+            <a:avLst/>
+          </a:prstGeom>
+          <a:noFill/>
+          <a:ln w="38100">
+            <a:solidFill>
+              <a:srgbClr val="FF0000"/>
+            </a:solidFill>
+          </a:ln>
+        </p:spPr>
+        <p:style>
+          <a:lnRef idx="2">
+            <a:schemeClr val="accent1">
+              <a:shade val="50000"/>
+            </a:schemeClr>
+          </a:lnRef>
+          <a:fillRef idx="1">
+            <a:schemeClr val="accent1"/>
+          </a:fillRef>
+          <a:effectRef idx="0">
+            <a:schemeClr val="accent1"/>
+          </a:effectRef>
+          <a:fontRef idx="minor">
+            <a:schemeClr val="lt1"/>
+          </a:fontRef>
+        </p:style>
+        <p:txBody>
+          <a:bodyPr rtlCol="0" anchor="ctr"/>
+          <a:lstStyle/>
+          <a:p>
+            <a:pPr algn="ctr"/>
             <a:endParaRPr lang="ko-KR" altLang="en-US" dirty="0"/>
           </a:p>
         </p:txBody>
@@ -7939,22 +11198,544 @@
     </p:spTree>
     <p:extLst>
       <p:ext uri="{BB962C8B-B14F-4D97-AF65-F5344CB8AC3E}">
-        <p14:creationId xmlns:p14="http://schemas.microsoft.com/office/powerpoint/2010/main" val="2498005112"/>
+        <p14:creationId xmlns:p14="http://schemas.microsoft.com/office/powerpoint/2010/main" val="1792804267"/>
       </p:ext>
     </p:extLst>
   </p:cSld>
   <p:clrMapOvr>
     <a:masterClrMapping/>
   </p:clrMapOvr>
-  <p:transition spd="slow">
-    <p:push/>
-  </p:transition>
+  <mc:AlternateContent xmlns:mc="http://schemas.openxmlformats.org/markup-compatibility/2006">
+    <mc:Choice xmlns:p14="http://schemas.microsoft.com/office/powerpoint/2010/main" Requires="p14">
+      <p:transition spd="med" p14:dur="700">
+        <p:fade/>
+      </p:transition>
+    </mc:Choice>
+    <mc:Fallback>
+      <p:transition spd="med">
+        <p:fade/>
+      </p:transition>
+    </mc:Fallback>
+  </mc:AlternateContent>
   <p:timing>
     <p:tnLst>
       <p:par>
-        <p:cTn id="1" dur="indefinite" restart="never" nodeType="tmRoot"/>
+        <p:cTn id="1" dur="indefinite" restart="never" nodeType="tmRoot">
+          <p:childTnLst>
+            <p:seq concurrent="1" nextAc="seek">
+              <p:cTn id="2" dur="indefinite" nodeType="mainSeq">
+                <p:childTnLst>
+                  <p:par>
+                    <p:cTn id="3" fill="hold">
+                      <p:stCondLst>
+                        <p:cond delay="indefinite"/>
+                      </p:stCondLst>
+                      <p:childTnLst>
+                        <p:par>
+                          <p:cTn id="4" fill="hold">
+                            <p:stCondLst>
+                              <p:cond delay="0"/>
+                            </p:stCondLst>
+                            <p:childTnLst>
+                              <p:par>
+                                <p:cTn id="5" presetID="1" presetClass="entr" presetSubtype="0" fill="hold" grpId="0" nodeType="clickEffect">
+                                  <p:stCondLst>
+                                    <p:cond delay="0"/>
+                                  </p:stCondLst>
+                                  <p:childTnLst>
+                                    <p:set>
+                                      <p:cBhvr>
+                                        <p:cTn id="6" dur="1" fill="hold">
+                                          <p:stCondLst>
+                                            <p:cond delay="0"/>
+                                          </p:stCondLst>
+                                        </p:cTn>
+                                        <p:tgtEl>
+                                          <p:spTgt spid="14"/>
+                                        </p:tgtEl>
+                                        <p:attrNameLst>
+                                          <p:attrName>style.visibility</p:attrName>
+                                        </p:attrNameLst>
+                                      </p:cBhvr>
+                                      <p:to>
+                                        <p:strVal val="visible"/>
+                                      </p:to>
+                                    </p:set>
+                                  </p:childTnLst>
+                                </p:cTn>
+                              </p:par>
+                            </p:childTnLst>
+                          </p:cTn>
+                        </p:par>
+                      </p:childTnLst>
+                    </p:cTn>
+                  </p:par>
+                  <p:par>
+                    <p:cTn id="7" fill="hold">
+                      <p:stCondLst>
+                        <p:cond delay="indefinite"/>
+                      </p:stCondLst>
+                      <p:childTnLst>
+                        <p:par>
+                          <p:cTn id="8" fill="hold">
+                            <p:stCondLst>
+                              <p:cond delay="0"/>
+                            </p:stCondLst>
+                            <p:childTnLst>
+                              <p:par>
+                                <p:cTn id="9" presetID="10" presetClass="entr" presetSubtype="0" fill="hold" nodeType="clickEffect">
+                                  <p:stCondLst>
+                                    <p:cond delay="0"/>
+                                  </p:stCondLst>
+                                  <p:childTnLst>
+                                    <p:set>
+                                      <p:cBhvr>
+                                        <p:cTn id="10" dur="1" fill="hold">
+                                          <p:stCondLst>
+                                            <p:cond delay="0"/>
+                                          </p:stCondLst>
+                                        </p:cTn>
+                                        <p:tgtEl>
+                                          <p:spTgt spid="19"/>
+                                        </p:tgtEl>
+                                        <p:attrNameLst>
+                                          <p:attrName>style.visibility</p:attrName>
+                                        </p:attrNameLst>
+                                      </p:cBhvr>
+                                      <p:to>
+                                        <p:strVal val="visible"/>
+                                      </p:to>
+                                    </p:set>
+                                    <p:animEffect transition="in" filter="fade">
+                                      <p:cBhvr>
+                                        <p:cTn id="11" dur="500"/>
+                                        <p:tgtEl>
+                                          <p:spTgt spid="19"/>
+                                        </p:tgtEl>
+                                      </p:cBhvr>
+                                    </p:animEffect>
+                                  </p:childTnLst>
+                                </p:cTn>
+                              </p:par>
+                            </p:childTnLst>
+                          </p:cTn>
+                        </p:par>
+                      </p:childTnLst>
+                    </p:cTn>
+                  </p:par>
+                  <p:par>
+                    <p:cTn id="12" fill="hold">
+                      <p:stCondLst>
+                        <p:cond delay="indefinite"/>
+                      </p:stCondLst>
+                      <p:childTnLst>
+                        <p:par>
+                          <p:cTn id="13" fill="hold">
+                            <p:stCondLst>
+                              <p:cond delay="0"/>
+                            </p:stCondLst>
+                            <p:childTnLst>
+                              <p:par>
+                                <p:cTn id="14" presetID="1" presetClass="exit" presetSubtype="0" fill="hold" nodeType="clickEffect">
+                                  <p:stCondLst>
+                                    <p:cond delay="0"/>
+                                  </p:stCondLst>
+                                  <p:childTnLst>
+                                    <p:set>
+                                      <p:cBhvr>
+                                        <p:cTn id="15" dur="1" fill="hold">
+                                          <p:stCondLst>
+                                            <p:cond delay="0"/>
+                                          </p:stCondLst>
+                                        </p:cTn>
+                                        <p:tgtEl>
+                                          <p:spTgt spid="19"/>
+                                        </p:tgtEl>
+                                        <p:attrNameLst>
+                                          <p:attrName>style.visibility</p:attrName>
+                                        </p:attrNameLst>
+                                      </p:cBhvr>
+                                      <p:to>
+                                        <p:strVal val="hidden"/>
+                                      </p:to>
+                                    </p:set>
+                                  </p:childTnLst>
+                                </p:cTn>
+                              </p:par>
+                              <p:par>
+                                <p:cTn id="16" presetID="1" presetClass="exit" presetSubtype="0" fill="hold" grpId="1" nodeType="withEffect">
+                                  <p:stCondLst>
+                                    <p:cond delay="0"/>
+                                  </p:stCondLst>
+                                  <p:childTnLst>
+                                    <p:set>
+                                      <p:cBhvr>
+                                        <p:cTn id="17" dur="1" fill="hold">
+                                          <p:stCondLst>
+                                            <p:cond delay="0"/>
+                                          </p:stCondLst>
+                                        </p:cTn>
+                                        <p:tgtEl>
+                                          <p:spTgt spid="14"/>
+                                        </p:tgtEl>
+                                        <p:attrNameLst>
+                                          <p:attrName>style.visibility</p:attrName>
+                                        </p:attrNameLst>
+                                      </p:cBhvr>
+                                      <p:to>
+                                        <p:strVal val="hidden"/>
+                                      </p:to>
+                                    </p:set>
+                                  </p:childTnLst>
+                                </p:cTn>
+                              </p:par>
+                            </p:childTnLst>
+                          </p:cTn>
+                        </p:par>
+                        <p:par>
+                          <p:cTn id="18" fill="hold">
+                            <p:stCondLst>
+                              <p:cond delay="0"/>
+                            </p:stCondLst>
+                            <p:childTnLst>
+                              <p:par>
+                                <p:cTn id="19" presetID="1" presetClass="entr" presetSubtype="0" fill="hold" grpId="0" nodeType="afterEffect">
+                                  <p:stCondLst>
+                                    <p:cond delay="0"/>
+                                  </p:stCondLst>
+                                  <p:childTnLst>
+                                    <p:set>
+                                      <p:cBhvr>
+                                        <p:cTn id="20" dur="1" fill="hold">
+                                          <p:stCondLst>
+                                            <p:cond delay="0"/>
+                                          </p:stCondLst>
+                                        </p:cTn>
+                                        <p:tgtEl>
+                                          <p:spTgt spid="17"/>
+                                        </p:tgtEl>
+                                        <p:attrNameLst>
+                                          <p:attrName>style.visibility</p:attrName>
+                                        </p:attrNameLst>
+                                      </p:cBhvr>
+                                      <p:to>
+                                        <p:strVal val="visible"/>
+                                      </p:to>
+                                    </p:set>
+                                  </p:childTnLst>
+                                </p:cTn>
+                              </p:par>
+                            </p:childTnLst>
+                          </p:cTn>
+                        </p:par>
+                      </p:childTnLst>
+                    </p:cTn>
+                  </p:par>
+                  <p:par>
+                    <p:cTn id="21" fill="hold">
+                      <p:stCondLst>
+                        <p:cond delay="indefinite"/>
+                      </p:stCondLst>
+                      <p:childTnLst>
+                        <p:par>
+                          <p:cTn id="22" fill="hold">
+                            <p:stCondLst>
+                              <p:cond delay="0"/>
+                            </p:stCondLst>
+                            <p:childTnLst>
+                              <p:par>
+                                <p:cTn id="23" presetID="10" presetClass="entr" presetSubtype="0" fill="hold" nodeType="clickEffect">
+                                  <p:stCondLst>
+                                    <p:cond delay="0"/>
+                                  </p:stCondLst>
+                                  <p:childTnLst>
+                                    <p:set>
+                                      <p:cBhvr>
+                                        <p:cTn id="24" dur="1" fill="hold">
+                                          <p:stCondLst>
+                                            <p:cond delay="0"/>
+                                          </p:stCondLst>
+                                        </p:cTn>
+                                        <p:tgtEl>
+                                          <p:spTgt spid="18"/>
+                                        </p:tgtEl>
+                                        <p:attrNameLst>
+                                          <p:attrName>style.visibility</p:attrName>
+                                        </p:attrNameLst>
+                                      </p:cBhvr>
+                                      <p:to>
+                                        <p:strVal val="visible"/>
+                                      </p:to>
+                                    </p:set>
+                                    <p:animEffect transition="in" filter="fade">
+                                      <p:cBhvr>
+                                        <p:cTn id="25" dur="500"/>
+                                        <p:tgtEl>
+                                          <p:spTgt spid="18"/>
+                                        </p:tgtEl>
+                                      </p:cBhvr>
+                                    </p:animEffect>
+                                  </p:childTnLst>
+                                </p:cTn>
+                              </p:par>
+                            </p:childTnLst>
+                          </p:cTn>
+                        </p:par>
+                      </p:childTnLst>
+                    </p:cTn>
+                  </p:par>
+                  <p:par>
+                    <p:cTn id="26" fill="hold">
+                      <p:stCondLst>
+                        <p:cond delay="indefinite"/>
+                      </p:stCondLst>
+                      <p:childTnLst>
+                        <p:par>
+                          <p:cTn id="27" fill="hold">
+                            <p:stCondLst>
+                              <p:cond delay="0"/>
+                            </p:stCondLst>
+                            <p:childTnLst>
+                              <p:par>
+                                <p:cTn id="28" presetID="1" presetClass="exit" presetSubtype="0" fill="hold" grpId="1" nodeType="clickEffect">
+                                  <p:stCondLst>
+                                    <p:cond delay="0"/>
+                                  </p:stCondLst>
+                                  <p:childTnLst>
+                                    <p:set>
+                                      <p:cBhvr>
+                                        <p:cTn id="29" dur="1" fill="hold">
+                                          <p:stCondLst>
+                                            <p:cond delay="0"/>
+                                          </p:stCondLst>
+                                        </p:cTn>
+                                        <p:tgtEl>
+                                          <p:spTgt spid="17"/>
+                                        </p:tgtEl>
+                                        <p:attrNameLst>
+                                          <p:attrName>style.visibility</p:attrName>
+                                        </p:attrNameLst>
+                                      </p:cBhvr>
+                                      <p:to>
+                                        <p:strVal val="hidden"/>
+                                      </p:to>
+                                    </p:set>
+                                  </p:childTnLst>
+                                </p:cTn>
+                              </p:par>
+                              <p:par>
+                                <p:cTn id="30" presetID="1" presetClass="exit" presetSubtype="0" fill="hold" nodeType="withEffect">
+                                  <p:stCondLst>
+                                    <p:cond delay="0"/>
+                                  </p:stCondLst>
+                                  <p:childTnLst>
+                                    <p:set>
+                                      <p:cBhvr>
+                                        <p:cTn id="31" dur="1" fill="hold">
+                                          <p:stCondLst>
+                                            <p:cond delay="0"/>
+                                          </p:stCondLst>
+                                        </p:cTn>
+                                        <p:tgtEl>
+                                          <p:spTgt spid="18"/>
+                                        </p:tgtEl>
+                                        <p:attrNameLst>
+                                          <p:attrName>style.visibility</p:attrName>
+                                        </p:attrNameLst>
+                                      </p:cBhvr>
+                                      <p:to>
+                                        <p:strVal val="hidden"/>
+                                      </p:to>
+                                    </p:set>
+                                  </p:childTnLst>
+                                </p:cTn>
+                              </p:par>
+                            </p:childTnLst>
+                          </p:cTn>
+                        </p:par>
+                        <p:par>
+                          <p:cTn id="32" fill="hold">
+                            <p:stCondLst>
+                              <p:cond delay="0"/>
+                            </p:stCondLst>
+                            <p:childTnLst>
+                              <p:par>
+                                <p:cTn id="33" presetID="64" presetClass="path" presetSubtype="0" accel="50000" decel="50000" fill="hold" nodeType="afterEffect">
+                                  <p:stCondLst>
+                                    <p:cond delay="0"/>
+                                  </p:stCondLst>
+                                  <p:childTnLst>
+                                    <p:animMotion origin="layout" path="M -6.9447E-7 -3.58025E-6 L -0.00165 -0.51729 " pathEditMode="relative" rAng="0" ptsTypes="AA">
+                                      <p:cBhvr>
+                                        <p:cTn id="34" dur="1000" fill="hold"/>
+                                        <p:tgtEl>
+                                          <p:spTgt spid="22"/>
+                                        </p:tgtEl>
+                                        <p:attrNameLst>
+                                          <p:attrName>ppt_x</p:attrName>
+                                          <p:attrName>ppt_y</p:attrName>
+                                        </p:attrNameLst>
+                                      </p:cBhvr>
+                                      <p:rCtr x="-18" y="-26358"/>
+                                    </p:animMotion>
+                                  </p:childTnLst>
+                                </p:cTn>
+                              </p:par>
+                              <p:par>
+                                <p:cTn id="35" presetID="6" presetClass="emph" presetSubtype="0" fill="hold" nodeType="withEffect">
+                                  <p:stCondLst>
+                                    <p:cond delay="0"/>
+                                  </p:stCondLst>
+                                  <p:childTnLst>
+                                    <p:animScale>
+                                      <p:cBhvr>
+                                        <p:cTn id="36" dur="1000" fill="hold"/>
+                                        <p:tgtEl>
+                                          <p:spTgt spid="22"/>
+                                        </p:tgtEl>
+                                      </p:cBhvr>
+                                      <p:by x="50000" y="50000"/>
+                                    </p:animScale>
+                                  </p:childTnLst>
+                                </p:cTn>
+                              </p:par>
+                            </p:childTnLst>
+                          </p:cTn>
+                        </p:par>
+                      </p:childTnLst>
+                    </p:cTn>
+                  </p:par>
+                  <p:par>
+                    <p:cTn id="37" fill="hold">
+                      <p:stCondLst>
+                        <p:cond delay="indefinite"/>
+                      </p:stCondLst>
+                      <p:childTnLst>
+                        <p:par>
+                          <p:cTn id="38" fill="hold">
+                            <p:stCondLst>
+                              <p:cond delay="0"/>
+                            </p:stCondLst>
+                            <p:childTnLst>
+                              <p:par>
+                                <p:cTn id="39" presetID="6" presetClass="emph" presetSubtype="0" fill="hold" nodeType="clickEffect">
+                                  <p:stCondLst>
+                                    <p:cond delay="0"/>
+                                  </p:stCondLst>
+                                  <p:childTnLst>
+                                    <p:animScale>
+                                      <p:cBhvr>
+                                        <p:cTn id="40" dur="1000" fill="hold"/>
+                                        <p:tgtEl>
+                                          <p:spTgt spid="22"/>
+                                        </p:tgtEl>
+                                      </p:cBhvr>
+                                      <p:by x="200000" y="200000"/>
+                                    </p:animScale>
+                                  </p:childTnLst>
+                                </p:cTn>
+                              </p:par>
+                              <p:par>
+                                <p:cTn id="41" presetID="64" presetClass="path" presetSubtype="0" accel="50000" decel="50000" fill="hold" nodeType="withEffect">
+                                  <p:stCondLst>
+                                    <p:cond delay="0"/>
+                                  </p:stCondLst>
+                                  <p:childTnLst>
+                                    <p:animMotion origin="layout" path="M -0.00165 -0.51728 L -6.9447E-7 -1.14382 " pathEditMode="relative" rAng="0" ptsTypes="AA">
+                                      <p:cBhvr>
+                                        <p:cTn id="42" dur="1000" fill="hold"/>
+                                        <p:tgtEl>
+                                          <p:spTgt spid="22"/>
+                                        </p:tgtEl>
+                                        <p:attrNameLst>
+                                          <p:attrName>ppt_x</p:attrName>
+                                          <p:attrName>ppt_y</p:attrName>
+                                        </p:attrNameLst>
+                                      </p:cBhvr>
+                                      <p:rCtr x="73" y="-31327"/>
+                                    </p:animMotion>
+                                  </p:childTnLst>
+                                </p:cTn>
+                              </p:par>
+                            </p:childTnLst>
+                          </p:cTn>
+                        </p:par>
+                      </p:childTnLst>
+                    </p:cTn>
+                  </p:par>
+                  <p:par>
+                    <p:cTn id="43" fill="hold">
+                      <p:stCondLst>
+                        <p:cond delay="indefinite"/>
+                      </p:stCondLst>
+                      <p:childTnLst>
+                        <p:par>
+                          <p:cTn id="44" fill="hold">
+                            <p:stCondLst>
+                              <p:cond delay="0"/>
+                            </p:stCondLst>
+                            <p:childTnLst>
+                              <p:par>
+                                <p:cTn id="45" presetID="1" presetClass="entr" presetSubtype="0" fill="hold" grpId="0" nodeType="clickEffect">
+                                  <p:stCondLst>
+                                    <p:cond delay="0"/>
+                                  </p:stCondLst>
+                                  <p:childTnLst>
+                                    <p:set>
+                                      <p:cBhvr>
+                                        <p:cTn id="46" dur="1" fill="hold">
+                                          <p:stCondLst>
+                                            <p:cond delay="0"/>
+                                          </p:stCondLst>
+                                        </p:cTn>
+                                        <p:tgtEl>
+                                          <p:spTgt spid="23"/>
+                                        </p:tgtEl>
+                                        <p:attrNameLst>
+                                          <p:attrName>style.visibility</p:attrName>
+                                        </p:attrNameLst>
+                                      </p:cBhvr>
+                                      <p:to>
+                                        <p:strVal val="visible"/>
+                                      </p:to>
+                                    </p:set>
+                                  </p:childTnLst>
+                                </p:cTn>
+                              </p:par>
+                            </p:childTnLst>
+                          </p:cTn>
+                        </p:par>
+                      </p:childTnLst>
+                    </p:cTn>
+                  </p:par>
+                </p:childTnLst>
+              </p:cTn>
+              <p:prevCondLst>
+                <p:cond evt="onPrev" delay="0">
+                  <p:tgtEl>
+                    <p:sldTgt/>
+                  </p:tgtEl>
+                </p:cond>
+              </p:prevCondLst>
+              <p:nextCondLst>
+                <p:cond evt="onNext" delay="0">
+                  <p:tgtEl>
+                    <p:sldTgt/>
+                  </p:tgtEl>
+                </p:cond>
+              </p:nextCondLst>
+            </p:seq>
+          </p:childTnLst>
+        </p:cTn>
       </p:par>
     </p:tnLst>
+    <p:bldLst>
+      <p:bldP spid="14" grpId="0" animBg="1"/>
+      <p:bldP spid="14" grpId="1" animBg="1"/>
+      <p:bldP spid="17" grpId="0" animBg="1"/>
+      <p:bldP spid="17" grpId="1" animBg="1"/>
+      <p:bldP spid="23" grpId="0" animBg="1"/>
+    </p:bldLst>
   </p:timing>
 </p:sld>
 </file>
@@ -7993,11 +11774,11 @@
           <a:p>
             <a:r>
               <a:rPr lang="en-US" altLang="ko-KR" b="0" dirty="0" smtClean="0"/>
-              <a:t>Use Case 8.</a:t>
+              <a:t>Use Case 6.</a:t>
             </a:r>
             <a:r>
               <a:rPr lang="en-US" altLang="ko-KR" dirty="0" smtClean="0"/>
-              <a:t> Page Switch</a:t>
+              <a:t> Weekly Menu</a:t>
             </a:r>
             <a:endParaRPr lang="ko-KR" altLang="en-US" dirty="0"/>
           </a:p>
@@ -8020,97 +11801,17 @@
           <a:p>
             <a:r>
               <a:rPr lang="en-US" altLang="ko-KR" dirty="0" smtClean="0"/>
-              <a:t>Use Case 8. Page Switch</a:t>
-            </a:r>
-          </a:p>
-          <a:p>
+              <a:t>Description(User </a:t>
+            </a:r>
             <a:r>
               <a:rPr lang="en-US" altLang="ko-KR" dirty="0"/>
-              <a:t>Description(User Scenario)</a:t>
-            </a:r>
-            <a:r>
-              <a:rPr lang="ko-KR" altLang="en-US" dirty="0"/>
-              <a:t>를 설명해주세요</a:t>
-            </a:r>
-            <a:r>
-              <a:rPr lang="en-US" altLang="ko-KR" dirty="0"/>
-              <a:t>.</a:t>
-            </a:r>
-          </a:p>
-          <a:p>
-            <a:r>
-              <a:rPr lang="en-US" altLang="ko-KR" dirty="0"/>
-              <a:t>Functional Requirement </a:t>
-            </a:r>
-            <a:r>
-              <a:rPr lang="ko-KR" altLang="en-US" dirty="0"/>
-              <a:t>어떤 것들 나왔는지 설명해주세요</a:t>
-            </a:r>
-            <a:r>
-              <a:rPr lang="en-US" altLang="ko-KR" dirty="0"/>
-              <a:t>.</a:t>
-            </a:r>
-          </a:p>
-          <a:p>
-            <a:r>
-              <a:rPr lang="en-US" altLang="ko-KR" dirty="0"/>
-              <a:t>Non-Functional Requirement </a:t>
-            </a:r>
-            <a:r>
-              <a:rPr lang="ko-KR" altLang="en-US" dirty="0"/>
-              <a:t>어떤 것들 나왔는지 설명해주세요</a:t>
-            </a:r>
-            <a:r>
-              <a:rPr lang="en-US" altLang="ko-KR" dirty="0"/>
-              <a:t>.</a:t>
-            </a:r>
-          </a:p>
-          <a:p>
-            <a:r>
-              <a:rPr lang="ko-KR" altLang="en-US" dirty="0"/>
-              <a:t>가능하면 </a:t>
-            </a:r>
-            <a:r>
-              <a:rPr lang="en-US" altLang="ko-KR" dirty="0"/>
-              <a:t>PPT</a:t>
-            </a:r>
-            <a:r>
-              <a:rPr lang="ko-KR" altLang="en-US" dirty="0"/>
-              <a:t>에 글로 </a:t>
-            </a:r>
-            <a:r>
-              <a:rPr lang="ko-KR" altLang="en-US" dirty="0" err="1"/>
-              <a:t>때려박지</a:t>
-            </a:r>
-            <a:r>
-              <a:rPr lang="ko-KR" altLang="en-US" dirty="0"/>
-              <a:t> 말고 말로 설명해주세요</a:t>
-            </a:r>
-            <a:r>
-              <a:rPr lang="en-US" altLang="ko-KR" dirty="0"/>
-              <a:t>.</a:t>
-            </a:r>
-          </a:p>
-          <a:p>
-            <a:r>
-              <a:rPr lang="ko-KR" altLang="en-US" dirty="0"/>
-              <a:t>필요하다면 추가 슬라이드를 </a:t>
-            </a:r>
-            <a:r>
-              <a:rPr lang="ko-KR" altLang="en-US" dirty="0" err="1"/>
-              <a:t>삽입하셔도</a:t>
-            </a:r>
-            <a:r>
-              <a:rPr lang="ko-KR" altLang="en-US" dirty="0"/>
-              <a:t> 좋습니다</a:t>
-            </a:r>
-            <a:r>
-              <a:rPr lang="en-US" altLang="ko-KR" dirty="0"/>
-              <a:t>.</a:t>
-            </a:r>
-          </a:p>
-          <a:p>
-            <a:endParaRPr lang="ko-KR" altLang="en-US" dirty="0"/>
+              <a:t>Scenario</a:t>
+            </a:r>
+            <a:r>
+              <a:rPr lang="en-US" altLang="ko-KR" dirty="0" smtClean="0"/>
+              <a:t>)</a:t>
+            </a:r>
+            <a:endParaRPr lang="en-US" altLang="ko-KR" dirty="0"/>
           </a:p>
         </p:txBody>
       </p:sp>
@@ -8135,29 +11836,633 @@
             </a:fld>
             <a:r>
               <a:rPr lang="en-US" altLang="ko-KR" dirty="0" smtClean="0"/>
-              <a:t>. Sung </a:t>
+              <a:t>. </a:t>
             </a:r>
             <a:r>
               <a:rPr lang="en-US" altLang="ko-KR" dirty="0" err="1" smtClean="0"/>
-              <a:t>DaHae</a:t>
+              <a:t>Ahn</a:t>
+            </a:r>
+            <a:r>
+              <a:rPr lang="en-US" altLang="ko-KR" dirty="0" smtClean="0"/>
+              <a:t> </a:t>
+            </a:r>
+            <a:r>
+              <a:rPr lang="en-US" altLang="ko-KR" dirty="0" err="1" smtClean="0"/>
+              <a:t>YounGeun</a:t>
             </a:r>
             <a:endParaRPr lang="ko-KR" altLang="en-US" dirty="0"/>
+          </a:p>
+        </p:txBody>
+      </p:sp>
+      <p:grpSp>
+        <p:nvGrpSpPr>
+          <p:cNvPr id="18" name="그룹 17"/>
+          <p:cNvGrpSpPr/>
+          <p:nvPr/>
+        </p:nvGrpSpPr>
+        <p:grpSpPr>
+          <a:xfrm>
+            <a:off x="1519694" y="1749513"/>
+            <a:ext cx="2124076" cy="2710228"/>
+            <a:chOff x="1081812" y="1929819"/>
+            <a:chExt cx="2124076" cy="2710228"/>
+          </a:xfrm>
+        </p:grpSpPr>
+        <p:pic>
+          <p:nvPicPr>
+            <p:cNvPr id="9" name="그림 8"/>
+            <p:cNvPicPr>
+              <a:picLocks noChangeAspect="1"/>
+            </p:cNvPicPr>
+            <p:nvPr/>
+          </p:nvPicPr>
+          <p:blipFill>
+            <a:blip r:embed="rId2"/>
+            <a:stretch>
+              <a:fillRect/>
+            </a:stretch>
+          </p:blipFill>
+          <p:spPr>
+            <a:xfrm>
+              <a:off x="1081813" y="1929819"/>
+              <a:ext cx="2124075" cy="742950"/>
+            </a:xfrm>
+            <a:prstGeom prst="rect">
+              <a:avLst/>
+            </a:prstGeom>
+          </p:spPr>
+        </p:pic>
+        <p:pic>
+          <p:nvPicPr>
+            <p:cNvPr id="13" name="그림 12"/>
+            <p:cNvPicPr>
+              <a:picLocks noChangeAspect="1"/>
+            </p:cNvPicPr>
+            <p:nvPr/>
+          </p:nvPicPr>
+          <p:blipFill>
+            <a:blip r:embed="rId3"/>
+            <a:stretch>
+              <a:fillRect/>
+            </a:stretch>
+          </p:blipFill>
+          <p:spPr>
+            <a:xfrm>
+              <a:off x="1081813" y="2961109"/>
+              <a:ext cx="2124075" cy="419100"/>
+            </a:xfrm>
+            <a:prstGeom prst="rect">
+              <a:avLst/>
+            </a:prstGeom>
+          </p:spPr>
+        </p:pic>
+        <p:pic>
+          <p:nvPicPr>
+            <p:cNvPr id="14" name="그림 13"/>
+            <p:cNvPicPr>
+              <a:picLocks noChangeAspect="1"/>
+            </p:cNvPicPr>
+            <p:nvPr/>
+          </p:nvPicPr>
+          <p:blipFill>
+            <a:blip r:embed="rId4"/>
+            <a:stretch>
+              <a:fillRect/>
+            </a:stretch>
+          </p:blipFill>
+          <p:spPr>
+            <a:xfrm>
+              <a:off x="1091338" y="3364513"/>
+              <a:ext cx="2114550" cy="400050"/>
+            </a:xfrm>
+            <a:prstGeom prst="rect">
+              <a:avLst/>
+            </a:prstGeom>
+          </p:spPr>
+        </p:pic>
+        <p:pic>
+          <p:nvPicPr>
+            <p:cNvPr id="16" name="그림 15"/>
+            <p:cNvPicPr>
+              <a:picLocks noChangeAspect="1"/>
+            </p:cNvPicPr>
+            <p:nvPr/>
+          </p:nvPicPr>
+          <p:blipFill>
+            <a:blip r:embed="rId5"/>
+            <a:stretch>
+              <a:fillRect/>
+            </a:stretch>
+          </p:blipFill>
+          <p:spPr>
+            <a:xfrm>
+              <a:off x="1100863" y="3747664"/>
+              <a:ext cx="2105025" cy="361950"/>
+            </a:xfrm>
+            <a:prstGeom prst="rect">
+              <a:avLst/>
+            </a:prstGeom>
+          </p:spPr>
+        </p:pic>
+        <p:pic>
+          <p:nvPicPr>
+            <p:cNvPr id="12" name="그림 11"/>
+            <p:cNvPicPr>
+              <a:picLocks noChangeAspect="1"/>
+            </p:cNvPicPr>
+            <p:nvPr/>
+          </p:nvPicPr>
+          <p:blipFill>
+            <a:blip r:embed="rId6"/>
+            <a:stretch>
+              <a:fillRect/>
+            </a:stretch>
+          </p:blipFill>
+          <p:spPr>
+            <a:xfrm>
+              <a:off x="1081812" y="2631306"/>
+              <a:ext cx="2124075" cy="390525"/>
+            </a:xfrm>
+            <a:prstGeom prst="rect">
+              <a:avLst/>
+            </a:prstGeom>
+          </p:spPr>
+        </p:pic>
+        <p:pic>
+          <p:nvPicPr>
+            <p:cNvPr id="17" name="그림 16"/>
+            <p:cNvPicPr>
+              <a:picLocks noChangeAspect="1"/>
+            </p:cNvPicPr>
+            <p:nvPr/>
+          </p:nvPicPr>
+          <p:blipFill>
+            <a:blip r:embed="rId7"/>
+            <a:stretch>
+              <a:fillRect/>
+            </a:stretch>
+          </p:blipFill>
+          <p:spPr>
+            <a:xfrm>
+              <a:off x="1100863" y="4087597"/>
+              <a:ext cx="2105025" cy="552450"/>
+            </a:xfrm>
+            <a:prstGeom prst="rect">
+              <a:avLst/>
+            </a:prstGeom>
+          </p:spPr>
+        </p:pic>
+      </p:grpSp>
+      <p:grpSp>
+        <p:nvGrpSpPr>
+          <p:cNvPr id="19" name="그룹 18"/>
+          <p:cNvGrpSpPr/>
+          <p:nvPr/>
+        </p:nvGrpSpPr>
+        <p:grpSpPr>
+          <a:xfrm>
+            <a:off x="5239542" y="1749513"/>
+            <a:ext cx="2124076" cy="2710228"/>
+            <a:chOff x="1081812" y="1929819"/>
+            <a:chExt cx="2124076" cy="2710228"/>
+          </a:xfrm>
+        </p:grpSpPr>
+        <p:pic>
+          <p:nvPicPr>
+            <p:cNvPr id="20" name="그림 19"/>
+            <p:cNvPicPr>
+              <a:picLocks noChangeAspect="1"/>
+            </p:cNvPicPr>
+            <p:nvPr/>
+          </p:nvPicPr>
+          <p:blipFill>
+            <a:blip r:embed="rId2"/>
+            <a:stretch>
+              <a:fillRect/>
+            </a:stretch>
+          </p:blipFill>
+          <p:spPr>
+            <a:xfrm>
+              <a:off x="1081813" y="1929819"/>
+              <a:ext cx="2124075" cy="742950"/>
+            </a:xfrm>
+            <a:prstGeom prst="rect">
+              <a:avLst/>
+            </a:prstGeom>
+          </p:spPr>
+        </p:pic>
+        <p:pic>
+          <p:nvPicPr>
+            <p:cNvPr id="21" name="그림 20"/>
+            <p:cNvPicPr>
+              <a:picLocks noChangeAspect="1"/>
+            </p:cNvPicPr>
+            <p:nvPr/>
+          </p:nvPicPr>
+          <p:blipFill>
+            <a:blip r:embed="rId3"/>
+            <a:stretch>
+              <a:fillRect/>
+            </a:stretch>
+          </p:blipFill>
+          <p:spPr>
+            <a:xfrm>
+              <a:off x="1081813" y="2961109"/>
+              <a:ext cx="2124075" cy="419100"/>
+            </a:xfrm>
+            <a:prstGeom prst="rect">
+              <a:avLst/>
+            </a:prstGeom>
+          </p:spPr>
+        </p:pic>
+        <p:pic>
+          <p:nvPicPr>
+            <p:cNvPr id="22" name="그림 21"/>
+            <p:cNvPicPr>
+              <a:picLocks noChangeAspect="1"/>
+            </p:cNvPicPr>
+            <p:nvPr/>
+          </p:nvPicPr>
+          <p:blipFill>
+            <a:blip r:embed="rId4"/>
+            <a:stretch>
+              <a:fillRect/>
+            </a:stretch>
+          </p:blipFill>
+          <p:spPr>
+            <a:xfrm>
+              <a:off x="1091338" y="2617540"/>
+              <a:ext cx="2114550" cy="400050"/>
+            </a:xfrm>
+            <a:prstGeom prst="rect">
+              <a:avLst/>
+            </a:prstGeom>
+          </p:spPr>
+        </p:pic>
+        <p:pic>
+          <p:nvPicPr>
+            <p:cNvPr id="23" name="그림 22"/>
+            <p:cNvPicPr>
+              <a:picLocks noChangeAspect="1"/>
+            </p:cNvPicPr>
+            <p:nvPr/>
+          </p:nvPicPr>
+          <p:blipFill>
+            <a:blip r:embed="rId5"/>
+            <a:stretch>
+              <a:fillRect/>
+            </a:stretch>
+          </p:blipFill>
+          <p:spPr>
+            <a:xfrm>
+              <a:off x="1100863" y="3747664"/>
+              <a:ext cx="2105025" cy="361950"/>
+            </a:xfrm>
+            <a:prstGeom prst="rect">
+              <a:avLst/>
+            </a:prstGeom>
+          </p:spPr>
+        </p:pic>
+        <p:pic>
+          <p:nvPicPr>
+            <p:cNvPr id="24" name="그림 23"/>
+            <p:cNvPicPr>
+              <a:picLocks noChangeAspect="1"/>
+            </p:cNvPicPr>
+            <p:nvPr/>
+          </p:nvPicPr>
+          <p:blipFill>
+            <a:blip r:embed="rId6"/>
+            <a:stretch>
+              <a:fillRect/>
+            </a:stretch>
+          </p:blipFill>
+          <p:spPr>
+            <a:xfrm>
+              <a:off x="1081812" y="3352523"/>
+              <a:ext cx="2124075" cy="390525"/>
+            </a:xfrm>
+            <a:prstGeom prst="rect">
+              <a:avLst/>
+            </a:prstGeom>
+          </p:spPr>
+        </p:pic>
+        <p:pic>
+          <p:nvPicPr>
+            <p:cNvPr id="25" name="그림 24"/>
+            <p:cNvPicPr>
+              <a:picLocks noChangeAspect="1"/>
+            </p:cNvPicPr>
+            <p:nvPr/>
+          </p:nvPicPr>
+          <p:blipFill>
+            <a:blip r:embed="rId7"/>
+            <a:stretch>
+              <a:fillRect/>
+            </a:stretch>
+          </p:blipFill>
+          <p:spPr>
+            <a:xfrm>
+              <a:off x="1100863" y="4087597"/>
+              <a:ext cx="2105025" cy="552450"/>
+            </a:xfrm>
+            <a:prstGeom prst="rect">
+              <a:avLst/>
+            </a:prstGeom>
+          </p:spPr>
+        </p:pic>
+      </p:grpSp>
+      <p:cxnSp>
+        <p:nvCxnSpPr>
+          <p:cNvPr id="27" name="직선 화살표 연결선 26"/>
+          <p:cNvCxnSpPr>
+            <a:stCxn id="12" idx="3"/>
+            <a:endCxn id="24" idx="1"/>
+          </p:cNvCxnSpPr>
+          <p:nvPr/>
+        </p:nvCxnSpPr>
+        <p:spPr>
+          <a:xfrm>
+            <a:off x="3643769" y="2646263"/>
+            <a:ext cx="1595773" cy="721217"/>
+          </a:xfrm>
+          <a:prstGeom prst="straightConnector1">
+            <a:avLst/>
+          </a:prstGeom>
+          <a:ln>
+            <a:tailEnd type="triangle"/>
+          </a:ln>
+        </p:spPr>
+        <p:style>
+          <a:lnRef idx="1">
+            <a:schemeClr val="dk1"/>
+          </a:lnRef>
+          <a:fillRef idx="0">
+            <a:schemeClr val="dk1"/>
+          </a:fillRef>
+          <a:effectRef idx="0">
+            <a:schemeClr val="dk1"/>
+          </a:effectRef>
+          <a:fontRef idx="minor">
+            <a:schemeClr val="tx1"/>
+          </a:fontRef>
+        </p:style>
+      </p:cxnSp>
+      <p:cxnSp>
+        <p:nvCxnSpPr>
+          <p:cNvPr id="29" name="직선 화살표 연결선 28"/>
+          <p:cNvCxnSpPr>
+            <a:stCxn id="14" idx="3"/>
+            <a:endCxn id="22" idx="1"/>
+          </p:cNvCxnSpPr>
+          <p:nvPr/>
+        </p:nvCxnSpPr>
+        <p:spPr>
+          <a:xfrm flipV="1">
+            <a:off x="3643770" y="2637259"/>
+            <a:ext cx="1605298" cy="746973"/>
+          </a:xfrm>
+          <a:prstGeom prst="straightConnector1">
+            <a:avLst/>
+          </a:prstGeom>
+          <a:ln>
+            <a:tailEnd type="triangle"/>
+          </a:ln>
+        </p:spPr>
+        <p:style>
+          <a:lnRef idx="1">
+            <a:schemeClr val="dk1"/>
+          </a:lnRef>
+          <a:fillRef idx="0">
+            <a:schemeClr val="dk1"/>
+          </a:fillRef>
+          <a:effectRef idx="0">
+            <a:schemeClr val="dk1"/>
+          </a:effectRef>
+          <a:fontRef idx="minor">
+            <a:schemeClr val="tx1"/>
+          </a:fontRef>
+        </p:style>
+      </p:cxnSp>
+      <p:sp>
+        <p:nvSpPr>
+          <p:cNvPr id="30" name="내용 개체 틀 2"/>
+          <p:cNvSpPr txBox="1">
+            <a:spLocks/>
+          </p:cNvSpPr>
+          <p:nvPr/>
+        </p:nvSpPr>
+        <p:spPr>
+          <a:xfrm>
+            <a:off x="3811297" y="3384232"/>
+            <a:ext cx="1279769" cy="427914"/>
+          </a:xfrm>
+          <a:prstGeom prst="rect">
+            <a:avLst/>
+          </a:prstGeom>
+        </p:spPr>
+        <p:txBody>
+          <a:bodyPr vert="horz" lIns="91440" tIns="45720" rIns="91440" bIns="45720" rtlCol="0">
+            <a:normAutofit/>
+          </a:bodyPr>
+          <a:lstStyle>
+            <a:lvl1pPr marL="162009" indent="-162009" algn="l" defTabSz="648035" rtl="0" eaLnBrk="1" latinLnBrk="1" hangingPunct="1">
+              <a:lnSpc>
+                <a:spcPct val="90000"/>
+              </a:lnSpc>
+              <a:spcBef>
+                <a:spcPts val="709"/>
+              </a:spcBef>
+              <a:buFont typeface="Arial" panose="020B0604020202020204" pitchFamily="34" charset="0"/>
+              <a:buChar char="•"/>
+              <a:defRPr sz="1984" kern="1200" baseline="0">
+                <a:solidFill>
+                  <a:schemeClr val="tx1"/>
+                </a:solidFill>
+                <a:latin typeface="+mn-lt"/>
+                <a:ea typeface="나눔고딕" panose="020D0604000000000000" pitchFamily="50" charset="-127"/>
+                <a:cs typeface="Roboto Light" panose="02000000000000000000" pitchFamily="2" charset="0"/>
+              </a:defRPr>
+            </a:lvl1pPr>
+            <a:lvl2pPr marL="486026" indent="-162009" algn="l" defTabSz="648035" rtl="0" eaLnBrk="1" latinLnBrk="1" hangingPunct="1">
+              <a:lnSpc>
+                <a:spcPct val="90000"/>
+              </a:lnSpc>
+              <a:spcBef>
+                <a:spcPts val="354"/>
+              </a:spcBef>
+              <a:buFont typeface="Arial" panose="020B0604020202020204" pitchFamily="34" charset="0"/>
+              <a:buChar char="•"/>
+              <a:defRPr sz="1701" kern="1200">
+                <a:solidFill>
+                  <a:schemeClr val="tx1"/>
+                </a:solidFill>
+                <a:latin typeface="+mn-lt"/>
+                <a:ea typeface="+mn-ea"/>
+                <a:cs typeface="+mn-cs"/>
+              </a:defRPr>
+            </a:lvl2pPr>
+            <a:lvl3pPr marL="810044" indent="-162009" algn="l" defTabSz="648035" rtl="0" eaLnBrk="1" latinLnBrk="1" hangingPunct="1">
+              <a:lnSpc>
+                <a:spcPct val="90000"/>
+              </a:lnSpc>
+              <a:spcBef>
+                <a:spcPts val="354"/>
+              </a:spcBef>
+              <a:buFont typeface="Arial" panose="020B0604020202020204" pitchFamily="34" charset="0"/>
+              <a:buChar char="•"/>
+              <a:defRPr sz="1417" kern="1200">
+                <a:solidFill>
+                  <a:schemeClr val="tx1"/>
+                </a:solidFill>
+                <a:latin typeface="+mn-lt"/>
+                <a:ea typeface="+mn-ea"/>
+                <a:cs typeface="+mn-cs"/>
+              </a:defRPr>
+            </a:lvl3pPr>
+            <a:lvl4pPr marL="1134062" indent="-162009" algn="l" defTabSz="648035" rtl="0" eaLnBrk="1" latinLnBrk="1" hangingPunct="1">
+              <a:lnSpc>
+                <a:spcPct val="90000"/>
+              </a:lnSpc>
+              <a:spcBef>
+                <a:spcPts val="354"/>
+              </a:spcBef>
+              <a:buFont typeface="Arial" panose="020B0604020202020204" pitchFamily="34" charset="0"/>
+              <a:buChar char="•"/>
+              <a:defRPr sz="1276" kern="1200">
+                <a:solidFill>
+                  <a:schemeClr val="tx1"/>
+                </a:solidFill>
+                <a:latin typeface="+mn-lt"/>
+                <a:ea typeface="+mn-ea"/>
+                <a:cs typeface="+mn-cs"/>
+              </a:defRPr>
+            </a:lvl4pPr>
+            <a:lvl5pPr marL="1458079" indent="-162009" algn="l" defTabSz="648035" rtl="0" eaLnBrk="1" latinLnBrk="1" hangingPunct="1">
+              <a:lnSpc>
+                <a:spcPct val="90000"/>
+              </a:lnSpc>
+              <a:spcBef>
+                <a:spcPts val="354"/>
+              </a:spcBef>
+              <a:buFont typeface="Arial" panose="020B0604020202020204" pitchFamily="34" charset="0"/>
+              <a:buChar char="•"/>
+              <a:defRPr sz="1276" kern="1200">
+                <a:solidFill>
+                  <a:schemeClr val="tx1"/>
+                </a:solidFill>
+                <a:latin typeface="+mn-lt"/>
+                <a:ea typeface="+mn-ea"/>
+                <a:cs typeface="+mn-cs"/>
+              </a:defRPr>
+            </a:lvl5pPr>
+            <a:lvl6pPr marL="1782097" indent="-162009" algn="l" defTabSz="648035" rtl="0" eaLnBrk="1" latinLnBrk="1" hangingPunct="1">
+              <a:lnSpc>
+                <a:spcPct val="90000"/>
+              </a:lnSpc>
+              <a:spcBef>
+                <a:spcPts val="354"/>
+              </a:spcBef>
+              <a:buFont typeface="Arial" panose="020B0604020202020204" pitchFamily="34" charset="0"/>
+              <a:buChar char="•"/>
+              <a:defRPr sz="1276" kern="1200">
+                <a:solidFill>
+                  <a:schemeClr val="tx1"/>
+                </a:solidFill>
+                <a:latin typeface="+mn-lt"/>
+                <a:ea typeface="+mn-ea"/>
+                <a:cs typeface="+mn-cs"/>
+              </a:defRPr>
+            </a:lvl6pPr>
+            <a:lvl7pPr marL="2106115" indent="-162009" algn="l" defTabSz="648035" rtl="0" eaLnBrk="1" latinLnBrk="1" hangingPunct="1">
+              <a:lnSpc>
+                <a:spcPct val="90000"/>
+              </a:lnSpc>
+              <a:spcBef>
+                <a:spcPts val="354"/>
+              </a:spcBef>
+              <a:buFont typeface="Arial" panose="020B0604020202020204" pitchFamily="34" charset="0"/>
+              <a:buChar char="•"/>
+              <a:defRPr sz="1276" kern="1200">
+                <a:solidFill>
+                  <a:schemeClr val="tx1"/>
+                </a:solidFill>
+                <a:latin typeface="+mn-lt"/>
+                <a:ea typeface="+mn-ea"/>
+                <a:cs typeface="+mn-cs"/>
+              </a:defRPr>
+            </a:lvl7pPr>
+            <a:lvl8pPr marL="2430132" indent="-162009" algn="l" defTabSz="648035" rtl="0" eaLnBrk="1" latinLnBrk="1" hangingPunct="1">
+              <a:lnSpc>
+                <a:spcPct val="90000"/>
+              </a:lnSpc>
+              <a:spcBef>
+                <a:spcPts val="354"/>
+              </a:spcBef>
+              <a:buFont typeface="Arial" panose="020B0604020202020204" pitchFamily="34" charset="0"/>
+              <a:buChar char="•"/>
+              <a:defRPr sz="1276" kern="1200">
+                <a:solidFill>
+                  <a:schemeClr val="tx1"/>
+                </a:solidFill>
+                <a:latin typeface="+mn-lt"/>
+                <a:ea typeface="+mn-ea"/>
+                <a:cs typeface="+mn-cs"/>
+              </a:defRPr>
+            </a:lvl8pPr>
+            <a:lvl9pPr marL="2754150" indent="-162009" algn="l" defTabSz="648035" rtl="0" eaLnBrk="1" latinLnBrk="1" hangingPunct="1">
+              <a:lnSpc>
+                <a:spcPct val="90000"/>
+              </a:lnSpc>
+              <a:spcBef>
+                <a:spcPts val="354"/>
+              </a:spcBef>
+              <a:buFont typeface="Arial" panose="020B0604020202020204" pitchFamily="34" charset="0"/>
+              <a:buChar char="•"/>
+              <a:defRPr sz="1276" kern="1200">
+                <a:solidFill>
+                  <a:schemeClr val="tx1"/>
+                </a:solidFill>
+                <a:latin typeface="+mn-lt"/>
+                <a:ea typeface="+mn-ea"/>
+                <a:cs typeface="+mn-cs"/>
+              </a:defRPr>
+            </a:lvl9pPr>
+          </a:lstStyle>
+          <a:p>
+            <a:pPr marL="0" indent="0" algn="ctr">
+              <a:buNone/>
+            </a:pPr>
+            <a:r>
+              <a:rPr lang="en-US" altLang="ko-KR" b="1" dirty="0" smtClean="0"/>
+              <a:t>Dragging</a:t>
+            </a:r>
+            <a:endParaRPr lang="ko-KR" altLang="en-US" b="1" dirty="0"/>
           </a:p>
         </p:txBody>
       </p:sp>
     </p:spTree>
     <p:extLst>
       <p:ext uri="{BB962C8B-B14F-4D97-AF65-F5344CB8AC3E}">
-        <p14:creationId xmlns:p14="http://schemas.microsoft.com/office/powerpoint/2010/main" val="2365328193"/>
+        <p14:creationId xmlns:p14="http://schemas.microsoft.com/office/powerpoint/2010/main" val="3722850738"/>
       </p:ext>
     </p:extLst>
   </p:cSld>
   <p:clrMapOvr>
     <a:masterClrMapping/>
   </p:clrMapOvr>
-  <p:transition spd="slow">
-    <p:push/>
-  </p:transition>
+  <mc:AlternateContent xmlns:mc="http://schemas.openxmlformats.org/markup-compatibility/2006">
+    <mc:Choice xmlns:p14="http://schemas.microsoft.com/office/powerpoint/2010/main" Requires="p14">
+      <p:transition spd="med" p14:dur="700">
+        <p:fade/>
+      </p:transition>
+    </mc:Choice>
+    <mc:Fallback>
+      <p:transition spd="med">
+        <p:fade/>
+      </p:transition>
+    </mc:Fallback>
+  </mc:AlternateContent>
   <p:timing>
     <p:tnLst>
       <p:par>
@@ -8543,7 +12848,12 @@
             <p:ph idx="1"/>
           </p:nvPr>
         </p:nvSpPr>
-        <p:spPr/>
+        <p:spPr>
+          <a:xfrm>
+            <a:off x="594053" y="1369220"/>
+            <a:ext cx="7452658" cy="382308"/>
+          </a:xfrm>
+        </p:spPr>
         <p:txBody>
           <a:bodyPr/>
           <a:lstStyle/>
@@ -8552,7 +12862,6 @@
               <a:rPr lang="en-US" altLang="ko-KR" dirty="0" smtClean="0"/>
               <a:t>Which diagrams are selected?</a:t>
             </a:r>
-            <a:endParaRPr lang="ko-KR" altLang="en-US" dirty="0"/>
           </a:p>
         </p:txBody>
       </p:sp>
@@ -8579,6 +12888,461 @@
           </a:p>
         </p:txBody>
       </p:sp>
+      <p:sp>
+        <p:nvSpPr>
+          <p:cNvPr id="5" name="내용 개체 틀 2"/>
+          <p:cNvSpPr txBox="1">
+            <a:spLocks/>
+          </p:cNvSpPr>
+          <p:nvPr/>
+        </p:nvSpPr>
+        <p:spPr>
+          <a:xfrm>
+            <a:off x="1502012" y="3723920"/>
+            <a:ext cx="2252178" cy="439708"/>
+          </a:xfrm>
+          <a:prstGeom prst="rect">
+            <a:avLst/>
+          </a:prstGeom>
+        </p:spPr>
+        <p:txBody>
+          <a:bodyPr vert="horz" lIns="91440" tIns="45720" rIns="91440" bIns="45720" rtlCol="0">
+            <a:normAutofit/>
+          </a:bodyPr>
+          <a:lstStyle>
+            <a:lvl1pPr marL="162009" indent="-162009" algn="l" defTabSz="648035" rtl="0" eaLnBrk="1" latinLnBrk="1" hangingPunct="1">
+              <a:lnSpc>
+                <a:spcPct val="90000"/>
+              </a:lnSpc>
+              <a:spcBef>
+                <a:spcPts val="709"/>
+              </a:spcBef>
+              <a:buFont typeface="Arial" panose="020B0604020202020204" pitchFamily="34" charset="0"/>
+              <a:buChar char="•"/>
+              <a:defRPr sz="1984" kern="1200" baseline="0">
+                <a:solidFill>
+                  <a:schemeClr val="tx1"/>
+                </a:solidFill>
+                <a:latin typeface="+mn-lt"/>
+                <a:ea typeface="나눔고딕" panose="020D0604000000000000" pitchFamily="50" charset="-127"/>
+                <a:cs typeface="Roboto Light" panose="02000000000000000000" pitchFamily="2" charset="0"/>
+              </a:defRPr>
+            </a:lvl1pPr>
+            <a:lvl2pPr marL="486026" indent="-162009" algn="l" defTabSz="648035" rtl="0" eaLnBrk="1" latinLnBrk="1" hangingPunct="1">
+              <a:lnSpc>
+                <a:spcPct val="90000"/>
+              </a:lnSpc>
+              <a:spcBef>
+                <a:spcPts val="354"/>
+              </a:spcBef>
+              <a:buFont typeface="Arial" panose="020B0604020202020204" pitchFamily="34" charset="0"/>
+              <a:buChar char="•"/>
+              <a:defRPr sz="1701" kern="1200">
+                <a:solidFill>
+                  <a:schemeClr val="tx1"/>
+                </a:solidFill>
+                <a:latin typeface="+mn-lt"/>
+                <a:ea typeface="+mn-ea"/>
+                <a:cs typeface="+mn-cs"/>
+              </a:defRPr>
+            </a:lvl2pPr>
+            <a:lvl3pPr marL="810044" indent="-162009" algn="l" defTabSz="648035" rtl="0" eaLnBrk="1" latinLnBrk="1" hangingPunct="1">
+              <a:lnSpc>
+                <a:spcPct val="90000"/>
+              </a:lnSpc>
+              <a:spcBef>
+                <a:spcPts val="354"/>
+              </a:spcBef>
+              <a:buFont typeface="Arial" panose="020B0604020202020204" pitchFamily="34" charset="0"/>
+              <a:buChar char="•"/>
+              <a:defRPr sz="1417" kern="1200">
+                <a:solidFill>
+                  <a:schemeClr val="tx1"/>
+                </a:solidFill>
+                <a:latin typeface="+mn-lt"/>
+                <a:ea typeface="+mn-ea"/>
+                <a:cs typeface="+mn-cs"/>
+              </a:defRPr>
+            </a:lvl3pPr>
+            <a:lvl4pPr marL="1134062" indent="-162009" algn="l" defTabSz="648035" rtl="0" eaLnBrk="1" latinLnBrk="1" hangingPunct="1">
+              <a:lnSpc>
+                <a:spcPct val="90000"/>
+              </a:lnSpc>
+              <a:spcBef>
+                <a:spcPts val="354"/>
+              </a:spcBef>
+              <a:buFont typeface="Arial" panose="020B0604020202020204" pitchFamily="34" charset="0"/>
+              <a:buChar char="•"/>
+              <a:defRPr sz="1276" kern="1200">
+                <a:solidFill>
+                  <a:schemeClr val="tx1"/>
+                </a:solidFill>
+                <a:latin typeface="+mn-lt"/>
+                <a:ea typeface="+mn-ea"/>
+                <a:cs typeface="+mn-cs"/>
+              </a:defRPr>
+            </a:lvl4pPr>
+            <a:lvl5pPr marL="1458079" indent="-162009" algn="l" defTabSz="648035" rtl="0" eaLnBrk="1" latinLnBrk="1" hangingPunct="1">
+              <a:lnSpc>
+                <a:spcPct val="90000"/>
+              </a:lnSpc>
+              <a:spcBef>
+                <a:spcPts val="354"/>
+              </a:spcBef>
+              <a:buFont typeface="Arial" panose="020B0604020202020204" pitchFamily="34" charset="0"/>
+              <a:buChar char="•"/>
+              <a:defRPr sz="1276" kern="1200">
+                <a:solidFill>
+                  <a:schemeClr val="tx1"/>
+                </a:solidFill>
+                <a:latin typeface="+mn-lt"/>
+                <a:ea typeface="+mn-ea"/>
+                <a:cs typeface="+mn-cs"/>
+              </a:defRPr>
+            </a:lvl5pPr>
+            <a:lvl6pPr marL="1782097" indent="-162009" algn="l" defTabSz="648035" rtl="0" eaLnBrk="1" latinLnBrk="1" hangingPunct="1">
+              <a:lnSpc>
+                <a:spcPct val="90000"/>
+              </a:lnSpc>
+              <a:spcBef>
+                <a:spcPts val="354"/>
+              </a:spcBef>
+              <a:buFont typeface="Arial" panose="020B0604020202020204" pitchFamily="34" charset="0"/>
+              <a:buChar char="•"/>
+              <a:defRPr sz="1276" kern="1200">
+                <a:solidFill>
+                  <a:schemeClr val="tx1"/>
+                </a:solidFill>
+                <a:latin typeface="+mn-lt"/>
+                <a:ea typeface="+mn-ea"/>
+                <a:cs typeface="+mn-cs"/>
+              </a:defRPr>
+            </a:lvl6pPr>
+            <a:lvl7pPr marL="2106115" indent="-162009" algn="l" defTabSz="648035" rtl="0" eaLnBrk="1" latinLnBrk="1" hangingPunct="1">
+              <a:lnSpc>
+                <a:spcPct val="90000"/>
+              </a:lnSpc>
+              <a:spcBef>
+                <a:spcPts val="354"/>
+              </a:spcBef>
+              <a:buFont typeface="Arial" panose="020B0604020202020204" pitchFamily="34" charset="0"/>
+              <a:buChar char="•"/>
+              <a:defRPr sz="1276" kern="1200">
+                <a:solidFill>
+                  <a:schemeClr val="tx1"/>
+                </a:solidFill>
+                <a:latin typeface="+mn-lt"/>
+                <a:ea typeface="+mn-ea"/>
+                <a:cs typeface="+mn-cs"/>
+              </a:defRPr>
+            </a:lvl7pPr>
+            <a:lvl8pPr marL="2430132" indent="-162009" algn="l" defTabSz="648035" rtl="0" eaLnBrk="1" latinLnBrk="1" hangingPunct="1">
+              <a:lnSpc>
+                <a:spcPct val="90000"/>
+              </a:lnSpc>
+              <a:spcBef>
+                <a:spcPts val="354"/>
+              </a:spcBef>
+              <a:buFont typeface="Arial" panose="020B0604020202020204" pitchFamily="34" charset="0"/>
+              <a:buChar char="•"/>
+              <a:defRPr sz="1276" kern="1200">
+                <a:solidFill>
+                  <a:schemeClr val="tx1"/>
+                </a:solidFill>
+                <a:latin typeface="+mn-lt"/>
+                <a:ea typeface="+mn-ea"/>
+                <a:cs typeface="+mn-cs"/>
+              </a:defRPr>
+            </a:lvl8pPr>
+            <a:lvl9pPr marL="2754150" indent="-162009" algn="l" defTabSz="648035" rtl="0" eaLnBrk="1" latinLnBrk="1" hangingPunct="1">
+              <a:lnSpc>
+                <a:spcPct val="90000"/>
+              </a:lnSpc>
+              <a:spcBef>
+                <a:spcPts val="354"/>
+              </a:spcBef>
+              <a:buFont typeface="Arial" panose="020B0604020202020204" pitchFamily="34" charset="0"/>
+              <a:buChar char="•"/>
+              <a:defRPr sz="1276" kern="1200">
+                <a:solidFill>
+                  <a:schemeClr val="tx1"/>
+                </a:solidFill>
+                <a:latin typeface="+mn-lt"/>
+                <a:ea typeface="+mn-ea"/>
+                <a:cs typeface="+mn-cs"/>
+              </a:defRPr>
+            </a:lvl9pPr>
+          </a:lstStyle>
+          <a:p>
+            <a:pPr marL="0" indent="0">
+              <a:buNone/>
+            </a:pPr>
+            <a:r>
+              <a:rPr lang="en-US" altLang="ko-KR" dirty="0" smtClean="0"/>
+              <a:t>Use Case Diagram</a:t>
+            </a:r>
+          </a:p>
+          <a:p>
+            <a:endParaRPr lang="en-US" altLang="ko-KR" dirty="0"/>
+          </a:p>
+        </p:txBody>
+      </p:sp>
+      <p:sp>
+        <p:nvSpPr>
+          <p:cNvPr id="6" name="내용 개체 틀 2"/>
+          <p:cNvSpPr txBox="1">
+            <a:spLocks/>
+          </p:cNvSpPr>
+          <p:nvPr/>
+        </p:nvSpPr>
+        <p:spPr>
+          <a:xfrm>
+            <a:off x="5204916" y="3807939"/>
+            <a:ext cx="1981495" cy="355690"/>
+          </a:xfrm>
+          <a:prstGeom prst="rect">
+            <a:avLst/>
+          </a:prstGeom>
+        </p:spPr>
+        <p:txBody>
+          <a:bodyPr vert="horz" lIns="91440" tIns="45720" rIns="91440" bIns="45720" rtlCol="0">
+            <a:normAutofit lnSpcReduction="10000"/>
+          </a:bodyPr>
+          <a:lstStyle>
+            <a:lvl1pPr marL="162009" indent="-162009" algn="l" defTabSz="648035" rtl="0" eaLnBrk="1" latinLnBrk="1" hangingPunct="1">
+              <a:lnSpc>
+                <a:spcPct val="90000"/>
+              </a:lnSpc>
+              <a:spcBef>
+                <a:spcPts val="709"/>
+              </a:spcBef>
+              <a:buFont typeface="Arial" panose="020B0604020202020204" pitchFamily="34" charset="0"/>
+              <a:buChar char="•"/>
+              <a:defRPr sz="1984" kern="1200" baseline="0">
+                <a:solidFill>
+                  <a:schemeClr val="tx1"/>
+                </a:solidFill>
+                <a:latin typeface="+mn-lt"/>
+                <a:ea typeface="나눔고딕" panose="020D0604000000000000" pitchFamily="50" charset="-127"/>
+                <a:cs typeface="Roboto Light" panose="02000000000000000000" pitchFamily="2" charset="0"/>
+              </a:defRPr>
+            </a:lvl1pPr>
+            <a:lvl2pPr marL="486026" indent="-162009" algn="l" defTabSz="648035" rtl="0" eaLnBrk="1" latinLnBrk="1" hangingPunct="1">
+              <a:lnSpc>
+                <a:spcPct val="90000"/>
+              </a:lnSpc>
+              <a:spcBef>
+                <a:spcPts val="354"/>
+              </a:spcBef>
+              <a:buFont typeface="Arial" panose="020B0604020202020204" pitchFamily="34" charset="0"/>
+              <a:buChar char="•"/>
+              <a:defRPr sz="1701" kern="1200">
+                <a:solidFill>
+                  <a:schemeClr val="tx1"/>
+                </a:solidFill>
+                <a:latin typeface="+mn-lt"/>
+                <a:ea typeface="+mn-ea"/>
+                <a:cs typeface="+mn-cs"/>
+              </a:defRPr>
+            </a:lvl2pPr>
+            <a:lvl3pPr marL="810044" indent="-162009" algn="l" defTabSz="648035" rtl="0" eaLnBrk="1" latinLnBrk="1" hangingPunct="1">
+              <a:lnSpc>
+                <a:spcPct val="90000"/>
+              </a:lnSpc>
+              <a:spcBef>
+                <a:spcPts val="354"/>
+              </a:spcBef>
+              <a:buFont typeface="Arial" panose="020B0604020202020204" pitchFamily="34" charset="0"/>
+              <a:buChar char="•"/>
+              <a:defRPr sz="1417" kern="1200">
+                <a:solidFill>
+                  <a:schemeClr val="tx1"/>
+                </a:solidFill>
+                <a:latin typeface="+mn-lt"/>
+                <a:ea typeface="+mn-ea"/>
+                <a:cs typeface="+mn-cs"/>
+              </a:defRPr>
+            </a:lvl3pPr>
+            <a:lvl4pPr marL="1134062" indent="-162009" algn="l" defTabSz="648035" rtl="0" eaLnBrk="1" latinLnBrk="1" hangingPunct="1">
+              <a:lnSpc>
+                <a:spcPct val="90000"/>
+              </a:lnSpc>
+              <a:spcBef>
+                <a:spcPts val="354"/>
+              </a:spcBef>
+              <a:buFont typeface="Arial" panose="020B0604020202020204" pitchFamily="34" charset="0"/>
+              <a:buChar char="•"/>
+              <a:defRPr sz="1276" kern="1200">
+                <a:solidFill>
+                  <a:schemeClr val="tx1"/>
+                </a:solidFill>
+                <a:latin typeface="+mn-lt"/>
+                <a:ea typeface="+mn-ea"/>
+                <a:cs typeface="+mn-cs"/>
+              </a:defRPr>
+            </a:lvl4pPr>
+            <a:lvl5pPr marL="1458079" indent="-162009" algn="l" defTabSz="648035" rtl="0" eaLnBrk="1" latinLnBrk="1" hangingPunct="1">
+              <a:lnSpc>
+                <a:spcPct val="90000"/>
+              </a:lnSpc>
+              <a:spcBef>
+                <a:spcPts val="354"/>
+              </a:spcBef>
+              <a:buFont typeface="Arial" panose="020B0604020202020204" pitchFamily="34" charset="0"/>
+              <a:buChar char="•"/>
+              <a:defRPr sz="1276" kern="1200">
+                <a:solidFill>
+                  <a:schemeClr val="tx1"/>
+                </a:solidFill>
+                <a:latin typeface="+mn-lt"/>
+                <a:ea typeface="+mn-ea"/>
+                <a:cs typeface="+mn-cs"/>
+              </a:defRPr>
+            </a:lvl5pPr>
+            <a:lvl6pPr marL="1782097" indent="-162009" algn="l" defTabSz="648035" rtl="0" eaLnBrk="1" latinLnBrk="1" hangingPunct="1">
+              <a:lnSpc>
+                <a:spcPct val="90000"/>
+              </a:lnSpc>
+              <a:spcBef>
+                <a:spcPts val="354"/>
+              </a:spcBef>
+              <a:buFont typeface="Arial" panose="020B0604020202020204" pitchFamily="34" charset="0"/>
+              <a:buChar char="•"/>
+              <a:defRPr sz="1276" kern="1200">
+                <a:solidFill>
+                  <a:schemeClr val="tx1"/>
+                </a:solidFill>
+                <a:latin typeface="+mn-lt"/>
+                <a:ea typeface="+mn-ea"/>
+                <a:cs typeface="+mn-cs"/>
+              </a:defRPr>
+            </a:lvl6pPr>
+            <a:lvl7pPr marL="2106115" indent="-162009" algn="l" defTabSz="648035" rtl="0" eaLnBrk="1" latinLnBrk="1" hangingPunct="1">
+              <a:lnSpc>
+                <a:spcPct val="90000"/>
+              </a:lnSpc>
+              <a:spcBef>
+                <a:spcPts val="354"/>
+              </a:spcBef>
+              <a:buFont typeface="Arial" panose="020B0604020202020204" pitchFamily="34" charset="0"/>
+              <a:buChar char="•"/>
+              <a:defRPr sz="1276" kern="1200">
+                <a:solidFill>
+                  <a:schemeClr val="tx1"/>
+                </a:solidFill>
+                <a:latin typeface="+mn-lt"/>
+                <a:ea typeface="+mn-ea"/>
+                <a:cs typeface="+mn-cs"/>
+              </a:defRPr>
+            </a:lvl7pPr>
+            <a:lvl8pPr marL="2430132" indent="-162009" algn="l" defTabSz="648035" rtl="0" eaLnBrk="1" latinLnBrk="1" hangingPunct="1">
+              <a:lnSpc>
+                <a:spcPct val="90000"/>
+              </a:lnSpc>
+              <a:spcBef>
+                <a:spcPts val="354"/>
+              </a:spcBef>
+              <a:buFont typeface="Arial" panose="020B0604020202020204" pitchFamily="34" charset="0"/>
+              <a:buChar char="•"/>
+              <a:defRPr sz="1276" kern="1200">
+                <a:solidFill>
+                  <a:schemeClr val="tx1"/>
+                </a:solidFill>
+                <a:latin typeface="+mn-lt"/>
+                <a:ea typeface="+mn-ea"/>
+                <a:cs typeface="+mn-cs"/>
+              </a:defRPr>
+            </a:lvl8pPr>
+            <a:lvl9pPr marL="2754150" indent="-162009" algn="l" defTabSz="648035" rtl="0" eaLnBrk="1" latinLnBrk="1" hangingPunct="1">
+              <a:lnSpc>
+                <a:spcPct val="90000"/>
+              </a:lnSpc>
+              <a:spcBef>
+                <a:spcPts val="354"/>
+              </a:spcBef>
+              <a:buFont typeface="Arial" panose="020B0604020202020204" pitchFamily="34" charset="0"/>
+              <a:buChar char="•"/>
+              <a:defRPr sz="1276" kern="1200">
+                <a:solidFill>
+                  <a:schemeClr val="tx1"/>
+                </a:solidFill>
+                <a:latin typeface="+mn-lt"/>
+                <a:ea typeface="+mn-ea"/>
+                <a:cs typeface="+mn-cs"/>
+              </a:defRPr>
+            </a:lvl9pPr>
+          </a:lstStyle>
+          <a:p>
+            <a:pPr marL="0" indent="0">
+              <a:buNone/>
+            </a:pPr>
+            <a:r>
+              <a:rPr lang="en-US" altLang="ko-KR" dirty="0" smtClean="0"/>
+              <a:t>Activity Diagram</a:t>
+            </a:r>
+          </a:p>
+        </p:txBody>
+      </p:sp>
+      <p:pic>
+        <p:nvPicPr>
+          <p:cNvPr id="7" name="그림 6"/>
+          <p:cNvPicPr>
+            <a:picLocks noChangeAspect="1"/>
+          </p:cNvPicPr>
+          <p:nvPr/>
+        </p:nvPicPr>
+        <p:blipFill>
+          <a:blip r:embed="rId2">
+            <a:extLst>
+              <a:ext uri="{28A0092B-C50C-407E-A947-70E740481C1C}">
+                <a14:useLocalDpi xmlns:a14="http://schemas.microsoft.com/office/drawing/2010/main" val="0"/>
+              </a:ext>
+            </a:extLst>
+          </a:blip>
+          <a:stretch>
+            <a:fillRect/>
+          </a:stretch>
+        </p:blipFill>
+        <p:spPr>
+          <a:xfrm>
+            <a:off x="1185064" y="2161714"/>
+            <a:ext cx="2886075" cy="1457325"/>
+          </a:xfrm>
+          <a:prstGeom prst="rect">
+            <a:avLst/>
+          </a:prstGeom>
+        </p:spPr>
+      </p:pic>
+      <p:pic>
+        <p:nvPicPr>
+          <p:cNvPr id="8" name="그림 7"/>
+          <p:cNvPicPr>
+            <a:picLocks noChangeAspect="1"/>
+          </p:cNvPicPr>
+          <p:nvPr/>
+        </p:nvPicPr>
+        <p:blipFill>
+          <a:blip r:embed="rId3">
+            <a:extLst>
+              <a:ext uri="{28A0092B-C50C-407E-A947-70E740481C1C}">
+                <a14:useLocalDpi xmlns:a14="http://schemas.microsoft.com/office/drawing/2010/main" val="0"/>
+              </a:ext>
+            </a:extLst>
+          </a:blip>
+          <a:stretch>
+            <a:fillRect/>
+          </a:stretch>
+        </p:blipFill>
+        <p:spPr>
+          <a:xfrm>
+            <a:off x="5635814" y="1852732"/>
+            <a:ext cx="933450" cy="1885950"/>
+          </a:xfrm>
+          <a:prstGeom prst="rect">
+            <a:avLst/>
+          </a:prstGeom>
+        </p:spPr>
+      </p:pic>
     </p:spTree>
     <p:extLst>
       <p:ext uri="{BB962C8B-B14F-4D97-AF65-F5344CB8AC3E}">
@@ -8652,7 +13416,12 @@
             <p:ph idx="1"/>
           </p:nvPr>
         </p:nvSpPr>
-        <p:spPr/>
+        <p:spPr>
+          <a:xfrm>
+            <a:off x="594053" y="1369219"/>
+            <a:ext cx="7452658" cy="485339"/>
+          </a:xfrm>
+        </p:spPr>
         <p:txBody>
           <a:bodyPr/>
           <a:lstStyle/>
@@ -8685,6 +13454,244 @@
               <a:t>26</a:t>
             </a:fld>
             <a:endParaRPr lang="ko-KR" altLang="en-US"/>
+          </a:p>
+        </p:txBody>
+      </p:sp>
+      <p:sp>
+        <p:nvSpPr>
+          <p:cNvPr id="6" name="내용 개체 틀 2"/>
+          <p:cNvSpPr txBox="1">
+            <a:spLocks/>
+          </p:cNvSpPr>
+          <p:nvPr/>
+        </p:nvSpPr>
+        <p:spPr>
+          <a:xfrm>
+            <a:off x="594053" y="2135998"/>
+            <a:ext cx="7452658" cy="1598875"/>
+          </a:xfrm>
+          <a:prstGeom prst="rect">
+            <a:avLst/>
+          </a:prstGeom>
+        </p:spPr>
+        <p:txBody>
+          <a:bodyPr vert="horz" lIns="91440" tIns="45720" rIns="91440" bIns="45720" rtlCol="0">
+            <a:noAutofit/>
+          </a:bodyPr>
+          <a:lstStyle>
+            <a:lvl1pPr marL="162009" indent="-162009" algn="l" defTabSz="648035" rtl="0" eaLnBrk="1" latinLnBrk="1" hangingPunct="1">
+              <a:lnSpc>
+                <a:spcPct val="90000"/>
+              </a:lnSpc>
+              <a:spcBef>
+                <a:spcPts val="709"/>
+              </a:spcBef>
+              <a:buFont typeface="Arial" panose="020B0604020202020204" pitchFamily="34" charset="0"/>
+              <a:buChar char="•"/>
+              <a:defRPr sz="1984" kern="1200" baseline="0">
+                <a:solidFill>
+                  <a:schemeClr val="tx1"/>
+                </a:solidFill>
+                <a:latin typeface="+mn-lt"/>
+                <a:ea typeface="나눔고딕" panose="020D0604000000000000" pitchFamily="50" charset="-127"/>
+                <a:cs typeface="Roboto Light" panose="02000000000000000000" pitchFamily="2" charset="0"/>
+              </a:defRPr>
+            </a:lvl1pPr>
+            <a:lvl2pPr marL="486026" indent="-162009" algn="l" defTabSz="648035" rtl="0" eaLnBrk="1" latinLnBrk="1" hangingPunct="1">
+              <a:lnSpc>
+                <a:spcPct val="90000"/>
+              </a:lnSpc>
+              <a:spcBef>
+                <a:spcPts val="354"/>
+              </a:spcBef>
+              <a:buFont typeface="Arial" panose="020B0604020202020204" pitchFamily="34" charset="0"/>
+              <a:buChar char="•"/>
+              <a:defRPr sz="1701" kern="1200">
+                <a:solidFill>
+                  <a:schemeClr val="tx1"/>
+                </a:solidFill>
+                <a:latin typeface="+mn-lt"/>
+                <a:ea typeface="+mn-ea"/>
+                <a:cs typeface="+mn-cs"/>
+              </a:defRPr>
+            </a:lvl2pPr>
+            <a:lvl3pPr marL="810044" indent="-162009" algn="l" defTabSz="648035" rtl="0" eaLnBrk="1" latinLnBrk="1" hangingPunct="1">
+              <a:lnSpc>
+                <a:spcPct val="90000"/>
+              </a:lnSpc>
+              <a:spcBef>
+                <a:spcPts val="354"/>
+              </a:spcBef>
+              <a:buFont typeface="Arial" panose="020B0604020202020204" pitchFamily="34" charset="0"/>
+              <a:buChar char="•"/>
+              <a:defRPr sz="1417" kern="1200">
+                <a:solidFill>
+                  <a:schemeClr val="tx1"/>
+                </a:solidFill>
+                <a:latin typeface="+mn-lt"/>
+                <a:ea typeface="+mn-ea"/>
+                <a:cs typeface="+mn-cs"/>
+              </a:defRPr>
+            </a:lvl3pPr>
+            <a:lvl4pPr marL="1134062" indent="-162009" algn="l" defTabSz="648035" rtl="0" eaLnBrk="1" latinLnBrk="1" hangingPunct="1">
+              <a:lnSpc>
+                <a:spcPct val="90000"/>
+              </a:lnSpc>
+              <a:spcBef>
+                <a:spcPts val="354"/>
+              </a:spcBef>
+              <a:buFont typeface="Arial" panose="020B0604020202020204" pitchFamily="34" charset="0"/>
+              <a:buChar char="•"/>
+              <a:defRPr sz="1276" kern="1200">
+                <a:solidFill>
+                  <a:schemeClr val="tx1"/>
+                </a:solidFill>
+                <a:latin typeface="+mn-lt"/>
+                <a:ea typeface="+mn-ea"/>
+                <a:cs typeface="+mn-cs"/>
+              </a:defRPr>
+            </a:lvl4pPr>
+            <a:lvl5pPr marL="1458079" indent="-162009" algn="l" defTabSz="648035" rtl="0" eaLnBrk="1" latinLnBrk="1" hangingPunct="1">
+              <a:lnSpc>
+                <a:spcPct val="90000"/>
+              </a:lnSpc>
+              <a:spcBef>
+                <a:spcPts val="354"/>
+              </a:spcBef>
+              <a:buFont typeface="Arial" panose="020B0604020202020204" pitchFamily="34" charset="0"/>
+              <a:buChar char="•"/>
+              <a:defRPr sz="1276" kern="1200">
+                <a:solidFill>
+                  <a:schemeClr val="tx1"/>
+                </a:solidFill>
+                <a:latin typeface="+mn-lt"/>
+                <a:ea typeface="+mn-ea"/>
+                <a:cs typeface="+mn-cs"/>
+              </a:defRPr>
+            </a:lvl5pPr>
+            <a:lvl6pPr marL="1782097" indent="-162009" algn="l" defTabSz="648035" rtl="0" eaLnBrk="1" latinLnBrk="1" hangingPunct="1">
+              <a:lnSpc>
+                <a:spcPct val="90000"/>
+              </a:lnSpc>
+              <a:spcBef>
+                <a:spcPts val="354"/>
+              </a:spcBef>
+              <a:buFont typeface="Arial" panose="020B0604020202020204" pitchFamily="34" charset="0"/>
+              <a:buChar char="•"/>
+              <a:defRPr sz="1276" kern="1200">
+                <a:solidFill>
+                  <a:schemeClr val="tx1"/>
+                </a:solidFill>
+                <a:latin typeface="+mn-lt"/>
+                <a:ea typeface="+mn-ea"/>
+                <a:cs typeface="+mn-cs"/>
+              </a:defRPr>
+            </a:lvl6pPr>
+            <a:lvl7pPr marL="2106115" indent="-162009" algn="l" defTabSz="648035" rtl="0" eaLnBrk="1" latinLnBrk="1" hangingPunct="1">
+              <a:lnSpc>
+                <a:spcPct val="90000"/>
+              </a:lnSpc>
+              <a:spcBef>
+                <a:spcPts val="354"/>
+              </a:spcBef>
+              <a:buFont typeface="Arial" panose="020B0604020202020204" pitchFamily="34" charset="0"/>
+              <a:buChar char="•"/>
+              <a:defRPr sz="1276" kern="1200">
+                <a:solidFill>
+                  <a:schemeClr val="tx1"/>
+                </a:solidFill>
+                <a:latin typeface="+mn-lt"/>
+                <a:ea typeface="+mn-ea"/>
+                <a:cs typeface="+mn-cs"/>
+              </a:defRPr>
+            </a:lvl7pPr>
+            <a:lvl8pPr marL="2430132" indent="-162009" algn="l" defTabSz="648035" rtl="0" eaLnBrk="1" latinLnBrk="1" hangingPunct="1">
+              <a:lnSpc>
+                <a:spcPct val="90000"/>
+              </a:lnSpc>
+              <a:spcBef>
+                <a:spcPts val="354"/>
+              </a:spcBef>
+              <a:buFont typeface="Arial" panose="020B0604020202020204" pitchFamily="34" charset="0"/>
+              <a:buChar char="•"/>
+              <a:defRPr sz="1276" kern="1200">
+                <a:solidFill>
+                  <a:schemeClr val="tx1"/>
+                </a:solidFill>
+                <a:latin typeface="+mn-lt"/>
+                <a:ea typeface="+mn-ea"/>
+                <a:cs typeface="+mn-cs"/>
+              </a:defRPr>
+            </a:lvl8pPr>
+            <a:lvl9pPr marL="2754150" indent="-162009" algn="l" defTabSz="648035" rtl="0" eaLnBrk="1" latinLnBrk="1" hangingPunct="1">
+              <a:lnSpc>
+                <a:spcPct val="90000"/>
+              </a:lnSpc>
+              <a:spcBef>
+                <a:spcPts val="354"/>
+              </a:spcBef>
+              <a:buFont typeface="Arial" panose="020B0604020202020204" pitchFamily="34" charset="0"/>
+              <a:buChar char="•"/>
+              <a:defRPr sz="1276" kern="1200">
+                <a:solidFill>
+                  <a:schemeClr val="tx1"/>
+                </a:solidFill>
+                <a:latin typeface="+mn-lt"/>
+                <a:ea typeface="+mn-ea"/>
+                <a:cs typeface="+mn-cs"/>
+              </a:defRPr>
+            </a:lvl9pPr>
+          </a:lstStyle>
+          <a:p>
+            <a:pPr marL="0" indent="0">
+              <a:buNone/>
+            </a:pPr>
+            <a:r>
+              <a:rPr lang="en-US" altLang="ko-KR" sz="3200" dirty="0" smtClean="0">
+                <a:solidFill>
+                  <a:schemeClr val="bg1">
+                    <a:lumMod val="50000"/>
+                  </a:schemeClr>
+                </a:solidFill>
+              </a:rPr>
+              <a:t>Because…</a:t>
+            </a:r>
+          </a:p>
+          <a:p>
+            <a:pPr marL="0" indent="0">
+              <a:buNone/>
+            </a:pPr>
+            <a:r>
+              <a:rPr lang="en-US" altLang="ko-KR" sz="800" dirty="0" smtClean="0"/>
+              <a:t> </a:t>
+            </a:r>
+            <a:endParaRPr lang="en-US" altLang="ko-KR" sz="3200" dirty="0"/>
+          </a:p>
+          <a:p>
+            <a:pPr marL="0" indent="0">
+              <a:buNone/>
+            </a:pPr>
+            <a:r>
+              <a:rPr lang="en-US" altLang="ko-KR" sz="3200" dirty="0" smtClean="0"/>
+              <a:t>HYU</a:t>
+            </a:r>
+            <a:r>
+              <a:rPr lang="ko-KR" altLang="en-US" sz="3200" dirty="0" smtClean="0"/>
+              <a:t>ⓔ</a:t>
+            </a:r>
+            <a:r>
+              <a:rPr lang="en-US" altLang="ko-KR" sz="3200" dirty="0" smtClean="0"/>
+              <a:t>mini is </a:t>
+            </a:r>
+            <a:r>
+              <a:rPr lang="en-US" altLang="ko-KR" sz="3200" b="1" dirty="0" smtClean="0"/>
+              <a:t>Activity-Oriented</a:t>
+            </a:r>
+            <a:r>
+              <a:rPr lang="en-US" altLang="ko-KR" sz="3200" dirty="0" smtClean="0"/>
+              <a:t> Application.</a:t>
+            </a:r>
+            <a:endParaRPr lang="ko-KR" altLang="en-US" sz="3200" dirty="0"/>
           </a:p>
         </p:txBody>
       </p:sp>
@@ -8745,89 +13752,11 @@
           <a:p>
             <a:r>
               <a:rPr lang="en-US" altLang="ko-KR" b="0" dirty="0" smtClean="0"/>
-              <a:t>Use Case 1.</a:t>
+              <a:t>Use Case 2.</a:t>
             </a:r>
             <a:r>
               <a:rPr lang="en-US" altLang="ko-KR" dirty="0" smtClean="0"/>
-              <a:t> Login/Logout</a:t>
-            </a:r>
-            <a:endParaRPr lang="ko-KR" altLang="en-US" dirty="0"/>
-          </a:p>
-        </p:txBody>
-      </p:sp>
-      <p:sp>
-        <p:nvSpPr>
-          <p:cNvPr id="3" name="내용 개체 틀 2"/>
-          <p:cNvSpPr>
-            <a:spLocks noGrp="1"/>
-          </p:cNvSpPr>
-          <p:nvPr>
-            <p:ph idx="1"/>
-          </p:nvPr>
-        </p:nvSpPr>
-        <p:spPr>
-          <a:xfrm>
-            <a:off x="594053" y="1369218"/>
-            <a:ext cx="7452658" cy="1764399"/>
-          </a:xfrm>
-        </p:spPr>
-        <p:txBody>
-          <a:bodyPr>
-            <a:normAutofit/>
-          </a:bodyPr>
-          <a:lstStyle/>
-          <a:p>
-            <a:r>
-              <a:rPr lang="en-US" altLang="ko-KR" dirty="0" smtClean="0"/>
-              <a:t>Use Case 1. Login/Logout</a:t>
-            </a:r>
-          </a:p>
-          <a:p>
-            <a:r>
-              <a:rPr lang="en-US" altLang="ko-KR" dirty="0" smtClean="0"/>
-              <a:t>Use Case Diagram</a:t>
-            </a:r>
-            <a:r>
-              <a:rPr lang="ko-KR" altLang="en-US" dirty="0" smtClean="0"/>
-              <a:t>과 </a:t>
-            </a:r>
-            <a:r>
-              <a:rPr lang="en-US" altLang="ko-KR" dirty="0" smtClean="0"/>
-              <a:t>Activity Diagram </a:t>
-            </a:r>
-            <a:r>
-              <a:rPr lang="ko-KR" altLang="en-US" dirty="0" smtClean="0"/>
-              <a:t>올려주세요</a:t>
-            </a:r>
-            <a:r>
-              <a:rPr lang="en-US" altLang="ko-KR" dirty="0" smtClean="0"/>
-              <a:t>.(</a:t>
-            </a:r>
-            <a:r>
-              <a:rPr lang="en-US" altLang="ko-KR" dirty="0" err="1" smtClean="0"/>
-              <a:t>Swimlane</a:t>
-            </a:r>
-            <a:r>
-              <a:rPr lang="en-US" altLang="ko-KR" dirty="0" smtClean="0"/>
-              <a:t> </a:t>
-            </a:r>
-            <a:r>
-              <a:rPr lang="ko-KR" altLang="en-US" dirty="0" smtClean="0"/>
-              <a:t>말고요</a:t>
-            </a:r>
-            <a:r>
-              <a:rPr lang="en-US" altLang="ko-KR" dirty="0" smtClean="0"/>
-              <a:t>.)</a:t>
-            </a:r>
-          </a:p>
-          <a:p>
-            <a:r>
-              <a:rPr lang="ko-KR" altLang="en-US" dirty="0" smtClean="0"/>
-              <a:t>필요하다면 추가로 슬라이드를 넣으셔도 좋습니다</a:t>
-            </a:r>
-            <a:r>
-              <a:rPr lang="en-US" altLang="ko-KR" dirty="0" smtClean="0"/>
-              <a:t>.</a:t>
+              <a:t> Main Page</a:t>
             </a:r>
             <a:endParaRPr lang="ko-KR" altLang="en-US" dirty="0"/>
           </a:p>
@@ -8854,28 +13783,66 @@
             </a:fld>
             <a:r>
               <a:rPr lang="en-US" altLang="ko-KR" dirty="0" smtClean="0"/>
-              <a:t>. Kim </a:t>
+              <a:t>. </a:t>
             </a:r>
             <a:r>
               <a:rPr lang="en-US" altLang="ko-KR" dirty="0" err="1" smtClean="0"/>
-              <a:t>SeonWoong</a:t>
+              <a:t>Ahn</a:t>
             </a:r>
             <a:r>
               <a:rPr lang="en-US" altLang="ko-KR" dirty="0" smtClean="0"/>
-              <a:t>, Woo </a:t>
+              <a:t> </a:t>
             </a:r>
             <a:r>
               <a:rPr lang="en-US" altLang="ko-KR" dirty="0" err="1" smtClean="0"/>
-              <a:t>Zhiqiang</a:t>
+              <a:t>YounGeun</a:t>
+            </a:r>
+            <a:r>
+              <a:rPr lang="en-US" altLang="ko-KR" dirty="0" smtClean="0"/>
+              <a:t>, Kim </a:t>
+            </a:r>
+            <a:r>
+              <a:rPr lang="en-US" altLang="ko-KR" dirty="0" err="1" smtClean="0"/>
+              <a:t>JinHee</a:t>
             </a:r>
             <a:endParaRPr lang="ko-KR" altLang="en-US" dirty="0"/>
           </a:p>
         </p:txBody>
       </p:sp>
+      <p:pic>
+        <p:nvPicPr>
+          <p:cNvPr id="5" name="그림 4"/>
+          <p:cNvPicPr>
+            <a:picLocks noChangeAspect="1"/>
+          </p:cNvPicPr>
+          <p:nvPr/>
+        </p:nvPicPr>
+        <p:blipFill>
+          <a:blip r:embed="rId2">
+            <a:extLst>
+              <a:ext uri="{28A0092B-C50C-407E-A947-70E740481C1C}">
+                <a14:useLocalDpi xmlns:a14="http://schemas.microsoft.com/office/drawing/2010/main" val="0"/>
+              </a:ext>
+            </a:extLst>
+          </a:blip>
+          <a:stretch>
+            <a:fillRect/>
+          </a:stretch>
+        </p:blipFill>
+        <p:spPr>
+          <a:xfrm>
+            <a:off x="3579806" y="1268016"/>
+            <a:ext cx="1481151" cy="3292463"/>
+          </a:xfrm>
+          <a:prstGeom prst="rect">
+            <a:avLst/>
+          </a:prstGeom>
+        </p:spPr>
+      </p:pic>
     </p:spTree>
     <p:extLst>
       <p:ext uri="{BB962C8B-B14F-4D97-AF65-F5344CB8AC3E}">
-        <p14:creationId xmlns:p14="http://schemas.microsoft.com/office/powerpoint/2010/main" val="3062946700"/>
+        <p14:creationId xmlns:p14="http://schemas.microsoft.com/office/powerpoint/2010/main" val="3304114678"/>
       </p:ext>
     </p:extLst>
   </p:cSld>
@@ -8929,89 +13896,11 @@
           <a:p>
             <a:r>
               <a:rPr lang="en-US" altLang="ko-KR" b="0" dirty="0" smtClean="0"/>
-              <a:t>Use Case 2.</a:t>
+              <a:t>Use Case 6.</a:t>
             </a:r>
             <a:r>
               <a:rPr lang="en-US" altLang="ko-KR" dirty="0" smtClean="0"/>
-              <a:t> Main Page</a:t>
-            </a:r>
-            <a:endParaRPr lang="ko-KR" altLang="en-US" dirty="0"/>
-          </a:p>
-        </p:txBody>
-      </p:sp>
-      <p:sp>
-        <p:nvSpPr>
-          <p:cNvPr id="3" name="내용 개체 틀 2"/>
-          <p:cNvSpPr>
-            <a:spLocks noGrp="1"/>
-          </p:cNvSpPr>
-          <p:nvPr>
-            <p:ph idx="1"/>
-          </p:nvPr>
-        </p:nvSpPr>
-        <p:spPr>
-          <a:xfrm>
-            <a:off x="594053" y="1369218"/>
-            <a:ext cx="7452658" cy="2257560"/>
-          </a:xfrm>
-        </p:spPr>
-        <p:txBody>
-          <a:bodyPr>
-            <a:normAutofit/>
-          </a:bodyPr>
-          <a:lstStyle/>
-          <a:p>
-            <a:r>
-              <a:rPr lang="en-US" altLang="ko-KR" dirty="0" smtClean="0"/>
-              <a:t>Use Case 2. Main Page</a:t>
-            </a:r>
-          </a:p>
-          <a:p>
-            <a:r>
-              <a:rPr lang="en-US" altLang="ko-KR" dirty="0"/>
-              <a:t>Use Case Diagram</a:t>
-            </a:r>
-            <a:r>
-              <a:rPr lang="ko-KR" altLang="en-US" dirty="0"/>
-              <a:t>과 </a:t>
-            </a:r>
-            <a:r>
-              <a:rPr lang="en-US" altLang="ko-KR" dirty="0"/>
-              <a:t>Activity Diagram </a:t>
-            </a:r>
-            <a:r>
-              <a:rPr lang="ko-KR" altLang="en-US" dirty="0"/>
-              <a:t>올려주세요</a:t>
-            </a:r>
-            <a:r>
-              <a:rPr lang="en-US" altLang="ko-KR" dirty="0"/>
-              <a:t>.(</a:t>
-            </a:r>
-            <a:r>
-              <a:rPr lang="en-US" altLang="ko-KR" dirty="0" err="1"/>
-              <a:t>Swimlane</a:t>
-            </a:r>
-            <a:r>
-              <a:rPr lang="en-US" altLang="ko-KR" dirty="0"/>
-              <a:t> </a:t>
-            </a:r>
-            <a:r>
-              <a:rPr lang="ko-KR" altLang="en-US" dirty="0"/>
-              <a:t>말고요</a:t>
-            </a:r>
-            <a:r>
-              <a:rPr lang="en-US" altLang="ko-KR" dirty="0"/>
-              <a:t>.)</a:t>
-            </a:r>
-          </a:p>
-          <a:p>
-            <a:r>
-              <a:rPr lang="ko-KR" altLang="en-US" dirty="0"/>
-              <a:t>필요하다면 추가로 슬라이드를 넣으셔도 좋습니다</a:t>
-            </a:r>
-            <a:r>
-              <a:rPr lang="en-US" altLang="ko-KR" dirty="0"/>
-              <a:t>.</a:t>
+              <a:t> Weekly Menu</a:t>
             </a:r>
             <a:endParaRPr lang="ko-KR" altLang="en-US" dirty="0"/>
           </a:p>
@@ -9052,14 +13941,52 @@
               <a:rPr lang="en-US" altLang="ko-KR" dirty="0" err="1" smtClean="0"/>
               <a:t>YounGeun</a:t>
             </a:r>
+            <a:r>
+              <a:rPr lang="en-US" altLang="ko-KR" dirty="0" smtClean="0"/>
+              <a:t>, Kim </a:t>
+            </a:r>
+            <a:r>
+              <a:rPr lang="en-US" altLang="ko-KR" dirty="0" err="1" smtClean="0"/>
+              <a:t>JinHee</a:t>
+            </a:r>
             <a:endParaRPr lang="ko-KR" altLang="en-US" dirty="0"/>
           </a:p>
         </p:txBody>
       </p:sp>
+      <p:pic>
+        <p:nvPicPr>
+          <p:cNvPr id="7" name="그림 6"/>
+          <p:cNvPicPr>
+            <a:picLocks noChangeAspect="1"/>
+          </p:cNvPicPr>
+          <p:nvPr/>
+        </p:nvPicPr>
+        <p:blipFill>
+          <a:blip r:embed="rId2" cstate="print">
+            <a:extLst>
+              <a:ext uri="{28A0092B-C50C-407E-A947-70E740481C1C}">
+                <a14:useLocalDpi xmlns:a14="http://schemas.microsoft.com/office/drawing/2010/main" val="0"/>
+              </a:ext>
+            </a:extLst>
+          </a:blip>
+          <a:stretch>
+            <a:fillRect/>
+          </a:stretch>
+        </p:blipFill>
+        <p:spPr>
+          <a:xfrm>
+            <a:off x="3221465" y="1268016"/>
+            <a:ext cx="2197834" cy="3211907"/>
+          </a:xfrm>
+          <a:prstGeom prst="rect">
+            <a:avLst/>
+          </a:prstGeom>
+        </p:spPr>
+      </p:pic>
     </p:spTree>
     <p:extLst>
       <p:ext uri="{BB962C8B-B14F-4D97-AF65-F5344CB8AC3E}">
-        <p14:creationId xmlns:p14="http://schemas.microsoft.com/office/powerpoint/2010/main" val="3378916159"/>
+        <p14:creationId xmlns:p14="http://schemas.microsoft.com/office/powerpoint/2010/main" val="3094900778"/>
       </p:ext>
     </p:extLst>
   </p:cSld>
@@ -9103,40 +14030,13 @@
             <a:spLocks noGrp="1"/>
           </p:cNvSpPr>
           <p:nvPr>
-            <p:ph type="title"/>
-          </p:nvPr>
-        </p:nvSpPr>
-        <p:spPr/>
-        <p:txBody>
-          <a:bodyPr/>
-          <a:lstStyle/>
-          <a:p>
-            <a:r>
-              <a:rPr lang="en-US" altLang="ko-KR" b="0" dirty="0" smtClean="0"/>
-              <a:t>Use Case 3.</a:t>
-            </a:r>
-            <a:r>
-              <a:rPr lang="en-US" altLang="ko-KR" dirty="0" smtClean="0"/>
-              <a:t> BBS</a:t>
-            </a:r>
-            <a:endParaRPr lang="ko-KR" altLang="en-US" dirty="0"/>
-          </a:p>
-        </p:txBody>
-      </p:sp>
-      <p:sp>
-        <p:nvSpPr>
-          <p:cNvPr id="3" name="내용 개체 틀 2"/>
-          <p:cNvSpPr>
-            <a:spLocks noGrp="1"/>
-          </p:cNvSpPr>
-          <p:nvPr>
-            <p:ph idx="1"/>
+            <p:ph type="ctrTitle"/>
           </p:nvPr>
         </p:nvSpPr>
         <p:spPr>
           <a:xfrm>
-            <a:off x="594053" y="1369218"/>
-            <a:ext cx="7452658" cy="1507546"/>
+            <a:off x="6534361" y="3701788"/>
+            <a:ext cx="2116476" cy="1083072"/>
           </a:xfrm>
         </p:spPr>
         <p:txBody>
@@ -9146,107 +14046,91 @@
           <a:lstStyle/>
           <a:p>
             <a:r>
-              <a:rPr lang="en-US" altLang="ko-KR" dirty="0" smtClean="0"/>
-              <a:t>Use Case 3. BBS</a:t>
-            </a:r>
-          </a:p>
-          <a:p>
-            <a:r>
-              <a:rPr lang="en-US" altLang="ko-KR" dirty="0"/>
-              <a:t>Use Case Diagram</a:t>
-            </a:r>
-            <a:r>
-              <a:rPr lang="ko-KR" altLang="en-US" dirty="0"/>
-              <a:t>과 </a:t>
-            </a:r>
-            <a:r>
-              <a:rPr lang="en-US" altLang="ko-KR" dirty="0"/>
-              <a:t>Activity Diagram </a:t>
-            </a:r>
-            <a:r>
-              <a:rPr lang="ko-KR" altLang="en-US" dirty="0"/>
-              <a:t>올려주세요</a:t>
-            </a:r>
-            <a:r>
-              <a:rPr lang="en-US" altLang="ko-KR" dirty="0"/>
-              <a:t>.(</a:t>
-            </a:r>
-            <a:r>
-              <a:rPr lang="en-US" altLang="ko-KR" dirty="0" err="1"/>
-              <a:t>Swimlane</a:t>
-            </a:r>
-            <a:r>
-              <a:rPr lang="en-US" altLang="ko-KR" dirty="0"/>
-              <a:t> </a:t>
-            </a:r>
-            <a:r>
-              <a:rPr lang="ko-KR" altLang="en-US" dirty="0"/>
-              <a:t>말고요</a:t>
-            </a:r>
-            <a:r>
-              <a:rPr lang="en-US" altLang="ko-KR" dirty="0"/>
-              <a:t>.)</a:t>
-            </a:r>
-          </a:p>
-          <a:p>
-            <a:r>
-              <a:rPr lang="ko-KR" altLang="en-US" dirty="0"/>
-              <a:t>필요하다면 추가로 슬라이드를 넣으셔도 좋습니다</a:t>
-            </a:r>
-            <a:r>
-              <a:rPr lang="en-US" altLang="ko-KR" dirty="0" smtClean="0"/>
+              <a:rPr lang="en-US" altLang="ko-KR" sz="6600" dirty="0" smtClean="0">
+                <a:solidFill>
+                  <a:schemeClr val="bg1"/>
+                </a:solidFill>
+                <a:latin typeface="Roboto Black" panose="02000000000000000000" pitchFamily="2" charset="0"/>
+                <a:cs typeface="Roboto Black" panose="02000000000000000000" pitchFamily="2" charset="0"/>
+              </a:rPr>
+              <a:t>Fin</a:t>
+            </a:r>
+            <a:r>
+              <a:rPr lang="en-US" altLang="ko-KR" sz="4400" dirty="0" smtClean="0">
+                <a:solidFill>
+                  <a:schemeClr val="bg1"/>
+                </a:solidFill>
+                <a:latin typeface="Roboto Black" panose="02000000000000000000" pitchFamily="2" charset="0"/>
+                <a:cs typeface="Roboto Black" panose="02000000000000000000" pitchFamily="2" charset="0"/>
+              </a:rPr>
               <a:t>.</a:t>
             </a:r>
-            <a:endParaRPr lang="ko-KR" altLang="en-US" dirty="0"/>
-          </a:p>
-          <a:p>
-            <a:endParaRPr lang="ko-KR" altLang="en-US" dirty="0"/>
-          </a:p>
-        </p:txBody>
-      </p:sp>
-      <p:sp>
-        <p:nvSpPr>
-          <p:cNvPr id="4" name="슬라이드 번호 개체 틀 3"/>
-          <p:cNvSpPr>
-            <a:spLocks noGrp="1"/>
-          </p:cNvSpPr>
-          <p:nvPr>
-            <p:ph type="sldNum" sz="quarter" idx="12"/>
-          </p:nvPr>
-        </p:nvSpPr>
-        <p:spPr/>
-        <p:txBody>
-          <a:bodyPr/>
-          <a:lstStyle/>
-          <a:p>
-            <a:fld id="{64698B39-0510-493B-9469-0B9FF5C16F37}" type="slidenum">
-              <a:rPr lang="ko-KR" altLang="en-US" smtClean="0"/>
-              <a:t>29</a:t>
-            </a:fld>
-            <a:r>
-              <a:rPr lang="en-US" altLang="ko-KR" dirty="0" smtClean="0"/>
-              <a:t>. Sung </a:t>
-            </a:r>
-            <a:r>
-              <a:rPr lang="en-US" altLang="ko-KR" dirty="0" err="1" smtClean="0"/>
-              <a:t>DaHae</a:t>
-            </a:r>
-            <a:r>
-              <a:rPr lang="en-US" altLang="ko-KR" dirty="0" smtClean="0"/>
-              <a:t>, Kim </a:t>
-            </a:r>
-            <a:r>
-              <a:rPr lang="en-US" altLang="ko-KR" dirty="0" err="1" smtClean="0"/>
-              <a:t>YoungJae</a:t>
-            </a:r>
-            <a:endParaRPr lang="ko-KR" altLang="en-US" dirty="0"/>
+            <a:endParaRPr lang="ko-KR" altLang="en-US" sz="4400" dirty="0">
+              <a:solidFill>
+                <a:schemeClr val="bg1"/>
+              </a:solidFill>
+              <a:latin typeface="Roboto Black" panose="02000000000000000000" pitchFamily="2" charset="0"/>
+              <a:cs typeface="Roboto Black" panose="02000000000000000000" pitchFamily="2" charset="0"/>
+            </a:endParaRPr>
+          </a:p>
+        </p:txBody>
+      </p:sp>
+      <p:sp>
+        <p:nvSpPr>
+          <p:cNvPr id="6" name="제목 1"/>
+          <p:cNvSpPr txBox="1">
+            <a:spLocks/>
+          </p:cNvSpPr>
+          <p:nvPr/>
+        </p:nvSpPr>
+        <p:spPr>
+          <a:xfrm>
+            <a:off x="318096" y="3474839"/>
+            <a:ext cx="5562004" cy="1083072"/>
+          </a:xfrm>
+          <a:prstGeom prst="rect">
+            <a:avLst/>
+          </a:prstGeom>
+        </p:spPr>
+        <p:txBody>
+          <a:bodyPr vert="horz" lIns="91440" tIns="45720" rIns="91440" bIns="45720" rtlCol="0" anchor="b">
+            <a:normAutofit/>
+          </a:bodyPr>
+          <a:lstStyle>
+            <a:lvl1pPr algn="ctr" defTabSz="648035" rtl="0" eaLnBrk="1" latinLnBrk="1" hangingPunct="1">
+              <a:lnSpc>
+                <a:spcPct val="90000"/>
+              </a:lnSpc>
+              <a:spcBef>
+                <a:spcPct val="0"/>
+              </a:spcBef>
+              <a:buNone/>
+              <a:defRPr sz="4252" kern="1200">
+                <a:solidFill>
+                  <a:schemeClr val="tx1"/>
+                </a:solidFill>
+                <a:latin typeface="나눔고딕" panose="020D0604000000000000" pitchFamily="50" charset="-127"/>
+                <a:ea typeface="나눔고딕" panose="020D0604000000000000" pitchFamily="50" charset="-127"/>
+                <a:cs typeface="Roboto Black" panose="02000000000000000000" pitchFamily="2" charset="0"/>
+              </a:defRPr>
+            </a:lvl1pPr>
+          </a:lstStyle>
+          <a:p>
+            <a:pPr algn="l"/>
+            <a:endParaRPr lang="ko-KR" altLang="en-US" dirty="0">
+              <a:solidFill>
+                <a:schemeClr val="bg1"/>
+              </a:solidFill>
+              <a:latin typeface="Roboto" panose="02000000000000000000" pitchFamily="2" charset="0"/>
+              <a:cs typeface="Roboto" panose="02000000000000000000" pitchFamily="2" charset="0"/>
+            </a:endParaRPr>
           </a:p>
         </p:txBody>
       </p:sp>
     </p:spTree>
     <p:extLst>
       <p:ext uri="{BB962C8B-B14F-4D97-AF65-F5344CB8AC3E}">
-        <p14:creationId xmlns:p14="http://schemas.microsoft.com/office/powerpoint/2010/main" val="4245786190"/>
+        <p14:creationId xmlns:p14="http://schemas.microsoft.com/office/powerpoint/2010/main" val="2029016345"/>
       </p:ext>
     </p:extLst>
   </p:cSld>
@@ -9254,7 +14138,7 @@
     <a:masterClrMapping/>
   </p:clrMapOvr>
   <p:transition spd="slow">
-    <p:push/>
+    <p:push dir="u"/>
   </p:transition>
   <p:timing>
     <p:tnLst>
@@ -9487,7 +14371,7 @@
     </p:spTree>
     <p:extLst>
       <p:ext uri="{BB962C8B-B14F-4D97-AF65-F5344CB8AC3E}">
-        <p14:creationId xmlns:p14="http://schemas.microsoft.com/office/powerpoint/2010/main" val="4136476935"/>
+        <p14:creationId xmlns:p14="http://schemas.microsoft.com/office/powerpoint/2010/main" val="1879080147"/>
       </p:ext>
     </p:extLst>
   </p:cSld>
@@ -9496,1076 +14380,6 @@
   </p:clrMapOvr>
   <p:transition spd="slow">
     <p:push/>
-  </p:transition>
-  <p:timing>
-    <p:tnLst>
-      <p:par>
-        <p:cTn id="1" dur="indefinite" restart="never" nodeType="tmRoot"/>
-      </p:par>
-    </p:tnLst>
-  </p:timing>
-</p:sld>
-</file>
-
-<file path=ppt/slides/slide30.xml><?xml version="1.0" encoding="utf-8"?>
-<p:sld xmlns:a="http://schemas.openxmlformats.org/drawingml/2006/main" xmlns:r="http://schemas.openxmlformats.org/officeDocument/2006/relationships" xmlns:p="http://schemas.openxmlformats.org/presentationml/2006/main">
-  <p:cSld>
-    <p:spTree>
-      <p:nvGrpSpPr>
-        <p:cNvPr id="1" name=""/>
-        <p:cNvGrpSpPr/>
-        <p:nvPr/>
-      </p:nvGrpSpPr>
-      <p:grpSpPr>
-        <a:xfrm>
-          <a:off x="0" y="0"/>
-          <a:ext cx="0" cy="0"/>
-          <a:chOff x="0" y="0"/>
-          <a:chExt cx="0" cy="0"/>
-        </a:xfrm>
-      </p:grpSpPr>
-      <p:sp>
-        <p:nvSpPr>
-          <p:cNvPr id="2" name="제목 1"/>
-          <p:cNvSpPr>
-            <a:spLocks noGrp="1"/>
-          </p:cNvSpPr>
-          <p:nvPr>
-            <p:ph type="title"/>
-          </p:nvPr>
-        </p:nvSpPr>
-        <p:spPr/>
-        <p:txBody>
-          <a:bodyPr/>
-          <a:lstStyle/>
-          <a:p>
-            <a:r>
-              <a:rPr lang="en-US" altLang="ko-KR" b="0" dirty="0" smtClean="0"/>
-              <a:t>Use Case 4.</a:t>
-            </a:r>
-            <a:r>
-              <a:rPr lang="en-US" altLang="ko-KR" dirty="0" smtClean="0"/>
-              <a:t> School Bus Schedule</a:t>
-            </a:r>
-            <a:endParaRPr lang="ko-KR" altLang="en-US" dirty="0"/>
-          </a:p>
-        </p:txBody>
-      </p:sp>
-      <p:sp>
-        <p:nvSpPr>
-          <p:cNvPr id="3" name="내용 개체 틀 2"/>
-          <p:cNvSpPr>
-            <a:spLocks noGrp="1"/>
-          </p:cNvSpPr>
-          <p:nvPr>
-            <p:ph idx="1"/>
-          </p:nvPr>
-        </p:nvSpPr>
-        <p:spPr>
-          <a:xfrm>
-            <a:off x="594053" y="1369219"/>
-            <a:ext cx="7452658" cy="1959608"/>
-          </a:xfrm>
-        </p:spPr>
-        <p:txBody>
-          <a:bodyPr>
-            <a:normAutofit/>
-          </a:bodyPr>
-          <a:lstStyle/>
-          <a:p>
-            <a:r>
-              <a:rPr lang="en-US" altLang="ko-KR" dirty="0" smtClean="0"/>
-              <a:t>Use Case 4. School Bus Schedule</a:t>
-            </a:r>
-          </a:p>
-          <a:p>
-            <a:r>
-              <a:rPr lang="en-US" altLang="ko-KR" dirty="0"/>
-              <a:t>Use Case Diagram</a:t>
-            </a:r>
-            <a:r>
-              <a:rPr lang="ko-KR" altLang="en-US" dirty="0"/>
-              <a:t>과 </a:t>
-            </a:r>
-            <a:r>
-              <a:rPr lang="en-US" altLang="ko-KR" dirty="0"/>
-              <a:t>Activity Diagram </a:t>
-            </a:r>
-            <a:r>
-              <a:rPr lang="ko-KR" altLang="en-US" dirty="0"/>
-              <a:t>올려주세요</a:t>
-            </a:r>
-            <a:r>
-              <a:rPr lang="en-US" altLang="ko-KR" dirty="0"/>
-              <a:t>.(</a:t>
-            </a:r>
-            <a:r>
-              <a:rPr lang="en-US" altLang="ko-KR" dirty="0" err="1"/>
-              <a:t>Swimlane</a:t>
-            </a:r>
-            <a:r>
-              <a:rPr lang="en-US" altLang="ko-KR" dirty="0"/>
-              <a:t> </a:t>
-            </a:r>
-            <a:r>
-              <a:rPr lang="ko-KR" altLang="en-US" dirty="0"/>
-              <a:t>말고요</a:t>
-            </a:r>
-            <a:r>
-              <a:rPr lang="en-US" altLang="ko-KR" dirty="0"/>
-              <a:t>.)</a:t>
-            </a:r>
-          </a:p>
-          <a:p>
-            <a:r>
-              <a:rPr lang="ko-KR" altLang="en-US" dirty="0"/>
-              <a:t>필요하다면 추가로 슬라이드를 넣으셔도 좋습니다</a:t>
-            </a:r>
-            <a:r>
-              <a:rPr lang="en-US" altLang="ko-KR" dirty="0" smtClean="0"/>
-              <a:t>.</a:t>
-            </a:r>
-            <a:endParaRPr lang="ko-KR" altLang="en-US" dirty="0"/>
-          </a:p>
-        </p:txBody>
-      </p:sp>
-      <p:sp>
-        <p:nvSpPr>
-          <p:cNvPr id="4" name="슬라이드 번호 개체 틀 3"/>
-          <p:cNvSpPr>
-            <a:spLocks noGrp="1"/>
-          </p:cNvSpPr>
-          <p:nvPr>
-            <p:ph type="sldNum" sz="quarter" idx="12"/>
-          </p:nvPr>
-        </p:nvSpPr>
-        <p:spPr/>
-        <p:txBody>
-          <a:bodyPr/>
-          <a:lstStyle/>
-          <a:p>
-            <a:fld id="{64698B39-0510-493B-9469-0B9FF5C16F37}" type="slidenum">
-              <a:rPr lang="ko-KR" altLang="en-US" smtClean="0"/>
-              <a:t>30</a:t>
-            </a:fld>
-            <a:r>
-              <a:rPr lang="en-US" altLang="ko-KR" dirty="0" smtClean="0"/>
-              <a:t>. Woo </a:t>
-            </a:r>
-            <a:r>
-              <a:rPr lang="en-US" altLang="ko-KR" dirty="0" err="1" smtClean="0"/>
-              <a:t>SeungYeon</a:t>
-            </a:r>
-            <a:r>
-              <a:rPr lang="en-US" altLang="ko-KR" dirty="0" smtClean="0"/>
-              <a:t>, Song </a:t>
-            </a:r>
-            <a:r>
-              <a:rPr lang="en-US" altLang="ko-KR" dirty="0" err="1" smtClean="0"/>
-              <a:t>HyeongSeok</a:t>
-            </a:r>
-            <a:endParaRPr lang="ko-KR" altLang="en-US" dirty="0"/>
-          </a:p>
-        </p:txBody>
-      </p:sp>
-    </p:spTree>
-    <p:extLst>
-      <p:ext uri="{BB962C8B-B14F-4D97-AF65-F5344CB8AC3E}">
-        <p14:creationId xmlns:p14="http://schemas.microsoft.com/office/powerpoint/2010/main" val="3400923486"/>
-      </p:ext>
-    </p:extLst>
-  </p:cSld>
-  <p:clrMapOvr>
-    <a:masterClrMapping/>
-  </p:clrMapOvr>
-  <p:transition spd="slow">
-    <p:push/>
-  </p:transition>
-  <p:timing>
-    <p:tnLst>
-      <p:par>
-        <p:cTn id="1" dur="indefinite" restart="never" nodeType="tmRoot"/>
-      </p:par>
-    </p:tnLst>
-  </p:timing>
-</p:sld>
-</file>
-
-<file path=ppt/slides/slide31.xml><?xml version="1.0" encoding="utf-8"?>
-<p:sld xmlns:a="http://schemas.openxmlformats.org/drawingml/2006/main" xmlns:r="http://schemas.openxmlformats.org/officeDocument/2006/relationships" xmlns:p="http://schemas.openxmlformats.org/presentationml/2006/main">
-  <p:cSld>
-    <p:spTree>
-      <p:nvGrpSpPr>
-        <p:cNvPr id="1" name=""/>
-        <p:cNvGrpSpPr/>
-        <p:nvPr/>
-      </p:nvGrpSpPr>
-      <p:grpSpPr>
-        <a:xfrm>
-          <a:off x="0" y="0"/>
-          <a:ext cx="0" cy="0"/>
-          <a:chOff x="0" y="0"/>
-          <a:chExt cx="0" cy="0"/>
-        </a:xfrm>
-      </p:grpSpPr>
-      <p:sp>
-        <p:nvSpPr>
-          <p:cNvPr id="2" name="제목 1"/>
-          <p:cNvSpPr>
-            <a:spLocks noGrp="1"/>
-          </p:cNvSpPr>
-          <p:nvPr>
-            <p:ph type="title"/>
-          </p:nvPr>
-        </p:nvSpPr>
-        <p:spPr/>
-        <p:txBody>
-          <a:bodyPr/>
-          <a:lstStyle/>
-          <a:p>
-            <a:r>
-              <a:rPr lang="en-US" altLang="ko-KR" b="0" dirty="0" smtClean="0"/>
-              <a:t>Use Case 5.</a:t>
-            </a:r>
-            <a:r>
-              <a:rPr lang="en-US" altLang="ko-KR" dirty="0" smtClean="0"/>
-              <a:t> Time Table</a:t>
-            </a:r>
-            <a:endParaRPr lang="ko-KR" altLang="en-US" dirty="0"/>
-          </a:p>
-        </p:txBody>
-      </p:sp>
-      <p:sp>
-        <p:nvSpPr>
-          <p:cNvPr id="3" name="내용 개체 틀 2"/>
-          <p:cNvSpPr>
-            <a:spLocks noGrp="1"/>
-          </p:cNvSpPr>
-          <p:nvPr>
-            <p:ph idx="1"/>
-          </p:nvPr>
-        </p:nvSpPr>
-        <p:spPr>
-          <a:xfrm>
-            <a:off x="594053" y="1369218"/>
-            <a:ext cx="7452658" cy="2678799"/>
-          </a:xfrm>
-        </p:spPr>
-        <p:txBody>
-          <a:bodyPr>
-            <a:normAutofit/>
-          </a:bodyPr>
-          <a:lstStyle/>
-          <a:p>
-            <a:r>
-              <a:rPr lang="en-US" altLang="ko-KR" dirty="0" smtClean="0"/>
-              <a:t>Use Case 5. Time Table</a:t>
-            </a:r>
-          </a:p>
-          <a:p>
-            <a:r>
-              <a:rPr lang="en-US" altLang="ko-KR" dirty="0"/>
-              <a:t>Use Case Diagram</a:t>
-            </a:r>
-            <a:r>
-              <a:rPr lang="ko-KR" altLang="en-US" dirty="0"/>
-              <a:t>과 </a:t>
-            </a:r>
-            <a:r>
-              <a:rPr lang="en-US" altLang="ko-KR" dirty="0"/>
-              <a:t>Activity Diagram </a:t>
-            </a:r>
-            <a:r>
-              <a:rPr lang="ko-KR" altLang="en-US" dirty="0"/>
-              <a:t>올려주세요</a:t>
-            </a:r>
-            <a:r>
-              <a:rPr lang="en-US" altLang="ko-KR" dirty="0"/>
-              <a:t>.(</a:t>
-            </a:r>
-            <a:r>
-              <a:rPr lang="en-US" altLang="ko-KR" dirty="0" err="1"/>
-              <a:t>Swimlane</a:t>
-            </a:r>
-            <a:r>
-              <a:rPr lang="en-US" altLang="ko-KR" dirty="0"/>
-              <a:t> </a:t>
-            </a:r>
-            <a:r>
-              <a:rPr lang="ko-KR" altLang="en-US" dirty="0"/>
-              <a:t>말고요</a:t>
-            </a:r>
-            <a:r>
-              <a:rPr lang="en-US" altLang="ko-KR" dirty="0"/>
-              <a:t>.)</a:t>
-            </a:r>
-          </a:p>
-          <a:p>
-            <a:r>
-              <a:rPr lang="ko-KR" altLang="en-US" dirty="0"/>
-              <a:t>필요하다면 추가로 슬라이드를 넣으셔도 좋습니다</a:t>
-            </a:r>
-            <a:r>
-              <a:rPr lang="en-US" altLang="ko-KR" dirty="0" smtClean="0"/>
-              <a:t>.</a:t>
-            </a:r>
-            <a:endParaRPr lang="ko-KR" altLang="en-US" dirty="0"/>
-          </a:p>
-        </p:txBody>
-      </p:sp>
-      <p:sp>
-        <p:nvSpPr>
-          <p:cNvPr id="4" name="슬라이드 번호 개체 틀 3"/>
-          <p:cNvSpPr>
-            <a:spLocks noGrp="1"/>
-          </p:cNvSpPr>
-          <p:nvPr>
-            <p:ph type="sldNum" sz="quarter" idx="12"/>
-          </p:nvPr>
-        </p:nvSpPr>
-        <p:spPr/>
-        <p:txBody>
-          <a:bodyPr/>
-          <a:lstStyle/>
-          <a:p>
-            <a:fld id="{64698B39-0510-493B-9469-0B9FF5C16F37}" type="slidenum">
-              <a:rPr lang="ko-KR" altLang="en-US" smtClean="0"/>
-              <a:t>31</a:t>
-            </a:fld>
-            <a:r>
-              <a:rPr lang="en-US" altLang="ko-KR" dirty="0" smtClean="0"/>
-              <a:t>. Kim </a:t>
-            </a:r>
-            <a:r>
-              <a:rPr lang="en-US" altLang="ko-KR" dirty="0" err="1" smtClean="0"/>
-              <a:t>HyeongLak</a:t>
-            </a:r>
-            <a:r>
-              <a:rPr lang="en-US" altLang="ko-KR" dirty="0" smtClean="0"/>
-              <a:t>, Lee </a:t>
-            </a:r>
-            <a:r>
-              <a:rPr lang="en-US" altLang="ko-KR" dirty="0" err="1" smtClean="0"/>
-              <a:t>HakJin</a:t>
-            </a:r>
-            <a:endParaRPr lang="ko-KR" altLang="en-US" dirty="0"/>
-          </a:p>
-        </p:txBody>
-      </p:sp>
-    </p:spTree>
-    <p:extLst>
-      <p:ext uri="{BB962C8B-B14F-4D97-AF65-F5344CB8AC3E}">
-        <p14:creationId xmlns:p14="http://schemas.microsoft.com/office/powerpoint/2010/main" val="3196543748"/>
-      </p:ext>
-    </p:extLst>
-  </p:cSld>
-  <p:clrMapOvr>
-    <a:masterClrMapping/>
-  </p:clrMapOvr>
-  <p:transition spd="slow">
-    <p:push/>
-  </p:transition>
-  <p:timing>
-    <p:tnLst>
-      <p:par>
-        <p:cTn id="1" dur="indefinite" restart="never" nodeType="tmRoot"/>
-      </p:par>
-    </p:tnLst>
-  </p:timing>
-</p:sld>
-</file>
-
-<file path=ppt/slides/slide32.xml><?xml version="1.0" encoding="utf-8"?>
-<p:sld xmlns:a="http://schemas.openxmlformats.org/drawingml/2006/main" xmlns:r="http://schemas.openxmlformats.org/officeDocument/2006/relationships" xmlns:p="http://schemas.openxmlformats.org/presentationml/2006/main">
-  <p:cSld>
-    <p:spTree>
-      <p:nvGrpSpPr>
-        <p:cNvPr id="1" name=""/>
-        <p:cNvGrpSpPr/>
-        <p:nvPr/>
-      </p:nvGrpSpPr>
-      <p:grpSpPr>
-        <a:xfrm>
-          <a:off x="0" y="0"/>
-          <a:ext cx="0" cy="0"/>
-          <a:chOff x="0" y="0"/>
-          <a:chExt cx="0" cy="0"/>
-        </a:xfrm>
-      </p:grpSpPr>
-      <p:sp>
-        <p:nvSpPr>
-          <p:cNvPr id="2" name="제목 1"/>
-          <p:cNvSpPr>
-            <a:spLocks noGrp="1"/>
-          </p:cNvSpPr>
-          <p:nvPr>
-            <p:ph type="title"/>
-          </p:nvPr>
-        </p:nvSpPr>
-        <p:spPr/>
-        <p:txBody>
-          <a:bodyPr/>
-          <a:lstStyle/>
-          <a:p>
-            <a:r>
-              <a:rPr lang="en-US" altLang="ko-KR" b="0" dirty="0" smtClean="0"/>
-              <a:t>Use Case 6.</a:t>
-            </a:r>
-            <a:r>
-              <a:rPr lang="en-US" altLang="ko-KR" dirty="0" smtClean="0"/>
-              <a:t> Weekly Menu</a:t>
-            </a:r>
-            <a:endParaRPr lang="ko-KR" altLang="en-US" dirty="0"/>
-          </a:p>
-        </p:txBody>
-      </p:sp>
-      <p:sp>
-        <p:nvSpPr>
-          <p:cNvPr id="3" name="내용 개체 틀 2"/>
-          <p:cNvSpPr>
-            <a:spLocks noGrp="1"/>
-          </p:cNvSpPr>
-          <p:nvPr>
-            <p:ph idx="1"/>
-          </p:nvPr>
-        </p:nvSpPr>
-        <p:spPr>
-          <a:xfrm>
-            <a:off x="594053" y="1369219"/>
-            <a:ext cx="7452658" cy="2195914"/>
-          </a:xfrm>
-        </p:spPr>
-        <p:txBody>
-          <a:bodyPr>
-            <a:normAutofit/>
-          </a:bodyPr>
-          <a:lstStyle/>
-          <a:p>
-            <a:r>
-              <a:rPr lang="en-US" altLang="ko-KR" dirty="0" smtClean="0"/>
-              <a:t>Use Case 6. Weekly Menu</a:t>
-            </a:r>
-          </a:p>
-          <a:p>
-            <a:r>
-              <a:rPr lang="en-US" altLang="ko-KR" dirty="0"/>
-              <a:t>Use Case Diagram</a:t>
-            </a:r>
-            <a:r>
-              <a:rPr lang="ko-KR" altLang="en-US" dirty="0"/>
-              <a:t>과 </a:t>
-            </a:r>
-            <a:r>
-              <a:rPr lang="en-US" altLang="ko-KR" dirty="0"/>
-              <a:t>Activity Diagram </a:t>
-            </a:r>
-            <a:r>
-              <a:rPr lang="ko-KR" altLang="en-US" dirty="0"/>
-              <a:t>올려주세요</a:t>
-            </a:r>
-            <a:r>
-              <a:rPr lang="en-US" altLang="ko-KR" dirty="0"/>
-              <a:t>.(</a:t>
-            </a:r>
-            <a:r>
-              <a:rPr lang="en-US" altLang="ko-KR" dirty="0" err="1"/>
-              <a:t>Swimlane</a:t>
-            </a:r>
-            <a:r>
-              <a:rPr lang="en-US" altLang="ko-KR" dirty="0"/>
-              <a:t> </a:t>
-            </a:r>
-            <a:r>
-              <a:rPr lang="ko-KR" altLang="en-US" dirty="0"/>
-              <a:t>말고요</a:t>
-            </a:r>
-            <a:r>
-              <a:rPr lang="en-US" altLang="ko-KR" dirty="0"/>
-              <a:t>.)</a:t>
-            </a:r>
-          </a:p>
-          <a:p>
-            <a:r>
-              <a:rPr lang="ko-KR" altLang="en-US" dirty="0"/>
-              <a:t>필요하다면 추가로 슬라이드를 넣으셔도 좋습니다</a:t>
-            </a:r>
-            <a:r>
-              <a:rPr lang="en-US" altLang="ko-KR" dirty="0" smtClean="0"/>
-              <a:t>.</a:t>
-            </a:r>
-            <a:endParaRPr lang="ko-KR" altLang="en-US" dirty="0"/>
-          </a:p>
-          <a:p>
-            <a:endParaRPr lang="ko-KR" altLang="en-US" dirty="0"/>
-          </a:p>
-        </p:txBody>
-      </p:sp>
-      <p:sp>
-        <p:nvSpPr>
-          <p:cNvPr id="4" name="슬라이드 번호 개체 틀 3"/>
-          <p:cNvSpPr>
-            <a:spLocks noGrp="1"/>
-          </p:cNvSpPr>
-          <p:nvPr>
-            <p:ph type="sldNum" sz="quarter" idx="12"/>
-          </p:nvPr>
-        </p:nvSpPr>
-        <p:spPr/>
-        <p:txBody>
-          <a:bodyPr/>
-          <a:lstStyle/>
-          <a:p>
-            <a:fld id="{64698B39-0510-493B-9469-0B9FF5C16F37}" type="slidenum">
-              <a:rPr lang="ko-KR" altLang="en-US" smtClean="0"/>
-              <a:t>32</a:t>
-            </a:fld>
-            <a:r>
-              <a:rPr lang="en-US" altLang="ko-KR" dirty="0" smtClean="0"/>
-              <a:t>. </a:t>
-            </a:r>
-            <a:r>
-              <a:rPr lang="en-US" altLang="ko-KR" dirty="0" err="1" smtClean="0"/>
-              <a:t>Ahn</a:t>
-            </a:r>
-            <a:r>
-              <a:rPr lang="en-US" altLang="ko-KR" dirty="0" smtClean="0"/>
-              <a:t> </a:t>
-            </a:r>
-            <a:r>
-              <a:rPr lang="en-US" altLang="ko-KR" dirty="0" err="1" smtClean="0"/>
-              <a:t>YounGeun</a:t>
-            </a:r>
-            <a:r>
-              <a:rPr lang="en-US" altLang="ko-KR" dirty="0" smtClean="0"/>
-              <a:t>, Kim </a:t>
-            </a:r>
-            <a:r>
-              <a:rPr lang="en-US" altLang="ko-KR" dirty="0" err="1" smtClean="0"/>
-              <a:t>JinHee</a:t>
-            </a:r>
-            <a:endParaRPr lang="ko-KR" altLang="en-US" dirty="0"/>
-          </a:p>
-        </p:txBody>
-      </p:sp>
-    </p:spTree>
-    <p:extLst>
-      <p:ext uri="{BB962C8B-B14F-4D97-AF65-F5344CB8AC3E}">
-        <p14:creationId xmlns:p14="http://schemas.microsoft.com/office/powerpoint/2010/main" val="3727980499"/>
-      </p:ext>
-    </p:extLst>
-  </p:cSld>
-  <p:clrMapOvr>
-    <a:masterClrMapping/>
-  </p:clrMapOvr>
-  <p:transition spd="slow">
-    <p:push/>
-  </p:transition>
-  <p:timing>
-    <p:tnLst>
-      <p:par>
-        <p:cTn id="1" dur="indefinite" restart="never" nodeType="tmRoot"/>
-      </p:par>
-    </p:tnLst>
-  </p:timing>
-</p:sld>
-</file>
-
-<file path=ppt/slides/slide33.xml><?xml version="1.0" encoding="utf-8"?>
-<p:sld xmlns:a="http://schemas.openxmlformats.org/drawingml/2006/main" xmlns:r="http://schemas.openxmlformats.org/officeDocument/2006/relationships" xmlns:p="http://schemas.openxmlformats.org/presentationml/2006/main">
-  <p:cSld>
-    <p:spTree>
-      <p:nvGrpSpPr>
-        <p:cNvPr id="1" name=""/>
-        <p:cNvGrpSpPr/>
-        <p:nvPr/>
-      </p:nvGrpSpPr>
-      <p:grpSpPr>
-        <a:xfrm>
-          <a:off x="0" y="0"/>
-          <a:ext cx="0" cy="0"/>
-          <a:chOff x="0" y="0"/>
-          <a:chExt cx="0" cy="0"/>
-        </a:xfrm>
-      </p:grpSpPr>
-      <p:sp>
-        <p:nvSpPr>
-          <p:cNvPr id="2" name="제목 1"/>
-          <p:cNvSpPr>
-            <a:spLocks noGrp="1"/>
-          </p:cNvSpPr>
-          <p:nvPr>
-            <p:ph type="title"/>
-          </p:nvPr>
-        </p:nvSpPr>
-        <p:spPr/>
-        <p:txBody>
-          <a:bodyPr/>
-          <a:lstStyle/>
-          <a:p>
-            <a:r>
-              <a:rPr lang="en-US" altLang="ko-KR" b="0" dirty="0" smtClean="0"/>
-              <a:t>Use Case7.</a:t>
-            </a:r>
-            <a:r>
-              <a:rPr lang="en-US" altLang="ko-KR" dirty="0" smtClean="0"/>
-              <a:t> Manager Page</a:t>
-            </a:r>
-            <a:endParaRPr lang="ko-KR" altLang="en-US" dirty="0"/>
-          </a:p>
-        </p:txBody>
-      </p:sp>
-      <p:sp>
-        <p:nvSpPr>
-          <p:cNvPr id="3" name="내용 개체 틀 2"/>
-          <p:cNvSpPr>
-            <a:spLocks noGrp="1"/>
-          </p:cNvSpPr>
-          <p:nvPr>
-            <p:ph idx="1"/>
-          </p:nvPr>
-        </p:nvSpPr>
-        <p:spPr>
-          <a:xfrm>
-            <a:off x="594053" y="1369219"/>
-            <a:ext cx="7452658" cy="2452768"/>
-          </a:xfrm>
-        </p:spPr>
-        <p:txBody>
-          <a:bodyPr>
-            <a:normAutofit/>
-          </a:bodyPr>
-          <a:lstStyle/>
-          <a:p>
-            <a:r>
-              <a:rPr lang="en-US" altLang="ko-KR" dirty="0" smtClean="0"/>
-              <a:t>Use Case 7. Manager Page</a:t>
-            </a:r>
-          </a:p>
-          <a:p>
-            <a:r>
-              <a:rPr lang="en-US" altLang="ko-KR" dirty="0"/>
-              <a:t>Use Case Diagram</a:t>
-            </a:r>
-            <a:r>
-              <a:rPr lang="ko-KR" altLang="en-US" dirty="0"/>
-              <a:t>과 </a:t>
-            </a:r>
-            <a:r>
-              <a:rPr lang="en-US" altLang="ko-KR" dirty="0"/>
-              <a:t>Activity Diagram </a:t>
-            </a:r>
-            <a:r>
-              <a:rPr lang="ko-KR" altLang="en-US" dirty="0"/>
-              <a:t>올려주세요</a:t>
-            </a:r>
-            <a:r>
-              <a:rPr lang="en-US" altLang="ko-KR" dirty="0"/>
-              <a:t>.(</a:t>
-            </a:r>
-            <a:r>
-              <a:rPr lang="en-US" altLang="ko-KR" dirty="0" err="1"/>
-              <a:t>Swimlane</a:t>
-            </a:r>
-            <a:r>
-              <a:rPr lang="en-US" altLang="ko-KR" dirty="0"/>
-              <a:t> </a:t>
-            </a:r>
-            <a:r>
-              <a:rPr lang="ko-KR" altLang="en-US" dirty="0"/>
-              <a:t>말고요</a:t>
-            </a:r>
-            <a:r>
-              <a:rPr lang="en-US" altLang="ko-KR" dirty="0"/>
-              <a:t>.)</a:t>
-            </a:r>
-          </a:p>
-          <a:p>
-            <a:r>
-              <a:rPr lang="ko-KR" altLang="en-US" dirty="0"/>
-              <a:t>필요하다면 추가로 슬라이드를 넣으셔도 좋습니다</a:t>
-            </a:r>
-            <a:r>
-              <a:rPr lang="en-US" altLang="ko-KR" dirty="0" smtClean="0"/>
-              <a:t>.</a:t>
-            </a:r>
-            <a:endParaRPr lang="ko-KR" altLang="en-US" dirty="0"/>
-          </a:p>
-        </p:txBody>
-      </p:sp>
-      <p:sp>
-        <p:nvSpPr>
-          <p:cNvPr id="4" name="슬라이드 번호 개체 틀 3"/>
-          <p:cNvSpPr>
-            <a:spLocks noGrp="1"/>
-          </p:cNvSpPr>
-          <p:nvPr>
-            <p:ph type="sldNum" sz="quarter" idx="12"/>
-          </p:nvPr>
-        </p:nvSpPr>
-        <p:spPr/>
-        <p:txBody>
-          <a:bodyPr/>
-          <a:lstStyle/>
-          <a:p>
-            <a:fld id="{64698B39-0510-493B-9469-0B9FF5C16F37}" type="slidenum">
-              <a:rPr lang="ko-KR" altLang="en-US" smtClean="0"/>
-              <a:t>33</a:t>
-            </a:fld>
-            <a:r>
-              <a:rPr lang="en-US" altLang="ko-KR" dirty="0" smtClean="0"/>
-              <a:t>. Woo </a:t>
-            </a:r>
-            <a:r>
-              <a:rPr lang="en-US" altLang="ko-KR" dirty="0" err="1" smtClean="0"/>
-              <a:t>SeungYeon</a:t>
-            </a:r>
-            <a:r>
-              <a:rPr lang="en-US" altLang="ko-KR" dirty="0" smtClean="0"/>
-              <a:t>, Song </a:t>
-            </a:r>
-            <a:r>
-              <a:rPr lang="en-US" altLang="ko-KR" dirty="0" err="1" smtClean="0"/>
-              <a:t>HyeongSeok</a:t>
-            </a:r>
-            <a:endParaRPr lang="ko-KR" altLang="en-US" dirty="0"/>
-          </a:p>
-        </p:txBody>
-      </p:sp>
-    </p:spTree>
-    <p:extLst>
-      <p:ext uri="{BB962C8B-B14F-4D97-AF65-F5344CB8AC3E}">
-        <p14:creationId xmlns:p14="http://schemas.microsoft.com/office/powerpoint/2010/main" val="777654364"/>
-      </p:ext>
-    </p:extLst>
-  </p:cSld>
-  <p:clrMapOvr>
-    <a:masterClrMapping/>
-  </p:clrMapOvr>
-  <p:transition spd="slow">
-    <p:push/>
-  </p:transition>
-  <p:timing>
-    <p:tnLst>
-      <p:par>
-        <p:cTn id="1" dur="indefinite" restart="never" nodeType="tmRoot"/>
-      </p:par>
-    </p:tnLst>
-  </p:timing>
-</p:sld>
-</file>
-
-<file path=ppt/slides/slide34.xml><?xml version="1.0" encoding="utf-8"?>
-<p:sld xmlns:a="http://schemas.openxmlformats.org/drawingml/2006/main" xmlns:r="http://schemas.openxmlformats.org/officeDocument/2006/relationships" xmlns:p="http://schemas.openxmlformats.org/presentationml/2006/main">
-  <p:cSld>
-    <p:spTree>
-      <p:nvGrpSpPr>
-        <p:cNvPr id="1" name=""/>
-        <p:cNvGrpSpPr/>
-        <p:nvPr/>
-      </p:nvGrpSpPr>
-      <p:grpSpPr>
-        <a:xfrm>
-          <a:off x="0" y="0"/>
-          <a:ext cx="0" cy="0"/>
-          <a:chOff x="0" y="0"/>
-          <a:chExt cx="0" cy="0"/>
-        </a:xfrm>
-      </p:grpSpPr>
-      <p:sp>
-        <p:nvSpPr>
-          <p:cNvPr id="2" name="제목 1"/>
-          <p:cNvSpPr>
-            <a:spLocks noGrp="1"/>
-          </p:cNvSpPr>
-          <p:nvPr>
-            <p:ph type="title"/>
-          </p:nvPr>
-        </p:nvSpPr>
-        <p:spPr/>
-        <p:txBody>
-          <a:bodyPr/>
-          <a:lstStyle/>
-          <a:p>
-            <a:r>
-              <a:rPr lang="en-US" altLang="ko-KR" b="0" dirty="0" smtClean="0"/>
-              <a:t>Use Case 8.</a:t>
-            </a:r>
-            <a:r>
-              <a:rPr lang="en-US" altLang="ko-KR" dirty="0" smtClean="0"/>
-              <a:t> Page Switch</a:t>
-            </a:r>
-            <a:endParaRPr lang="ko-KR" altLang="en-US" dirty="0"/>
-          </a:p>
-        </p:txBody>
-      </p:sp>
-      <p:sp>
-        <p:nvSpPr>
-          <p:cNvPr id="3" name="내용 개체 틀 2"/>
-          <p:cNvSpPr>
-            <a:spLocks noGrp="1"/>
-          </p:cNvSpPr>
-          <p:nvPr>
-            <p:ph idx="1"/>
-          </p:nvPr>
-        </p:nvSpPr>
-        <p:spPr>
-          <a:xfrm>
-            <a:off x="594053" y="1369219"/>
-            <a:ext cx="7452658" cy="2278107"/>
-          </a:xfrm>
-        </p:spPr>
-        <p:txBody>
-          <a:bodyPr>
-            <a:normAutofit/>
-          </a:bodyPr>
-          <a:lstStyle/>
-          <a:p>
-            <a:r>
-              <a:rPr lang="en-US" altLang="ko-KR" dirty="0" smtClean="0"/>
-              <a:t>Use Case 8. Page Switch</a:t>
-            </a:r>
-          </a:p>
-          <a:p>
-            <a:r>
-              <a:rPr lang="en-US" altLang="ko-KR" dirty="0"/>
-              <a:t>Use Case Diagram</a:t>
-            </a:r>
-            <a:r>
-              <a:rPr lang="ko-KR" altLang="en-US" dirty="0"/>
-              <a:t>과 </a:t>
-            </a:r>
-            <a:r>
-              <a:rPr lang="en-US" altLang="ko-KR" dirty="0"/>
-              <a:t>Activity Diagram </a:t>
-            </a:r>
-            <a:r>
-              <a:rPr lang="ko-KR" altLang="en-US" dirty="0"/>
-              <a:t>올려주세요</a:t>
-            </a:r>
-            <a:r>
-              <a:rPr lang="en-US" altLang="ko-KR" dirty="0"/>
-              <a:t>.(</a:t>
-            </a:r>
-            <a:r>
-              <a:rPr lang="en-US" altLang="ko-KR" dirty="0" err="1"/>
-              <a:t>Swimlane</a:t>
-            </a:r>
-            <a:r>
-              <a:rPr lang="en-US" altLang="ko-KR" dirty="0"/>
-              <a:t> </a:t>
-            </a:r>
-            <a:r>
-              <a:rPr lang="ko-KR" altLang="en-US" dirty="0"/>
-              <a:t>말고요</a:t>
-            </a:r>
-            <a:r>
-              <a:rPr lang="en-US" altLang="ko-KR" dirty="0"/>
-              <a:t>.)</a:t>
-            </a:r>
-          </a:p>
-          <a:p>
-            <a:r>
-              <a:rPr lang="ko-KR" altLang="en-US" dirty="0"/>
-              <a:t>필요하다면 추가로 슬라이드를 넣으셔도 좋습니다</a:t>
-            </a:r>
-            <a:r>
-              <a:rPr lang="en-US" altLang="ko-KR" dirty="0"/>
-              <a:t>.</a:t>
-            </a:r>
-            <a:endParaRPr lang="ko-KR" altLang="en-US" dirty="0"/>
-          </a:p>
-          <a:p>
-            <a:endParaRPr lang="ko-KR" altLang="en-US" dirty="0"/>
-          </a:p>
-        </p:txBody>
-      </p:sp>
-      <p:sp>
-        <p:nvSpPr>
-          <p:cNvPr id="4" name="슬라이드 번호 개체 틀 3"/>
-          <p:cNvSpPr>
-            <a:spLocks noGrp="1"/>
-          </p:cNvSpPr>
-          <p:nvPr>
-            <p:ph type="sldNum" sz="quarter" idx="12"/>
-          </p:nvPr>
-        </p:nvSpPr>
-        <p:spPr/>
-        <p:txBody>
-          <a:bodyPr/>
-          <a:lstStyle/>
-          <a:p>
-            <a:fld id="{64698B39-0510-493B-9469-0B9FF5C16F37}" type="slidenum">
-              <a:rPr lang="ko-KR" altLang="en-US" smtClean="0"/>
-              <a:t>34</a:t>
-            </a:fld>
-            <a:r>
-              <a:rPr lang="en-US" altLang="ko-KR" dirty="0" smtClean="0"/>
-              <a:t>. Sung </a:t>
-            </a:r>
-            <a:r>
-              <a:rPr lang="en-US" altLang="ko-KR" dirty="0" err="1" smtClean="0"/>
-              <a:t>DaHae</a:t>
-            </a:r>
-            <a:endParaRPr lang="ko-KR" altLang="en-US" dirty="0"/>
-          </a:p>
-        </p:txBody>
-      </p:sp>
-    </p:spTree>
-    <p:extLst>
-      <p:ext uri="{BB962C8B-B14F-4D97-AF65-F5344CB8AC3E}">
-        <p14:creationId xmlns:p14="http://schemas.microsoft.com/office/powerpoint/2010/main" val="1761697264"/>
-      </p:ext>
-    </p:extLst>
-  </p:cSld>
-  <p:clrMapOvr>
-    <a:masterClrMapping/>
-  </p:clrMapOvr>
-  <p:transition spd="slow">
-    <p:push/>
-  </p:transition>
-  <p:timing>
-    <p:tnLst>
-      <p:par>
-        <p:cTn id="1" dur="indefinite" restart="never" nodeType="tmRoot"/>
-      </p:par>
-    </p:tnLst>
-  </p:timing>
-</p:sld>
-</file>
-
-<file path=ppt/slides/slide35.xml><?xml version="1.0" encoding="utf-8"?>
-<p:sld xmlns:a="http://schemas.openxmlformats.org/drawingml/2006/main" xmlns:r="http://schemas.openxmlformats.org/officeDocument/2006/relationships" xmlns:p="http://schemas.openxmlformats.org/presentationml/2006/main">
-  <p:cSld>
-    <p:spTree>
-      <p:nvGrpSpPr>
-        <p:cNvPr id="1" name=""/>
-        <p:cNvGrpSpPr/>
-        <p:nvPr/>
-      </p:nvGrpSpPr>
-      <p:grpSpPr>
-        <a:xfrm>
-          <a:off x="0" y="0"/>
-          <a:ext cx="0" cy="0"/>
-          <a:chOff x="0" y="0"/>
-          <a:chExt cx="0" cy="0"/>
-        </a:xfrm>
-      </p:grpSpPr>
-      <p:sp>
-        <p:nvSpPr>
-          <p:cNvPr id="2" name="제목 1"/>
-          <p:cNvSpPr>
-            <a:spLocks noGrp="1"/>
-          </p:cNvSpPr>
-          <p:nvPr>
-            <p:ph type="ctrTitle"/>
-          </p:nvPr>
-        </p:nvSpPr>
-        <p:spPr>
-          <a:xfrm>
-            <a:off x="6534361" y="3701788"/>
-            <a:ext cx="2116476" cy="1083072"/>
-          </a:xfrm>
-        </p:spPr>
-        <p:txBody>
-          <a:bodyPr>
-            <a:normAutofit/>
-          </a:bodyPr>
-          <a:lstStyle/>
-          <a:p>
-            <a:r>
-              <a:rPr lang="en-US" altLang="ko-KR" sz="6600" dirty="0" smtClean="0">
-                <a:solidFill>
-                  <a:schemeClr val="bg1"/>
-                </a:solidFill>
-                <a:latin typeface="Roboto Black" panose="02000000000000000000" pitchFamily="2" charset="0"/>
-                <a:cs typeface="Roboto Black" panose="02000000000000000000" pitchFamily="2" charset="0"/>
-              </a:rPr>
-              <a:t>Fin</a:t>
-            </a:r>
-            <a:r>
-              <a:rPr lang="en-US" altLang="ko-KR" sz="4400" dirty="0" smtClean="0">
-                <a:solidFill>
-                  <a:schemeClr val="bg1"/>
-                </a:solidFill>
-                <a:latin typeface="Roboto Black" panose="02000000000000000000" pitchFamily="2" charset="0"/>
-                <a:cs typeface="Roboto Black" panose="02000000000000000000" pitchFamily="2" charset="0"/>
-              </a:rPr>
-              <a:t>.</a:t>
-            </a:r>
-            <a:endParaRPr lang="ko-KR" altLang="en-US" sz="4400" dirty="0">
-              <a:solidFill>
-                <a:schemeClr val="bg1"/>
-              </a:solidFill>
-              <a:latin typeface="Roboto Black" panose="02000000000000000000" pitchFamily="2" charset="0"/>
-              <a:cs typeface="Roboto Black" panose="02000000000000000000" pitchFamily="2" charset="0"/>
-            </a:endParaRPr>
-          </a:p>
-        </p:txBody>
-      </p:sp>
-      <p:sp>
-        <p:nvSpPr>
-          <p:cNvPr id="6" name="제목 1"/>
-          <p:cNvSpPr txBox="1">
-            <a:spLocks/>
-          </p:cNvSpPr>
-          <p:nvPr/>
-        </p:nvSpPr>
-        <p:spPr>
-          <a:xfrm>
-            <a:off x="318096" y="3474839"/>
-            <a:ext cx="5562004" cy="1083072"/>
-          </a:xfrm>
-          <a:prstGeom prst="rect">
-            <a:avLst/>
-          </a:prstGeom>
-        </p:spPr>
-        <p:txBody>
-          <a:bodyPr vert="horz" lIns="91440" tIns="45720" rIns="91440" bIns="45720" rtlCol="0" anchor="b">
-            <a:normAutofit/>
-          </a:bodyPr>
-          <a:lstStyle>
-            <a:lvl1pPr algn="ctr" defTabSz="648035" rtl="0" eaLnBrk="1" latinLnBrk="1" hangingPunct="1">
-              <a:lnSpc>
-                <a:spcPct val="90000"/>
-              </a:lnSpc>
-              <a:spcBef>
-                <a:spcPct val="0"/>
-              </a:spcBef>
-              <a:buNone/>
-              <a:defRPr sz="4252" kern="1200">
-                <a:solidFill>
-                  <a:schemeClr val="tx1"/>
-                </a:solidFill>
-                <a:latin typeface="나눔고딕" panose="020D0604000000000000" pitchFamily="50" charset="-127"/>
-                <a:ea typeface="나눔고딕" panose="020D0604000000000000" pitchFamily="50" charset="-127"/>
-                <a:cs typeface="Roboto Black" panose="02000000000000000000" pitchFamily="2" charset="0"/>
-              </a:defRPr>
-            </a:lvl1pPr>
-          </a:lstStyle>
-          <a:p>
-            <a:pPr algn="l"/>
-            <a:endParaRPr lang="ko-KR" altLang="en-US" dirty="0">
-              <a:solidFill>
-                <a:schemeClr val="bg1"/>
-              </a:solidFill>
-              <a:latin typeface="Roboto" panose="02000000000000000000" pitchFamily="2" charset="0"/>
-              <a:cs typeface="Roboto" panose="02000000000000000000" pitchFamily="2" charset="0"/>
-            </a:endParaRPr>
-          </a:p>
-        </p:txBody>
-      </p:sp>
-    </p:spTree>
-    <p:extLst>
-      <p:ext uri="{BB962C8B-B14F-4D97-AF65-F5344CB8AC3E}">
-        <p14:creationId xmlns:p14="http://schemas.microsoft.com/office/powerpoint/2010/main" val="2029016345"/>
-      </p:ext>
-    </p:extLst>
-  </p:cSld>
-  <p:clrMapOvr>
-    <a:masterClrMapping/>
-  </p:clrMapOvr>
-  <p:transition spd="slow">
-    <p:push dir="u"/>
   </p:transition>
   <p:timing>
     <p:tnLst>
@@ -10847,7 +14661,7 @@
     </p:spTree>
     <p:extLst>
       <p:ext uri="{BB962C8B-B14F-4D97-AF65-F5344CB8AC3E}">
-        <p14:creationId xmlns:p14="http://schemas.microsoft.com/office/powerpoint/2010/main" val="3689799658"/>
+        <p14:creationId xmlns:p14="http://schemas.microsoft.com/office/powerpoint/2010/main" val="137389208"/>
       </p:ext>
     </p:extLst>
   </p:cSld>
@@ -10932,11 +14746,7 @@
           <a:p>
             <a:r>
               <a:rPr lang="en-US" altLang="ko-KR" dirty="0" smtClean="0"/>
-              <a:t>Target </a:t>
-            </a:r>
-            <a:r>
-              <a:rPr lang="en-US" altLang="ko-KR" dirty="0" smtClean="0"/>
-              <a:t>User</a:t>
+              <a:t>Target User</a:t>
             </a:r>
             <a:endParaRPr lang="ko-KR" altLang="en-US" dirty="0"/>
           </a:p>
@@ -11297,7 +15107,7 @@
     </p:spTree>
     <p:extLst>
       <p:ext uri="{BB962C8B-B14F-4D97-AF65-F5344CB8AC3E}">
-        <p14:creationId xmlns:p14="http://schemas.microsoft.com/office/powerpoint/2010/main" val="3950737734"/>
+        <p14:creationId xmlns:p14="http://schemas.microsoft.com/office/powerpoint/2010/main" val="2418208006"/>
       </p:ext>
     </p:extLst>
   </p:cSld>
@@ -11566,7 +15376,7 @@
     </p:spTree>
     <p:extLst>
       <p:ext uri="{BB962C8B-B14F-4D97-AF65-F5344CB8AC3E}">
-        <p14:creationId xmlns:p14="http://schemas.microsoft.com/office/powerpoint/2010/main" val="3786128683"/>
+        <p14:creationId xmlns:p14="http://schemas.microsoft.com/office/powerpoint/2010/main" val="3404155378"/>
       </p:ext>
     </p:extLst>
   </p:cSld>
@@ -11967,7 +15777,7 @@
     </p:spTree>
     <p:extLst>
       <p:ext uri="{BB962C8B-B14F-4D97-AF65-F5344CB8AC3E}">
-        <p14:creationId xmlns:p14="http://schemas.microsoft.com/office/powerpoint/2010/main" val="2389599017"/>
+        <p14:creationId xmlns:p14="http://schemas.microsoft.com/office/powerpoint/2010/main" val="1440016274"/>
       </p:ext>
     </p:extLst>
   </p:cSld>
@@ -12298,7 +16108,7 @@
     </p:spTree>
     <p:extLst>
       <p:ext uri="{BB962C8B-B14F-4D97-AF65-F5344CB8AC3E}">
-        <p14:creationId xmlns:p14="http://schemas.microsoft.com/office/powerpoint/2010/main" val="4083649421"/>
+        <p14:creationId xmlns:p14="http://schemas.microsoft.com/office/powerpoint/2010/main" val="3518996197"/>
       </p:ext>
     </p:extLst>
   </p:cSld>
@@ -12380,19 +16190,7 @@
           <a:p>
             <a:r>
               <a:rPr lang="en-US" altLang="ko-KR" dirty="0" smtClean="0"/>
-              <a:t>Why are we </a:t>
-            </a:r>
-            <a:r>
-              <a:rPr lang="en-US" altLang="ko-KR" dirty="0" smtClean="0"/>
-              <a:t>select </a:t>
-            </a:r>
-            <a:r>
-              <a:rPr lang="en-US" altLang="ko-KR" dirty="0" smtClean="0"/>
-              <a:t>Scrum</a:t>
-            </a:r>
-            <a:r>
-              <a:rPr lang="en-US" altLang="ko-KR" dirty="0" smtClean="0"/>
-              <a:t>?</a:t>
+              <a:t>Why are we select Scrum?</a:t>
             </a:r>
           </a:p>
         </p:txBody>
@@ -12624,14 +16422,6 @@
               </a:rPr>
               <a:t>development</a:t>
             </a:r>
-            <a:endParaRPr lang="en-US" altLang="ko-KR" sz="4800" dirty="0" smtClean="0">
-              <a:solidFill>
-                <a:schemeClr val="tx1">
-                  <a:lumMod val="50000"/>
-                  <a:lumOff val="50000"/>
-                </a:schemeClr>
-              </a:solidFill>
-            </a:endParaRPr>
           </a:p>
         </p:txBody>
       </p:sp>
@@ -12850,21 +16640,13 @@
               </a:rPr>
               <a:t> partially.</a:t>
             </a:r>
-            <a:endParaRPr lang="en-US" altLang="ko-KR" sz="4800" dirty="0" smtClean="0">
-              <a:solidFill>
-                <a:schemeClr val="tx1">
-                  <a:lumMod val="50000"/>
-                  <a:lumOff val="50000"/>
-                </a:schemeClr>
-              </a:solidFill>
-            </a:endParaRPr>
           </a:p>
         </p:txBody>
       </p:sp>
     </p:spTree>
     <p:extLst>
       <p:ext uri="{BB962C8B-B14F-4D97-AF65-F5344CB8AC3E}">
-        <p14:creationId xmlns:p14="http://schemas.microsoft.com/office/powerpoint/2010/main" val="2579574294"/>
+        <p14:creationId xmlns:p14="http://schemas.microsoft.com/office/powerpoint/2010/main" val="2051236215"/>
       </p:ext>
     </p:extLst>
   </p:cSld>
